--- a/bridge.net/bridge-net.pptx
+++ b/bridge.net/bridge-net.pptx
@@ -6,7 +6,18 @@
   </p:sldMasterIdLst>
   <p:sldIdLst>
     <p:sldId id="256" r:id="rId2"/>
-    <p:sldId id="257" r:id="rId3"/>
+    <p:sldId id="264" r:id="rId3"/>
+    <p:sldId id="258" r:id="rId4"/>
+    <p:sldId id="263" r:id="rId5"/>
+    <p:sldId id="266" r:id="rId6"/>
+    <p:sldId id="262" r:id="rId7"/>
+    <p:sldId id="261" r:id="rId8"/>
+    <p:sldId id="265" r:id="rId9"/>
+    <p:sldId id="269" r:id="rId10"/>
+    <p:sldId id="267" r:id="rId11"/>
+    <p:sldId id="270" r:id="rId12"/>
+    <p:sldId id="268" r:id="rId13"/>
+    <p:sldId id="271" r:id="rId14"/>
   </p:sldIdLst>
   <p:sldSz cx="12192000" cy="6858000"/>
   <p:notesSz cx="6858000" cy="9144000"/>
@@ -105,6 +116,11 @@
       </a:defRPr>
     </a:lvl9pPr>
   </p:defaultTextStyle>
+  <p:extLst>
+    <p:ext uri="{EFAFB233-063F-42B5-8137-9DF3F51BA10A}">
+      <p15:sldGuideLst xmlns:p15="http://schemas.microsoft.com/office/powerpoint/2012/main"/>
+    </p:ext>
+  </p:extLst>
 </p:presentation>
 </file>
 
@@ -334,7 +350,7 @@
           <a:p>
             <a:fld id="{96DFF08F-DC6B-4601-B491-B0F83F6DD2DA}" type="datetimeFigureOut">
               <a:rPr lang="en-US" dirty="0"/>
-              <a:t>4/27/2019</a:t>
+              <a:t>5/1/2019</a:t>
             </a:fld>
             <a:endParaRPr lang="en-US" dirty="0"/>
           </a:p>
@@ -537,7 +553,7 @@
           <a:p>
             <a:fld id="{96DFF08F-DC6B-4601-B491-B0F83F6DD2DA}" type="datetimeFigureOut">
               <a:rPr lang="en-US" dirty="0"/>
-              <a:t>4/27/2019</a:t>
+              <a:t>5/1/2019</a:t>
             </a:fld>
             <a:endParaRPr lang="en-US" dirty="0"/>
           </a:p>
@@ -788,7 +804,7 @@
           <a:p>
             <a:fld id="{96DFF08F-DC6B-4601-B491-B0F83F6DD2DA}" type="datetimeFigureOut">
               <a:rPr lang="en-US" dirty="0"/>
-              <a:t>4/27/2019</a:t>
+              <a:t>5/1/2019</a:t>
             </a:fld>
             <a:endParaRPr lang="en-US" dirty="0"/>
           </a:p>
@@ -953,7 +969,7 @@
           <a:p>
             <a:fld id="{D62CEF3B-A037-46D0-B02C-1428F07E9383}" type="datetimeFigureOut">
               <a:rPr lang="en-US" dirty="0"/>
-              <a:t>4/27/2019</a:t>
+              <a:t>5/1/2019</a:t>
             </a:fld>
             <a:endParaRPr lang="en-US" dirty="0"/>
           </a:p>
@@ -1291,7 +1307,7 @@
           <a:p>
             <a:fld id="{96DFF08F-DC6B-4601-B491-B0F83F6DD2DA}" type="datetimeFigureOut">
               <a:rPr lang="en-US" dirty="0"/>
-              <a:t>4/27/2019</a:t>
+              <a:t>5/1/2019</a:t>
             </a:fld>
             <a:endParaRPr lang="en-US" dirty="0"/>
           </a:p>
@@ -1561,7 +1577,7 @@
           <a:p>
             <a:fld id="{96DFF08F-DC6B-4601-B491-B0F83F6DD2DA}" type="datetimeFigureOut">
               <a:rPr lang="en-US" dirty="0"/>
-              <a:t>4/27/2019</a:t>
+              <a:t>5/1/2019</a:t>
             </a:fld>
             <a:endParaRPr lang="en-US" dirty="0"/>
           </a:p>
@@ -1935,7 +1951,7 @@
           <a:p>
             <a:fld id="{96DFF08F-DC6B-4601-B491-B0F83F6DD2DA}" type="datetimeFigureOut">
               <a:rPr lang="en-US" dirty="0"/>
-              <a:t>4/27/2019</a:t>
+              <a:t>5/1/2019</a:t>
             </a:fld>
             <a:endParaRPr lang="en-US" dirty="0"/>
           </a:p>
@@ -2048,7 +2064,7 @@
           <a:p>
             <a:fld id="{96DFF08F-DC6B-4601-B491-B0F83F6DD2DA}" type="datetimeFigureOut">
               <a:rPr lang="en-US" dirty="0"/>
-              <a:t>4/27/2019</a:t>
+              <a:t>5/1/2019</a:t>
             </a:fld>
             <a:endParaRPr lang="en-US" dirty="0"/>
           </a:p>
@@ -2215,7 +2231,7 @@
             <a:fld id="{96DFF08F-DC6B-4601-B491-B0F83F6DD2DA}" type="datetimeFigureOut">
               <a:rPr lang="en-US" dirty="0"/>
               <a:pPr/>
-              <a:t>4/27/2019</a:t>
+              <a:t>5/1/2019</a:t>
             </a:fld>
             <a:endParaRPr lang="en-US" dirty="0"/>
           </a:p>
@@ -2566,7 +2582,7 @@
             <a:fld id="{96DFF08F-DC6B-4601-B491-B0F83F6DD2DA}" type="datetimeFigureOut">
               <a:rPr lang="en-US" dirty="0"/>
               <a:pPr/>
-              <a:t>4/27/2019</a:t>
+              <a:t>5/1/2019</a:t>
             </a:fld>
             <a:endParaRPr lang="en-US" dirty="0"/>
           </a:p>
@@ -2939,7 +2955,7 @@
           <a:p>
             <a:fld id="{96DFF08F-DC6B-4601-B491-B0F83F6DD2DA}" type="datetimeFigureOut">
               <a:rPr lang="en-US" dirty="0"/>
-              <a:t>4/27/2019</a:t>
+              <a:t>5/1/2019</a:t>
             </a:fld>
             <a:endParaRPr lang="en-US" dirty="0"/>
           </a:p>
@@ -3222,7 +3238,7 @@
             <a:fld id="{96DFF08F-DC6B-4601-B491-B0F83F6DD2DA}" type="datetimeFigureOut">
               <a:rPr lang="en-US" dirty="0"/>
               <a:pPr/>
-              <a:t>4/27/2019</a:t>
+              <a:t>5/1/2019</a:t>
             </a:fld>
             <a:endParaRPr lang="en-US" dirty="0"/>
           </a:p>
@@ -3888,17 +3904,9 @@
 </p:sld>
 </file>
 
-<file path=ppt/slides/slide2.xml><?xml version="1.0" encoding="utf-8"?>
+<file path=ppt/slides/slide10.xml><?xml version="1.0" encoding="utf-8"?>
 <p:sld xmlns:a="http://schemas.openxmlformats.org/drawingml/2006/main" xmlns:r="http://schemas.openxmlformats.org/officeDocument/2006/relationships" xmlns:p="http://schemas.openxmlformats.org/presentationml/2006/main">
   <p:cSld>
-    <p:bg>
-      <p:bgPr>
-        <a:solidFill>
-          <a:schemeClr val="bg1"/>
-        </a:solidFill>
-        <a:effectLst/>
-      </p:bgPr>
-    </p:bg>
     <p:spTree>
       <p:nvGrpSpPr>
         <p:cNvPr id="1" name=""/>
@@ -3913,72 +3921,1001 @@
           <a:chExt cx="0" cy="0"/>
         </a:xfrm>
       </p:grpSpPr>
-      <p:sp useBgFill="1">
-        <p:nvSpPr>
-          <p:cNvPr id="8" name="Rectangle 7">
+      <p:sp>
+        <p:nvSpPr>
+          <p:cNvPr id="2" name="Title 1">
             <a:extLst>
               <a:ext uri="{FF2B5EF4-FFF2-40B4-BE49-F238E27FC236}">
-                <a16:creationId xmlns:a16="http://schemas.microsoft.com/office/drawing/2014/main" id="{3558DB37-9FEE-48A2-8578-ED0401573943}"/>
-              </a:ext>
-              <a:ext uri="{C183D7F6-B498-43B3-948B-1728B52AA6E4}">
-                <adec:decorative xmlns:adec="http://schemas.microsoft.com/office/drawing/2017/decorative" val="1"/>
+                <a16:creationId xmlns:a16="http://schemas.microsoft.com/office/drawing/2014/main" id="{3828297B-80B3-4E2C-AFCF-A02F37BCFD87}"/>
               </a:ext>
             </a:extLst>
           </p:cNvPr>
           <p:cNvSpPr>
-            <a:spLocks noGrp="1" noRot="1" noChangeAspect="1" noMove="1" noResize="1" noEditPoints="1" noAdjustHandles="1" noChangeArrowheads="1" noChangeShapeType="1" noTextEdit="1"/>
-          </p:cNvSpPr>
-          <p:nvPr>
-            <p:extLst>
-              <p:ext uri="{386F3935-93C4-4BCD-93E2-E3B085C9AB24}">
-                <p16:designElem xmlns:p16="http://schemas.microsoft.com/office/powerpoint/2015/main" val="1"/>
-              </p:ext>
-            </p:extLst>
-          </p:nvPr>
-        </p:nvSpPr>
-        <p:spPr>
-          <a:xfrm>
-            <a:off x="1507" y="0"/>
-            <a:ext cx="12192000" cy="6858000"/>
-          </a:xfrm>
-          <a:prstGeom prst="rect">
-            <a:avLst/>
-          </a:prstGeom>
-          <a:ln>
-            <a:noFill/>
-          </a:ln>
-        </p:spPr>
-        <p:style>
-          <a:lnRef idx="2">
-            <a:schemeClr val="accent1">
-              <a:shade val="50000"/>
-            </a:schemeClr>
-          </a:lnRef>
-          <a:fillRef idx="1">
-            <a:schemeClr val="accent1"/>
-          </a:fillRef>
-          <a:effectRef idx="0">
-            <a:schemeClr val="accent1"/>
-          </a:effectRef>
-          <a:fontRef idx="minor">
-            <a:schemeClr val="lt1"/>
-          </a:fontRef>
-        </p:style>
-        <p:txBody>
-          <a:bodyPr rtlCol="0" anchor="ctr"/>
-          <a:lstStyle/>
-          <a:p>
-            <a:pPr algn="ctr"/>
-            <a:endParaRPr lang="en-US"/>
+            <a:spLocks noGrp="1"/>
+          </p:cNvSpPr>
+          <p:nvPr>
+            <p:ph type="title"/>
+          </p:nvPr>
+        </p:nvSpPr>
+        <p:spPr/>
+        <p:txBody>
+          <a:bodyPr/>
+          <a:lstStyle/>
+          <a:p>
+            <a:r>
+              <a:rPr lang="en-US" dirty="0"/>
+              <a:t>Use Case: Client Side Scripting (MVC)</a:t>
+            </a:r>
+          </a:p>
+        </p:txBody>
+      </p:sp>
+      <p:sp>
+        <p:nvSpPr>
+          <p:cNvPr id="3" name="Content Placeholder 2">
+            <a:extLst>
+              <a:ext uri="{FF2B5EF4-FFF2-40B4-BE49-F238E27FC236}">
+                <a16:creationId xmlns:a16="http://schemas.microsoft.com/office/drawing/2014/main" id="{DE03C8C4-2337-4316-B021-1D5AFB73488A}"/>
+              </a:ext>
+            </a:extLst>
+          </p:cNvPr>
+          <p:cNvSpPr>
+            <a:spLocks noGrp="1"/>
+          </p:cNvSpPr>
+          <p:nvPr>
+            <p:ph idx="1"/>
+          </p:nvPr>
+        </p:nvSpPr>
+        <p:spPr/>
+        <p:txBody>
+          <a:bodyPr/>
+          <a:lstStyle/>
+          <a:p>
+            <a:pPr>
+              <a:buFont typeface="Arial" panose="020B0604020202020204" pitchFamily="34" charset="0"/>
+              <a:buChar char="•"/>
+            </a:pPr>
+            <a:r>
+              <a:rPr lang="en-US" dirty="0"/>
+              <a:t> PRO: Use everything you love about .NET (</a:t>
+            </a:r>
+            <a:r>
+              <a:rPr lang="en-US" dirty="0" err="1"/>
+              <a:t>Linq</a:t>
+            </a:r>
+            <a:r>
+              <a:rPr lang="en-US" dirty="0"/>
+              <a:t>, decimals, sane OOP)</a:t>
+            </a:r>
+          </a:p>
+          <a:p>
+            <a:pPr>
+              <a:buFont typeface="Arial" panose="020B0604020202020204" pitchFamily="34" charset="0"/>
+              <a:buChar char="•"/>
+            </a:pPr>
+            <a:r>
+              <a:rPr lang="en-US" dirty="0"/>
+              <a:t> CON: Leaky abstraction – still need to know browser idioms, frameworks</a:t>
+            </a:r>
+          </a:p>
+        </p:txBody>
+      </p:sp>
+    </p:spTree>
+    <p:extLst>
+      <p:ext uri="{BB962C8B-B14F-4D97-AF65-F5344CB8AC3E}">
+        <p14:creationId xmlns:p14="http://schemas.microsoft.com/office/powerpoint/2010/main" val="3260129901"/>
+      </p:ext>
+    </p:extLst>
+  </p:cSld>
+  <p:clrMapOvr>
+    <a:masterClrMapping/>
+  </p:clrMapOvr>
+</p:sld>
+</file>
+
+<file path=ppt/slides/slide11.xml><?xml version="1.0" encoding="utf-8"?>
+<p:sld xmlns:a="http://schemas.openxmlformats.org/drawingml/2006/main" xmlns:r="http://schemas.openxmlformats.org/officeDocument/2006/relationships" xmlns:p="http://schemas.openxmlformats.org/presentationml/2006/main">
+  <p:cSld>
+    <p:spTree>
+      <p:nvGrpSpPr>
+        <p:cNvPr id="1" name=""/>
+        <p:cNvGrpSpPr/>
+        <p:nvPr/>
+      </p:nvGrpSpPr>
+      <p:grpSpPr>
+        <a:xfrm>
+          <a:off x="0" y="0"/>
+          <a:ext cx="0" cy="0"/>
+          <a:chOff x="0" y="0"/>
+          <a:chExt cx="0" cy="0"/>
+        </a:xfrm>
+      </p:grpSpPr>
+      <p:sp>
+        <p:nvSpPr>
+          <p:cNvPr id="2" name="Title 1">
+            <a:extLst>
+              <a:ext uri="{FF2B5EF4-FFF2-40B4-BE49-F238E27FC236}">
+                <a16:creationId xmlns:a16="http://schemas.microsoft.com/office/drawing/2014/main" id="{4AD4C152-7495-4980-B3A3-5DB6A3FB6705}"/>
+              </a:ext>
+            </a:extLst>
+          </p:cNvPr>
+          <p:cNvSpPr>
+            <a:spLocks noGrp="1"/>
+          </p:cNvSpPr>
+          <p:nvPr>
+            <p:ph type="ctrTitle"/>
+          </p:nvPr>
+        </p:nvSpPr>
+        <p:spPr/>
+        <p:txBody>
+          <a:bodyPr/>
+          <a:lstStyle/>
+          <a:p>
+            <a:r>
+              <a:rPr lang="en-US" dirty="0"/>
+              <a:t>DEMO</a:t>
+            </a:r>
+          </a:p>
+        </p:txBody>
+      </p:sp>
+      <p:sp>
+        <p:nvSpPr>
+          <p:cNvPr id="5" name="Subtitle 4">
+            <a:extLst>
+              <a:ext uri="{FF2B5EF4-FFF2-40B4-BE49-F238E27FC236}">
+                <a16:creationId xmlns:a16="http://schemas.microsoft.com/office/drawing/2014/main" id="{E8D2EE01-206B-4B8F-97F0-3DE8D92389FE}"/>
+              </a:ext>
+            </a:extLst>
+          </p:cNvPr>
+          <p:cNvSpPr>
+            <a:spLocks noGrp="1"/>
+          </p:cNvSpPr>
+          <p:nvPr>
+            <p:ph type="subTitle" idx="1"/>
+          </p:nvPr>
+        </p:nvSpPr>
+        <p:spPr/>
+        <p:txBody>
+          <a:bodyPr/>
+          <a:lstStyle/>
+          <a:p>
+            <a:r>
+              <a:rPr lang="en-US" dirty="0"/>
+              <a:t>MVC APP WITH CLIENT SIDE BRIDGE SCRIPTING</a:t>
+            </a:r>
+          </a:p>
+        </p:txBody>
+      </p:sp>
+    </p:spTree>
+    <p:extLst>
+      <p:ext uri="{BB962C8B-B14F-4D97-AF65-F5344CB8AC3E}">
+        <p14:creationId xmlns:p14="http://schemas.microsoft.com/office/powerpoint/2010/main" val="2451102722"/>
+      </p:ext>
+    </p:extLst>
+  </p:cSld>
+  <p:clrMapOvr>
+    <a:masterClrMapping/>
+  </p:clrMapOvr>
+</p:sld>
+</file>
+
+<file path=ppt/slides/slide12.xml><?xml version="1.0" encoding="utf-8"?>
+<p:sld xmlns:a="http://schemas.openxmlformats.org/drawingml/2006/main" xmlns:r="http://schemas.openxmlformats.org/officeDocument/2006/relationships" xmlns:p="http://schemas.openxmlformats.org/presentationml/2006/main">
+  <p:cSld>
+    <p:spTree>
+      <p:nvGrpSpPr>
+        <p:cNvPr id="1" name=""/>
+        <p:cNvGrpSpPr/>
+        <p:nvPr/>
+      </p:nvGrpSpPr>
+      <p:grpSpPr>
+        <a:xfrm>
+          <a:off x="0" y="0"/>
+          <a:ext cx="0" cy="0"/>
+          <a:chOff x="0" y="0"/>
+          <a:chExt cx="0" cy="0"/>
+        </a:xfrm>
+      </p:grpSpPr>
+      <p:sp>
+        <p:nvSpPr>
+          <p:cNvPr id="2" name="Title 1">
+            <a:extLst>
+              <a:ext uri="{FF2B5EF4-FFF2-40B4-BE49-F238E27FC236}">
+                <a16:creationId xmlns:a16="http://schemas.microsoft.com/office/drawing/2014/main" id="{3828297B-80B3-4E2C-AFCF-A02F37BCFD87}"/>
+              </a:ext>
+            </a:extLst>
+          </p:cNvPr>
+          <p:cNvSpPr>
+            <a:spLocks noGrp="1"/>
+          </p:cNvSpPr>
+          <p:nvPr>
+            <p:ph type="title"/>
+          </p:nvPr>
+        </p:nvSpPr>
+        <p:spPr/>
+        <p:txBody>
+          <a:bodyPr/>
+          <a:lstStyle/>
+          <a:p>
+            <a:r>
+              <a:rPr lang="en-US" dirty="0"/>
+              <a:t>Use Case: Client Side Scripting (SPA)</a:t>
+            </a:r>
+          </a:p>
+        </p:txBody>
+      </p:sp>
+      <p:sp>
+        <p:nvSpPr>
+          <p:cNvPr id="3" name="Content Placeholder 2">
+            <a:extLst>
+              <a:ext uri="{FF2B5EF4-FFF2-40B4-BE49-F238E27FC236}">
+                <a16:creationId xmlns:a16="http://schemas.microsoft.com/office/drawing/2014/main" id="{DE03C8C4-2337-4316-B021-1D5AFB73488A}"/>
+              </a:ext>
+            </a:extLst>
+          </p:cNvPr>
+          <p:cNvSpPr>
+            <a:spLocks noGrp="1"/>
+          </p:cNvSpPr>
+          <p:nvPr>
+            <p:ph idx="1"/>
+          </p:nvPr>
+        </p:nvSpPr>
+        <p:spPr/>
+        <p:txBody>
+          <a:bodyPr/>
+          <a:lstStyle/>
+          <a:p>
+            <a:pPr>
+              <a:buFont typeface="Arial" panose="020B0604020202020204" pitchFamily="34" charset="0"/>
+              <a:buChar char="•"/>
+            </a:pPr>
+            <a:r>
+              <a:rPr lang="en-US" dirty="0"/>
+              <a:t> PRO: Same as MVC – it’s .NET!</a:t>
+            </a:r>
+          </a:p>
+          <a:p>
+            <a:pPr>
+              <a:buFont typeface="Arial" panose="020B0604020202020204" pitchFamily="34" charset="0"/>
+              <a:buChar char="•"/>
+            </a:pPr>
+            <a:r>
+              <a:rPr lang="en-US" dirty="0"/>
+              <a:t> CON: Depending on the framework you’re using, you may be missing out on additional functionality provided by framework build processes (JSX in react)</a:t>
+            </a:r>
+          </a:p>
+        </p:txBody>
+      </p:sp>
+    </p:spTree>
+    <p:extLst>
+      <p:ext uri="{BB962C8B-B14F-4D97-AF65-F5344CB8AC3E}">
+        <p14:creationId xmlns:p14="http://schemas.microsoft.com/office/powerpoint/2010/main" val="1799532902"/>
+      </p:ext>
+    </p:extLst>
+  </p:cSld>
+  <p:clrMapOvr>
+    <a:masterClrMapping/>
+  </p:clrMapOvr>
+</p:sld>
+</file>
+
+<file path=ppt/slides/slide13.xml><?xml version="1.0" encoding="utf-8"?>
+<p:sld xmlns:a="http://schemas.openxmlformats.org/drawingml/2006/main" xmlns:r="http://schemas.openxmlformats.org/officeDocument/2006/relationships" xmlns:p="http://schemas.openxmlformats.org/presentationml/2006/main">
+  <p:cSld>
+    <p:spTree>
+      <p:nvGrpSpPr>
+        <p:cNvPr id="1" name=""/>
+        <p:cNvGrpSpPr/>
+        <p:nvPr/>
+      </p:nvGrpSpPr>
+      <p:grpSpPr>
+        <a:xfrm>
+          <a:off x="0" y="0"/>
+          <a:ext cx="0" cy="0"/>
+          <a:chOff x="0" y="0"/>
+          <a:chExt cx="0" cy="0"/>
+        </a:xfrm>
+      </p:grpSpPr>
+      <p:sp>
+        <p:nvSpPr>
+          <p:cNvPr id="2" name="Title 1">
+            <a:extLst>
+              <a:ext uri="{FF2B5EF4-FFF2-40B4-BE49-F238E27FC236}">
+                <a16:creationId xmlns:a16="http://schemas.microsoft.com/office/drawing/2014/main" id="{4AD4C152-7495-4980-B3A3-5DB6A3FB6705}"/>
+              </a:ext>
+            </a:extLst>
+          </p:cNvPr>
+          <p:cNvSpPr>
+            <a:spLocks noGrp="1"/>
+          </p:cNvSpPr>
+          <p:nvPr>
+            <p:ph type="ctrTitle"/>
+          </p:nvPr>
+        </p:nvSpPr>
+        <p:spPr/>
+        <p:txBody>
+          <a:bodyPr/>
+          <a:lstStyle/>
+          <a:p>
+            <a:r>
+              <a:rPr lang="en-US" dirty="0"/>
+              <a:t>DEMO</a:t>
+            </a:r>
+          </a:p>
+        </p:txBody>
+      </p:sp>
+      <p:sp>
+        <p:nvSpPr>
+          <p:cNvPr id="5" name="Subtitle 4">
+            <a:extLst>
+              <a:ext uri="{FF2B5EF4-FFF2-40B4-BE49-F238E27FC236}">
+                <a16:creationId xmlns:a16="http://schemas.microsoft.com/office/drawing/2014/main" id="{E8D2EE01-206B-4B8F-97F0-3DE8D92389FE}"/>
+              </a:ext>
+            </a:extLst>
+          </p:cNvPr>
+          <p:cNvSpPr>
+            <a:spLocks noGrp="1"/>
+          </p:cNvSpPr>
+          <p:nvPr>
+            <p:ph type="subTitle" idx="1"/>
+          </p:nvPr>
+        </p:nvSpPr>
+        <p:spPr/>
+        <p:txBody>
+          <a:bodyPr/>
+          <a:lstStyle/>
+          <a:p>
+            <a:r>
+              <a:rPr lang="en-US" dirty="0"/>
+              <a:t>RETYPED REACT DEMO</a:t>
+            </a:r>
+          </a:p>
+        </p:txBody>
+      </p:sp>
+    </p:spTree>
+    <p:extLst>
+      <p:ext uri="{BB962C8B-B14F-4D97-AF65-F5344CB8AC3E}">
+        <p14:creationId xmlns:p14="http://schemas.microsoft.com/office/powerpoint/2010/main" val="2039467680"/>
+      </p:ext>
+    </p:extLst>
+  </p:cSld>
+  <p:clrMapOvr>
+    <a:masterClrMapping/>
+  </p:clrMapOvr>
+</p:sld>
+</file>
+
+<file path=ppt/slides/slide2.xml><?xml version="1.0" encoding="utf-8"?>
+<p:sld xmlns:a="http://schemas.openxmlformats.org/drawingml/2006/main" xmlns:r="http://schemas.openxmlformats.org/officeDocument/2006/relationships" xmlns:p="http://schemas.openxmlformats.org/presentationml/2006/main">
+  <p:cSld>
+    <p:spTree>
+      <p:nvGrpSpPr>
+        <p:cNvPr id="1" name=""/>
+        <p:cNvGrpSpPr/>
+        <p:nvPr/>
+      </p:nvGrpSpPr>
+      <p:grpSpPr>
+        <a:xfrm>
+          <a:off x="0" y="0"/>
+          <a:ext cx="0" cy="0"/>
+          <a:chOff x="0" y="0"/>
+          <a:chExt cx="0" cy="0"/>
+        </a:xfrm>
+      </p:grpSpPr>
+      <p:sp>
+        <p:nvSpPr>
+          <p:cNvPr id="2" name="Title 1">
+            <a:extLst>
+              <a:ext uri="{FF2B5EF4-FFF2-40B4-BE49-F238E27FC236}">
+                <a16:creationId xmlns:a16="http://schemas.microsoft.com/office/drawing/2014/main" id="{5D0E06BB-F908-4348-B719-2A85BBC4600F}"/>
+              </a:ext>
+            </a:extLst>
+          </p:cNvPr>
+          <p:cNvSpPr>
+            <a:spLocks noGrp="1"/>
+          </p:cNvSpPr>
+          <p:nvPr>
+            <p:ph type="title"/>
+          </p:nvPr>
+        </p:nvSpPr>
+        <p:spPr/>
+        <p:txBody>
+          <a:bodyPr/>
+          <a:lstStyle/>
+          <a:p>
+            <a:r>
+              <a:rPr lang="en-US" dirty="0"/>
+              <a:t>C# in the browser?  What’s the point?</a:t>
+            </a:r>
+          </a:p>
+        </p:txBody>
+      </p:sp>
+      <p:sp>
+        <p:nvSpPr>
+          <p:cNvPr id="3" name="Content Placeholder 2">
+            <a:extLst>
+              <a:ext uri="{FF2B5EF4-FFF2-40B4-BE49-F238E27FC236}">
+                <a16:creationId xmlns:a16="http://schemas.microsoft.com/office/drawing/2014/main" id="{B68A2C64-ED2B-4B38-B09A-A9ECD48E1D97}"/>
+              </a:ext>
+            </a:extLst>
+          </p:cNvPr>
+          <p:cNvSpPr>
+            <a:spLocks noGrp="1"/>
+          </p:cNvSpPr>
+          <p:nvPr>
+            <p:ph idx="1"/>
+          </p:nvPr>
+        </p:nvSpPr>
+        <p:spPr/>
+        <p:txBody>
+          <a:bodyPr/>
+          <a:lstStyle/>
+          <a:p>
+            <a:pPr>
+              <a:buFont typeface="Arial" panose="020B0604020202020204" pitchFamily="34" charset="0"/>
+              <a:buChar char="•"/>
+            </a:pPr>
+            <a:r>
+              <a:rPr lang="en-US" dirty="0"/>
+              <a:t> Web development in general is moving towards dynamic frontends</a:t>
+            </a:r>
+          </a:p>
+          <a:p>
+            <a:pPr>
+              <a:buFont typeface="Arial" panose="020B0604020202020204" pitchFamily="34" charset="0"/>
+              <a:buChar char="•"/>
+            </a:pPr>
+            <a:r>
+              <a:rPr lang="en-US" dirty="0"/>
+              <a:t> </a:t>
+            </a:r>
+            <a:r>
+              <a:rPr lang="en-US" dirty="0" err="1"/>
+              <a:t>Javascript</a:t>
+            </a:r>
+            <a:r>
+              <a:rPr lang="en-US" dirty="0"/>
+              <a:t> is really powerful for it’s ability to run on both the frontend and the backend</a:t>
+            </a:r>
+          </a:p>
+          <a:p>
+            <a:pPr>
+              <a:buFont typeface="Arial" panose="020B0604020202020204" pitchFamily="34" charset="0"/>
+              <a:buChar char="•"/>
+            </a:pPr>
+            <a:r>
+              <a:rPr lang="en-US" dirty="0"/>
+              <a:t> Can’t trust clients, so need the same/equivalent code in both places anyway </a:t>
+            </a:r>
+          </a:p>
+          <a:p>
+            <a:pPr>
+              <a:buFont typeface="Arial" panose="020B0604020202020204" pitchFamily="34" charset="0"/>
+              <a:buChar char="•"/>
+            </a:pPr>
+            <a:r>
+              <a:rPr lang="en-US" dirty="0"/>
+              <a:t> OK, but if I like C#, what do I do?</a:t>
+            </a:r>
+          </a:p>
+          <a:p>
+            <a:pPr lvl="1">
+              <a:buFont typeface="Arial" panose="020B0604020202020204" pitchFamily="34" charset="0"/>
+              <a:buChar char="•"/>
+            </a:pPr>
+            <a:r>
+              <a:rPr lang="en-US" dirty="0"/>
+              <a:t>Sometime hopefully soon: </a:t>
+            </a:r>
+            <a:r>
+              <a:rPr lang="en-US" dirty="0" err="1"/>
+              <a:t>WebAssembly</a:t>
+            </a:r>
+            <a:r>
+              <a:rPr lang="en-US" dirty="0"/>
+              <a:t>/</a:t>
+            </a:r>
+            <a:r>
+              <a:rPr lang="en-US" dirty="0" err="1"/>
+              <a:t>Blazor</a:t>
+            </a:r>
+            <a:r>
+              <a:rPr lang="en-US" dirty="0"/>
+              <a:t> (but you can’t bet your job on it yet)</a:t>
+            </a:r>
+          </a:p>
+          <a:p>
+            <a:pPr lvl="1">
+              <a:buFont typeface="Arial" panose="020B0604020202020204" pitchFamily="34" charset="0"/>
+              <a:buChar char="•"/>
+            </a:pPr>
+            <a:r>
+              <a:rPr lang="en-US" dirty="0"/>
+              <a:t>What to do now?</a:t>
+            </a:r>
+          </a:p>
+        </p:txBody>
+      </p:sp>
+    </p:spTree>
+    <p:extLst>
+      <p:ext uri="{BB962C8B-B14F-4D97-AF65-F5344CB8AC3E}">
+        <p14:creationId xmlns:p14="http://schemas.microsoft.com/office/powerpoint/2010/main" val="2415852160"/>
+      </p:ext>
+    </p:extLst>
+  </p:cSld>
+  <p:clrMapOvr>
+    <a:masterClrMapping/>
+  </p:clrMapOvr>
+</p:sld>
+</file>
+
+<file path=ppt/slides/slide3.xml><?xml version="1.0" encoding="utf-8"?>
+<p:sld xmlns:a="http://schemas.openxmlformats.org/drawingml/2006/main" xmlns:r="http://schemas.openxmlformats.org/officeDocument/2006/relationships" xmlns:p="http://schemas.openxmlformats.org/presentationml/2006/main">
+  <p:cSld>
+    <p:spTree>
+      <p:nvGrpSpPr>
+        <p:cNvPr id="1" name=""/>
+        <p:cNvGrpSpPr/>
+        <p:nvPr/>
+      </p:nvGrpSpPr>
+      <p:grpSpPr>
+        <a:xfrm>
+          <a:off x="0" y="0"/>
+          <a:ext cx="0" cy="0"/>
+          <a:chOff x="0" y="0"/>
+          <a:chExt cx="0" cy="0"/>
+        </a:xfrm>
+      </p:grpSpPr>
+      <p:sp>
+        <p:nvSpPr>
+          <p:cNvPr id="2" name="Title 1">
+            <a:extLst>
+              <a:ext uri="{FF2B5EF4-FFF2-40B4-BE49-F238E27FC236}">
+                <a16:creationId xmlns:a16="http://schemas.microsoft.com/office/drawing/2014/main" id="{0DADF158-986C-49EE-A135-3AAE5F321468}"/>
+              </a:ext>
+            </a:extLst>
+          </p:cNvPr>
+          <p:cNvSpPr>
+            <a:spLocks noGrp="1"/>
+          </p:cNvSpPr>
+          <p:nvPr>
+            <p:ph type="title"/>
+          </p:nvPr>
+        </p:nvSpPr>
+        <p:spPr/>
+        <p:txBody>
+          <a:bodyPr/>
+          <a:lstStyle/>
+          <a:p>
+            <a:r>
+              <a:rPr lang="en-US" dirty="0" err="1"/>
+              <a:t>Bridge.Net</a:t>
+            </a:r>
+            <a:endParaRPr lang="en-US" dirty="0"/>
+          </a:p>
+        </p:txBody>
+      </p:sp>
+      <p:sp>
+        <p:nvSpPr>
+          <p:cNvPr id="3" name="Content Placeholder 2">
+            <a:extLst>
+              <a:ext uri="{FF2B5EF4-FFF2-40B4-BE49-F238E27FC236}">
+                <a16:creationId xmlns:a16="http://schemas.microsoft.com/office/drawing/2014/main" id="{78C5A6AD-CC34-4533-B4F4-856EFAB436B6}"/>
+              </a:ext>
+            </a:extLst>
+          </p:cNvPr>
+          <p:cNvSpPr>
+            <a:spLocks noGrp="1"/>
+          </p:cNvSpPr>
+          <p:nvPr>
+            <p:ph idx="1"/>
+          </p:nvPr>
+        </p:nvSpPr>
+        <p:spPr/>
+        <p:txBody>
+          <a:bodyPr/>
+          <a:lstStyle/>
+          <a:p>
+            <a:pPr>
+              <a:buFont typeface="Arial" panose="020B0604020202020204" pitchFamily="34" charset="0"/>
+              <a:buChar char="•"/>
+            </a:pPr>
+            <a:r>
+              <a:rPr lang="en-US" dirty="0"/>
+              <a:t> </a:t>
+            </a:r>
+            <a:r>
+              <a:rPr lang="en-US" dirty="0" err="1"/>
+              <a:t>Transpiler</a:t>
+            </a:r>
+            <a:r>
+              <a:rPr lang="en-US" dirty="0"/>
+              <a:t>, not a Compiler</a:t>
+            </a:r>
+          </a:p>
+          <a:p>
+            <a:pPr>
+              <a:buFont typeface="Arial" panose="020B0604020202020204" pitchFamily="34" charset="0"/>
+              <a:buChar char="•"/>
+            </a:pPr>
+            <a:r>
+              <a:rPr lang="en-US" dirty="0"/>
+              <a:t> Can plug into both traditional MVC-style websites and SPA frameworks like Angular/React</a:t>
+            </a:r>
+          </a:p>
+          <a:p>
+            <a:pPr>
+              <a:buFont typeface="Arial" panose="020B0604020202020204" pitchFamily="34" charset="0"/>
+              <a:buChar char="•"/>
+            </a:pPr>
+            <a:r>
+              <a:rPr lang="en-US" dirty="0"/>
+              <a:t> Allows client side </a:t>
+            </a:r>
+            <a:r>
+              <a:rPr lang="en-US" dirty="0" err="1"/>
+              <a:t>Javascript</a:t>
+            </a:r>
+            <a:r>
+              <a:rPr lang="en-US" dirty="0"/>
+              <a:t> to be written in .NET</a:t>
+            </a:r>
+          </a:p>
+          <a:p>
+            <a:pPr>
+              <a:buFont typeface="Arial" panose="020B0604020202020204" pitchFamily="34" charset="0"/>
+              <a:buChar char="•"/>
+            </a:pPr>
+            <a:r>
+              <a:rPr lang="en-US" dirty="0"/>
+              <a:t> Allows business logic to be translated into </a:t>
+            </a:r>
+            <a:r>
+              <a:rPr lang="en-US" dirty="0" err="1"/>
+              <a:t>Javascript</a:t>
+            </a:r>
+            <a:r>
+              <a:rPr lang="en-US" dirty="0"/>
+              <a:t> instead of writing twice</a:t>
+            </a:r>
+          </a:p>
+          <a:p>
+            <a:pPr>
+              <a:buFont typeface="Arial" panose="020B0604020202020204" pitchFamily="34" charset="0"/>
+              <a:buChar char="•"/>
+            </a:pPr>
+            <a:endParaRPr lang="en-US" dirty="0"/>
+          </a:p>
+        </p:txBody>
+      </p:sp>
+    </p:spTree>
+    <p:extLst>
+      <p:ext uri="{BB962C8B-B14F-4D97-AF65-F5344CB8AC3E}">
+        <p14:creationId xmlns:p14="http://schemas.microsoft.com/office/powerpoint/2010/main" val="1427658599"/>
+      </p:ext>
+    </p:extLst>
+  </p:cSld>
+  <p:clrMapOvr>
+    <a:masterClrMapping/>
+  </p:clrMapOvr>
+</p:sld>
+</file>
+
+<file path=ppt/slides/slide4.xml><?xml version="1.0" encoding="utf-8"?>
+<p:sld xmlns:a="http://schemas.openxmlformats.org/drawingml/2006/main" xmlns:r="http://schemas.openxmlformats.org/officeDocument/2006/relationships" xmlns:p="http://schemas.openxmlformats.org/presentationml/2006/main">
+  <p:cSld>
+    <p:spTree>
+      <p:nvGrpSpPr>
+        <p:cNvPr id="1" name=""/>
+        <p:cNvGrpSpPr/>
+        <p:nvPr/>
+      </p:nvGrpSpPr>
+      <p:grpSpPr>
+        <a:xfrm>
+          <a:off x="0" y="0"/>
+          <a:ext cx="0" cy="0"/>
+          <a:chOff x="0" y="0"/>
+          <a:chExt cx="0" cy="0"/>
+        </a:xfrm>
+      </p:grpSpPr>
+      <p:sp>
+        <p:nvSpPr>
+          <p:cNvPr id="2" name="Title 1">
+            <a:extLst>
+              <a:ext uri="{FF2B5EF4-FFF2-40B4-BE49-F238E27FC236}">
+                <a16:creationId xmlns:a16="http://schemas.microsoft.com/office/drawing/2014/main" id="{7091D0E5-1C16-4903-A1E6-83EECDE50ABB}"/>
+              </a:ext>
+            </a:extLst>
+          </p:cNvPr>
+          <p:cNvSpPr>
+            <a:spLocks noGrp="1"/>
+          </p:cNvSpPr>
+          <p:nvPr>
+            <p:ph type="title"/>
+          </p:nvPr>
+        </p:nvSpPr>
+        <p:spPr/>
+        <p:txBody>
+          <a:bodyPr/>
+          <a:lstStyle/>
+          <a:p>
+            <a:r>
+              <a:rPr lang="en-US" dirty="0"/>
+              <a:t>Still not convinced? A Case Study.</a:t>
+            </a:r>
+          </a:p>
+        </p:txBody>
+      </p:sp>
+      <p:sp>
+        <p:nvSpPr>
+          <p:cNvPr id="3" name="Content Placeholder 2">
+            <a:extLst>
+              <a:ext uri="{FF2B5EF4-FFF2-40B4-BE49-F238E27FC236}">
+                <a16:creationId xmlns:a16="http://schemas.microsoft.com/office/drawing/2014/main" id="{A0E2B1B0-9E13-49C4-885C-6ABE1A6580AE}"/>
+              </a:ext>
+            </a:extLst>
+          </p:cNvPr>
+          <p:cNvSpPr>
+            <a:spLocks noGrp="1"/>
+          </p:cNvSpPr>
+          <p:nvPr>
+            <p:ph idx="1"/>
+          </p:nvPr>
+        </p:nvSpPr>
+        <p:spPr/>
+        <p:txBody>
+          <a:bodyPr/>
+          <a:lstStyle/>
+          <a:p>
+            <a:pPr>
+              <a:buFont typeface="Wingdings" panose="05000000000000000000" pitchFamily="2" charset="2"/>
+              <a:buChar char="§"/>
+            </a:pPr>
+            <a:r>
+              <a:rPr lang="en-US" dirty="0"/>
+              <a:t> </a:t>
+            </a:r>
+            <a:r>
+              <a:rPr lang="en-US" dirty="0" err="1"/>
+              <a:t>Greatland</a:t>
+            </a:r>
+            <a:r>
+              <a:rPr lang="en-US" dirty="0"/>
+              <a:t> Corp: Business tax filing service (1099/w-2)</a:t>
+            </a:r>
+          </a:p>
+          <a:p>
+            <a:pPr>
+              <a:buFont typeface="Wingdings" panose="05000000000000000000" pitchFamily="2" charset="2"/>
+              <a:buChar char="§"/>
+            </a:pPr>
+            <a:r>
+              <a:rPr lang="en-US" dirty="0"/>
+              <a:t> Traditionally a </a:t>
+            </a:r>
+            <a:r>
+              <a:rPr lang="en-US" dirty="0" err="1"/>
+              <a:t>.Net</a:t>
+            </a:r>
+            <a:r>
+              <a:rPr lang="en-US" dirty="0"/>
+              <a:t> shop</a:t>
+            </a:r>
+          </a:p>
+          <a:p>
+            <a:pPr>
+              <a:buFont typeface="Wingdings" panose="05000000000000000000" pitchFamily="2" charset="2"/>
+              <a:buChar char="§"/>
+            </a:pPr>
+            <a:r>
+              <a:rPr lang="en-US" dirty="0"/>
+              <a:t> Complicated business logic for form rules</a:t>
+            </a:r>
+          </a:p>
+          <a:p>
+            <a:pPr lvl="1">
+              <a:buFont typeface="Wingdings" panose="05000000000000000000" pitchFamily="2" charset="2"/>
+              <a:buChar char="§"/>
+            </a:pPr>
+            <a:r>
+              <a:rPr lang="en-US" dirty="0"/>
+              <a:t> Immediate validation on client side preferred</a:t>
+            </a:r>
+          </a:p>
+          <a:p>
+            <a:pPr lvl="1">
+              <a:buFont typeface="Wingdings" panose="05000000000000000000" pitchFamily="2" charset="2"/>
+              <a:buChar char="§"/>
+            </a:pPr>
+            <a:r>
+              <a:rPr lang="en-US" dirty="0"/>
+              <a:t> Had issues in the past duplicating client and server side validations</a:t>
+            </a:r>
+          </a:p>
+        </p:txBody>
+      </p:sp>
+    </p:spTree>
+    <p:extLst>
+      <p:ext uri="{BB962C8B-B14F-4D97-AF65-F5344CB8AC3E}">
+        <p14:creationId xmlns:p14="http://schemas.microsoft.com/office/powerpoint/2010/main" val="1214927596"/>
+      </p:ext>
+    </p:extLst>
+  </p:cSld>
+  <p:clrMapOvr>
+    <a:masterClrMapping/>
+  </p:clrMapOvr>
+</p:sld>
+</file>
+
+<file path=ppt/slides/slide5.xml><?xml version="1.0" encoding="utf-8"?>
+<p:sld xmlns:a="http://schemas.openxmlformats.org/drawingml/2006/main" xmlns:r="http://schemas.openxmlformats.org/officeDocument/2006/relationships" xmlns:p="http://schemas.openxmlformats.org/presentationml/2006/main">
+  <p:cSld>
+    <p:spTree>
+      <p:nvGrpSpPr>
+        <p:cNvPr id="1" name=""/>
+        <p:cNvGrpSpPr/>
+        <p:nvPr/>
+      </p:nvGrpSpPr>
+      <p:grpSpPr>
+        <a:xfrm>
+          <a:off x="0" y="0"/>
+          <a:ext cx="0" cy="0"/>
+          <a:chOff x="0" y="0"/>
+          <a:chExt cx="0" cy="0"/>
+        </a:xfrm>
+      </p:grpSpPr>
+      <p:sp>
+        <p:nvSpPr>
+          <p:cNvPr id="2" name="Title 1">
+            <a:extLst>
+              <a:ext uri="{FF2B5EF4-FFF2-40B4-BE49-F238E27FC236}">
+                <a16:creationId xmlns:a16="http://schemas.microsoft.com/office/drawing/2014/main" id="{DB72861F-F5E4-489F-9239-8A262FA40823}"/>
+              </a:ext>
+            </a:extLst>
+          </p:cNvPr>
+          <p:cNvSpPr>
+            <a:spLocks noGrp="1"/>
+          </p:cNvSpPr>
+          <p:nvPr>
+            <p:ph type="title"/>
+          </p:nvPr>
+        </p:nvSpPr>
+        <p:spPr/>
+        <p:txBody>
+          <a:bodyPr/>
+          <a:lstStyle/>
+          <a:p>
+            <a:r>
+              <a:rPr lang="en-US" dirty="0"/>
+              <a:t>Solution: Bridge.NET</a:t>
+            </a:r>
+          </a:p>
+        </p:txBody>
+      </p:sp>
+      <p:sp>
+        <p:nvSpPr>
+          <p:cNvPr id="3" name="Content Placeholder 2">
+            <a:extLst>
+              <a:ext uri="{FF2B5EF4-FFF2-40B4-BE49-F238E27FC236}">
+                <a16:creationId xmlns:a16="http://schemas.microsoft.com/office/drawing/2014/main" id="{50578B8C-9F1D-430C-BA22-3A4B44FDDFD9}"/>
+              </a:ext>
+            </a:extLst>
+          </p:cNvPr>
+          <p:cNvSpPr>
+            <a:spLocks noGrp="1"/>
+          </p:cNvSpPr>
+          <p:nvPr>
+            <p:ph idx="1"/>
+          </p:nvPr>
+        </p:nvSpPr>
+        <p:spPr/>
+        <p:txBody>
+          <a:bodyPr/>
+          <a:lstStyle/>
+          <a:p>
+            <a:pPr>
+              <a:buFont typeface="Arial" panose="020B0604020202020204" pitchFamily="34" charset="0"/>
+              <a:buChar char="•"/>
+            </a:pPr>
+            <a:endParaRPr lang="en-US" dirty="0"/>
+          </a:p>
+        </p:txBody>
+      </p:sp>
+      <p:sp>
+        <p:nvSpPr>
+          <p:cNvPr id="10" name="Text Placeholder 9">
+            <a:extLst>
+              <a:ext uri="{FF2B5EF4-FFF2-40B4-BE49-F238E27FC236}">
+                <a16:creationId xmlns:a16="http://schemas.microsoft.com/office/drawing/2014/main" id="{110E64C6-EB11-4D24-8EA1-9A2F927F9E5F}"/>
+              </a:ext>
+            </a:extLst>
+          </p:cNvPr>
+          <p:cNvSpPr>
+            <a:spLocks noGrp="1"/>
+          </p:cNvSpPr>
+          <p:nvPr>
+            <p:ph type="body" sz="half" idx="2"/>
+          </p:nvPr>
+        </p:nvSpPr>
+        <p:spPr/>
+        <p:txBody>
+          <a:bodyPr>
+            <a:normAutofit/>
+          </a:bodyPr>
+          <a:lstStyle/>
+          <a:p>
+            <a:pPr>
+              <a:buFont typeface="Arial" panose="020B0604020202020204" pitchFamily="34" charset="0"/>
+              <a:buChar char="•"/>
+            </a:pPr>
+            <a:r>
+              <a:rPr lang="en-US" dirty="0"/>
+              <a:t> Common “Validation Engine” written in C#</a:t>
+            </a:r>
+          </a:p>
+          <a:p>
+            <a:pPr>
+              <a:buFont typeface="Arial" panose="020B0604020202020204" pitchFamily="34" charset="0"/>
+              <a:buChar char="•"/>
+            </a:pPr>
+            <a:r>
+              <a:rPr lang="en-US" dirty="0"/>
+              <a:t> </a:t>
+            </a:r>
+            <a:r>
+              <a:rPr lang="en-US" dirty="0" err="1"/>
+              <a:t>Transpiled</a:t>
+            </a:r>
+            <a:r>
+              <a:rPr lang="en-US" dirty="0"/>
+              <a:t> to </a:t>
+            </a:r>
+            <a:r>
+              <a:rPr lang="en-US" dirty="0" err="1"/>
+              <a:t>Javascript</a:t>
+            </a:r>
+            <a:r>
+              <a:rPr lang="en-US" dirty="0"/>
+              <a:t> using Bridge</a:t>
+            </a:r>
+          </a:p>
+          <a:p>
+            <a:pPr>
+              <a:buFont typeface="Arial" panose="020B0604020202020204" pitchFamily="34" charset="0"/>
+              <a:buChar char="•"/>
+            </a:pPr>
+            <a:r>
+              <a:rPr lang="en-US" dirty="0"/>
+              <a:t> Runs inside Angular SPA allowing real-time form calculations/validations</a:t>
+            </a:r>
+          </a:p>
+          <a:p>
+            <a:pPr>
+              <a:buFont typeface="Arial" panose="020B0604020202020204" pitchFamily="34" charset="0"/>
+              <a:buChar char="•"/>
+            </a:pPr>
+            <a:r>
+              <a:rPr lang="en-US" dirty="0"/>
+              <a:t> Forms are edited in editor by non-developers with real time preview</a:t>
+            </a:r>
+          </a:p>
+          <a:p>
+            <a:pPr>
+              <a:buFont typeface="Arial" panose="020B0604020202020204" pitchFamily="34" charset="0"/>
+              <a:buChar char="•"/>
+            </a:pPr>
+            <a:r>
+              <a:rPr lang="en-US" dirty="0"/>
+              <a:t> Forms are published as JSON metadata</a:t>
+            </a:r>
           </a:p>
         </p:txBody>
       </p:sp>
       <p:pic>
         <p:nvPicPr>
-          <p:cNvPr id="5" name="Content Placeholder 4">
+          <p:cNvPr id="9" name="Content Placeholder 4">
             <a:extLst>
               <a:ext uri="{FF2B5EF4-FFF2-40B4-BE49-F238E27FC236}">
-                <a16:creationId xmlns:a16="http://schemas.microsoft.com/office/drawing/2014/main" id="{EC226844-F2E9-489B-8E6B-70B659A912A6}"/>
+                <a16:creationId xmlns:a16="http://schemas.microsoft.com/office/drawing/2014/main" id="{C70A96D0-6C55-4F79-81F7-C058266A950C}"/>
               </a:ext>
             </a:extLst>
           </p:cNvPr>
@@ -3986,7 +4923,7 @@
             <a:picLocks noGrp="1" noChangeAspect="1"/>
           </p:cNvPicPr>
           <p:nvPr>
-            <p:ph idx="1"/>
+            <p:ph sz="half" idx="4294967295"/>
           </p:nvPr>
         </p:nvPicPr>
         <p:blipFill>
@@ -3997,72 +4934,195 @@
         </p:blipFill>
         <p:spPr>
           <a:xfrm>
-            <a:off x="2037230" y="489272"/>
-            <a:ext cx="8525779" cy="4416904"/>
+            <a:off x="4179531" y="1501400"/>
+            <a:ext cx="8012469" cy="4153087"/>
           </a:xfrm>
         </p:spPr>
       </p:pic>
-      <p:sp>
-        <p:nvSpPr>
-          <p:cNvPr id="10" name="Rectangle 9">
+    </p:spTree>
+    <p:extLst>
+      <p:ext uri="{BB962C8B-B14F-4D97-AF65-F5344CB8AC3E}">
+        <p14:creationId xmlns:p14="http://schemas.microsoft.com/office/powerpoint/2010/main" val="3435262763"/>
+      </p:ext>
+    </p:extLst>
+  </p:cSld>
+  <p:clrMapOvr>
+    <a:masterClrMapping/>
+  </p:clrMapOvr>
+</p:sld>
+</file>
+
+<file path=ppt/slides/slide6.xml><?xml version="1.0" encoding="utf-8"?>
+<p:sld xmlns:a="http://schemas.openxmlformats.org/drawingml/2006/main" xmlns:r="http://schemas.openxmlformats.org/officeDocument/2006/relationships" xmlns:p="http://schemas.openxmlformats.org/presentationml/2006/main">
+  <p:cSld>
+    <p:spTree>
+      <p:nvGrpSpPr>
+        <p:cNvPr id="1" name=""/>
+        <p:cNvGrpSpPr/>
+        <p:nvPr/>
+      </p:nvGrpSpPr>
+      <p:grpSpPr>
+        <a:xfrm>
+          <a:off x="0" y="0"/>
+          <a:ext cx="0" cy="0"/>
+          <a:chOff x="0" y="0"/>
+          <a:chExt cx="0" cy="0"/>
+        </a:xfrm>
+      </p:grpSpPr>
+      <p:sp>
+        <p:nvSpPr>
+          <p:cNvPr id="2" name="Title 1">
             <a:extLst>
               <a:ext uri="{FF2B5EF4-FFF2-40B4-BE49-F238E27FC236}">
-                <a16:creationId xmlns:a16="http://schemas.microsoft.com/office/drawing/2014/main" id="{5F7FCCA6-00E2-4F74-A105-0D769872F243}"/>
-              </a:ext>
-              <a:ext uri="{C183D7F6-B498-43B3-948B-1728B52AA6E4}">
-                <adec:decorative xmlns:adec="http://schemas.microsoft.com/office/drawing/2017/decorative" val="1"/>
+                <a16:creationId xmlns:a16="http://schemas.microsoft.com/office/drawing/2014/main" id="{6F337665-2FC6-429E-9D06-41B06CB24D1E}"/>
               </a:ext>
             </a:extLst>
           </p:cNvPr>
           <p:cNvSpPr>
-            <a:spLocks noGrp="1" noRot="1" noChangeAspect="1" noMove="1" noResize="1" noEditPoints="1" noAdjustHandles="1" noChangeArrowheads="1" noChangeShapeType="1" noTextEdit="1"/>
-          </p:cNvSpPr>
-          <p:nvPr>
-            <p:extLst>
-              <p:ext uri="{386F3935-93C4-4BCD-93E2-E3B085C9AB24}">
-                <p16:designElem xmlns:p16="http://schemas.microsoft.com/office/powerpoint/2015/main" val="1"/>
-              </p:ext>
-            </p:extLst>
-          </p:nvPr>
-        </p:nvSpPr>
-        <p:spPr bwMode="white">
-          <a:xfrm>
-            <a:off x="1507" y="4953000"/>
-            <a:ext cx="12188952" cy="1905000"/>
-          </a:xfrm>
-          <a:prstGeom prst="rect">
-            <a:avLst/>
-          </a:prstGeom>
-          <a:solidFill>
-            <a:schemeClr val="accent2"/>
-          </a:solidFill>
-          <a:ln>
-            <a:noFill/>
-          </a:ln>
-        </p:spPr>
-        <p:style>
-          <a:lnRef idx="2">
-            <a:schemeClr val="accent1">
-              <a:shade val="50000"/>
-            </a:schemeClr>
-          </a:lnRef>
-          <a:fillRef idx="1">
-            <a:schemeClr val="accent1"/>
-          </a:fillRef>
-          <a:effectRef idx="0">
-            <a:schemeClr val="accent1"/>
-          </a:effectRef>
-          <a:fontRef idx="minor">
-            <a:schemeClr val="lt1"/>
-          </a:fontRef>
-        </p:style>
-      </p:sp>
+            <a:spLocks noGrp="1"/>
+          </p:cNvSpPr>
+          <p:nvPr>
+            <p:ph type="title"/>
+          </p:nvPr>
+        </p:nvSpPr>
+        <p:spPr/>
+        <p:txBody>
+          <a:bodyPr/>
+          <a:lstStyle/>
+          <a:p>
+            <a:r>
+              <a:rPr lang="en-US" dirty="0"/>
+              <a:t>Gotchas</a:t>
+            </a:r>
+          </a:p>
+        </p:txBody>
+      </p:sp>
+      <p:sp>
+        <p:nvSpPr>
+          <p:cNvPr id="3" name="Content Placeholder 2">
+            <a:extLst>
+              <a:ext uri="{FF2B5EF4-FFF2-40B4-BE49-F238E27FC236}">
+                <a16:creationId xmlns:a16="http://schemas.microsoft.com/office/drawing/2014/main" id="{94800AB1-EF7E-4181-B04E-9F8A6B86AD2E}"/>
+              </a:ext>
+            </a:extLst>
+          </p:cNvPr>
+          <p:cNvSpPr>
+            <a:spLocks noGrp="1"/>
+          </p:cNvSpPr>
+          <p:nvPr>
+            <p:ph idx="1"/>
+          </p:nvPr>
+        </p:nvSpPr>
+        <p:spPr/>
+        <p:txBody>
+          <a:bodyPr/>
+          <a:lstStyle/>
+          <a:p>
+            <a:pPr>
+              <a:buFont typeface="Wingdings" panose="05000000000000000000" pitchFamily="2" charset="2"/>
+              <a:buChar char="§"/>
+            </a:pPr>
+            <a:r>
+              <a:rPr lang="en-US" dirty="0"/>
+              <a:t> Performance </a:t>
+            </a:r>
+          </a:p>
+          <a:p>
+            <a:pPr lvl="1">
+              <a:buFont typeface="Wingdings" panose="05000000000000000000" pitchFamily="2" charset="2"/>
+              <a:buChar char="§"/>
+            </a:pPr>
+            <a:r>
+              <a:rPr lang="en-US" dirty="0"/>
+              <a:t>Where code translates closer to 1-1 performance will be better</a:t>
+            </a:r>
+          </a:p>
+          <a:p>
+            <a:pPr lvl="1">
+              <a:buFont typeface="Wingdings" panose="05000000000000000000" pitchFamily="2" charset="2"/>
+              <a:buChar char="§"/>
+            </a:pPr>
+            <a:r>
+              <a:rPr lang="en-US" dirty="0"/>
+              <a:t>.NET specific functionality works but can be slow (decimals, extended regex functionality)</a:t>
+            </a:r>
+          </a:p>
+          <a:p>
+            <a:pPr>
+              <a:buFont typeface="Wingdings" panose="05000000000000000000" pitchFamily="2" charset="2"/>
+              <a:buChar char="§"/>
+            </a:pPr>
+            <a:r>
+              <a:rPr lang="en-US" dirty="0"/>
+              <a:t> Things that seem equivalent aren’t always equivalent (bridge array/</a:t>
+            </a:r>
+            <a:r>
+              <a:rPr lang="en-US" dirty="0" err="1"/>
+              <a:t>javascript</a:t>
+            </a:r>
+            <a:r>
+              <a:rPr lang="en-US" dirty="0"/>
+              <a:t> array)</a:t>
+            </a:r>
+          </a:p>
+          <a:p>
+            <a:pPr>
+              <a:buFont typeface="Wingdings" panose="05000000000000000000" pitchFamily="2" charset="2"/>
+              <a:buChar char="§"/>
+            </a:pPr>
+            <a:r>
+              <a:rPr lang="en-US" dirty="0"/>
+              <a:t> Reflection</a:t>
+            </a:r>
+          </a:p>
+          <a:p>
+            <a:pPr lvl="1">
+              <a:buFont typeface="Wingdings" panose="05000000000000000000" pitchFamily="2" charset="2"/>
+              <a:buChar char="§"/>
+            </a:pPr>
+            <a:r>
+              <a:rPr lang="en-US" dirty="0"/>
+              <a:t>Enough reflection works that you can be caught off guard when it doesn’t</a:t>
+            </a:r>
+          </a:p>
+        </p:txBody>
+      </p:sp>
+    </p:spTree>
+    <p:extLst>
+      <p:ext uri="{BB962C8B-B14F-4D97-AF65-F5344CB8AC3E}">
+        <p14:creationId xmlns:p14="http://schemas.microsoft.com/office/powerpoint/2010/main" val="1854439499"/>
+      </p:ext>
+    </p:extLst>
+  </p:cSld>
+  <p:clrMapOvr>
+    <a:masterClrMapping/>
+  </p:clrMapOvr>
+</p:sld>
+</file>
+
+<file path=ppt/slides/slide7.xml><?xml version="1.0" encoding="utf-8"?>
+<p:sld xmlns:a="http://schemas.openxmlformats.org/drawingml/2006/main" xmlns:r="http://schemas.openxmlformats.org/officeDocument/2006/relationships" xmlns:p="http://schemas.openxmlformats.org/presentationml/2006/main">
+  <p:cSld>
+    <p:spTree>
+      <p:nvGrpSpPr>
+        <p:cNvPr id="1" name=""/>
+        <p:cNvGrpSpPr/>
+        <p:nvPr/>
+      </p:nvGrpSpPr>
+      <p:grpSpPr>
+        <a:xfrm>
+          <a:off x="0" y="0"/>
+          <a:ext cx="0" cy="0"/>
+          <a:chOff x="0" y="0"/>
+          <a:chExt cx="0" cy="0"/>
+        </a:xfrm>
+      </p:grpSpPr>
       <p:sp>
         <p:nvSpPr>
           <p:cNvPr id="2" name="Title 1">
             <a:extLst>
               <a:ext uri="{FF2B5EF4-FFF2-40B4-BE49-F238E27FC236}">
-                <a16:creationId xmlns:a16="http://schemas.microsoft.com/office/drawing/2014/main" id="{02C95A10-CB02-4282-A8A9-51646E765B69}"/>
+                <a16:creationId xmlns:a16="http://schemas.microsoft.com/office/drawing/2014/main" id="{A3EA70D0-2F6B-413D-8649-F64DA571B742}"/>
               </a:ext>
             </a:extLst>
           </p:cNvPr>
@@ -4073,97 +5133,303 @@
             <p:ph type="title"/>
           </p:nvPr>
         </p:nvSpPr>
-        <p:spPr>
-          <a:xfrm>
-            <a:off x="1066800" y="5252936"/>
-            <a:ext cx="10058400" cy="1028715"/>
-          </a:xfrm>
-        </p:spPr>
-        <p:txBody>
-          <a:bodyPr anchor="ctr">
-            <a:normAutofit/>
-          </a:bodyPr>
-          <a:lstStyle/>
-          <a:p>
-            <a:pPr algn="ctr"/>
-            <a:r>
-              <a:rPr lang="en-US" dirty="0" err="1">
-                <a:solidFill>
-                  <a:srgbClr val="FFFFFF"/>
-                </a:solidFill>
-              </a:rPr>
-              <a:t>Greatland</a:t>
-            </a:r>
-            <a:r>
-              <a:rPr lang="en-US" dirty="0">
-                <a:solidFill>
-                  <a:srgbClr val="FFFFFF"/>
-                </a:solidFill>
-              </a:rPr>
-              <a:t> Form Engine Architecture</a:t>
-            </a:r>
-          </a:p>
-        </p:txBody>
-      </p:sp>
-      <p:sp>
-        <p:nvSpPr>
-          <p:cNvPr id="12" name="Rectangle 11">
+        <p:spPr/>
+        <p:txBody>
+          <a:bodyPr/>
+          <a:lstStyle/>
+          <a:p>
+            <a:r>
+              <a:rPr lang="en-US" dirty="0"/>
+              <a:t>Interfacing with JS Ecosystem: Retyped</a:t>
+            </a:r>
+          </a:p>
+        </p:txBody>
+      </p:sp>
+      <p:sp>
+        <p:nvSpPr>
+          <p:cNvPr id="3" name="Content Placeholder 2">
             <a:extLst>
               <a:ext uri="{FF2B5EF4-FFF2-40B4-BE49-F238E27FC236}">
-                <a16:creationId xmlns:a16="http://schemas.microsoft.com/office/drawing/2014/main" id="{5E1ED12F-9F06-4B37-87B7-F98F52937F86}"/>
-              </a:ext>
-              <a:ext uri="{C183D7F6-B498-43B3-948B-1728B52AA6E4}">
-                <adec:decorative xmlns:adec="http://schemas.microsoft.com/office/drawing/2017/decorative" val="1"/>
+                <a16:creationId xmlns:a16="http://schemas.microsoft.com/office/drawing/2014/main" id="{8E432A0F-0A07-4E2C-905E-933D3B164BFB}"/>
               </a:ext>
             </a:extLst>
           </p:cNvPr>
           <p:cNvSpPr>
-            <a:spLocks noGrp="1" noRot="1" noChangeAspect="1" noMove="1" noResize="1" noEditPoints="1" noAdjustHandles="1" noChangeArrowheads="1" noChangeShapeType="1" noTextEdit="1"/>
-          </p:cNvSpPr>
-          <p:nvPr>
-            <p:extLst>
-              <p:ext uri="{386F3935-93C4-4BCD-93E2-E3B085C9AB24}">
-                <p16:designElem xmlns:p16="http://schemas.microsoft.com/office/powerpoint/2015/main" val="1"/>
-              </p:ext>
-            </p:extLst>
-          </p:nvPr>
-        </p:nvSpPr>
-        <p:spPr>
-          <a:xfrm>
-            <a:off x="1507" y="4906176"/>
-            <a:ext cx="12188952" cy="64008"/>
-          </a:xfrm>
-          <a:prstGeom prst="rect">
-            <a:avLst/>
-          </a:prstGeom>
-          <a:solidFill>
-            <a:schemeClr val="accent1"/>
-          </a:solidFill>
-          <a:ln>
-            <a:noFill/>
-          </a:ln>
-        </p:spPr>
-        <p:style>
-          <a:lnRef idx="2">
-            <a:schemeClr val="accent1">
-              <a:shade val="50000"/>
-            </a:schemeClr>
-          </a:lnRef>
-          <a:fillRef idx="1">
-            <a:schemeClr val="accent1"/>
-          </a:fillRef>
-          <a:effectRef idx="0">
-            <a:schemeClr val="accent1"/>
-          </a:effectRef>
-          <a:fontRef idx="minor">
-            <a:schemeClr val="lt1"/>
-          </a:fontRef>
-        </p:style>
+            <a:spLocks noGrp="1"/>
+          </p:cNvSpPr>
+          <p:nvPr>
+            <p:ph idx="1"/>
+          </p:nvPr>
+        </p:nvSpPr>
+        <p:spPr/>
+        <p:txBody>
+          <a:bodyPr/>
+          <a:lstStyle/>
+          <a:p>
+            <a:pPr>
+              <a:buFont typeface="Wingdings" panose="05000000000000000000" pitchFamily="2" charset="2"/>
+              <a:buChar char="§"/>
+            </a:pPr>
+            <a:r>
+              <a:rPr lang="en-US" dirty="0"/>
+              <a:t> Sister project to </a:t>
+            </a:r>
+            <a:r>
+              <a:rPr lang="en-US" dirty="0" err="1"/>
+              <a:t>Bridge.Net</a:t>
+            </a:r>
+            <a:endParaRPr lang="en-US" dirty="0"/>
+          </a:p>
+          <a:p>
+            <a:pPr>
+              <a:buFont typeface="Wingdings" panose="05000000000000000000" pitchFamily="2" charset="2"/>
+              <a:buChar char="§"/>
+            </a:pPr>
+            <a:r>
+              <a:rPr lang="en-US" dirty="0"/>
+              <a:t> Uses Typescript type definition files (</a:t>
+            </a:r>
+            <a:r>
+              <a:rPr lang="en-US" dirty="0" err="1"/>
+              <a:t>d.ts</a:t>
+            </a:r>
+            <a:r>
+              <a:rPr lang="en-US" dirty="0"/>
+              <a:t>) to create </a:t>
+            </a:r>
+            <a:r>
+              <a:rPr lang="en-US" dirty="0" err="1"/>
+              <a:t>Nuget</a:t>
+            </a:r>
+            <a:r>
+              <a:rPr lang="en-US" dirty="0"/>
+              <a:t> packages for interop</a:t>
+            </a:r>
+          </a:p>
+        </p:txBody>
       </p:sp>
     </p:spTree>
     <p:extLst>
       <p:ext uri="{BB962C8B-B14F-4D97-AF65-F5344CB8AC3E}">
-        <p14:creationId xmlns:p14="http://schemas.microsoft.com/office/powerpoint/2010/main" val="913296742"/>
+        <p14:creationId xmlns:p14="http://schemas.microsoft.com/office/powerpoint/2010/main" val="2507503047"/>
+      </p:ext>
+    </p:extLst>
+  </p:cSld>
+  <p:clrMapOvr>
+    <a:masterClrMapping/>
+  </p:clrMapOvr>
+</p:sld>
+</file>
+
+<file path=ppt/slides/slide8.xml><?xml version="1.0" encoding="utf-8"?>
+<p:sld xmlns:a="http://schemas.openxmlformats.org/drawingml/2006/main" xmlns:r="http://schemas.openxmlformats.org/officeDocument/2006/relationships" xmlns:p="http://schemas.openxmlformats.org/presentationml/2006/main">
+  <p:cSld>
+    <p:spTree>
+      <p:nvGrpSpPr>
+        <p:cNvPr id="1" name=""/>
+        <p:cNvGrpSpPr/>
+        <p:nvPr/>
+      </p:nvGrpSpPr>
+      <p:grpSpPr>
+        <a:xfrm>
+          <a:off x="0" y="0"/>
+          <a:ext cx="0" cy="0"/>
+          <a:chOff x="0" y="0"/>
+          <a:chExt cx="0" cy="0"/>
+        </a:xfrm>
+      </p:grpSpPr>
+      <p:sp>
+        <p:nvSpPr>
+          <p:cNvPr id="2" name="Title 1">
+            <a:extLst>
+              <a:ext uri="{FF2B5EF4-FFF2-40B4-BE49-F238E27FC236}">
+                <a16:creationId xmlns:a16="http://schemas.microsoft.com/office/drawing/2014/main" id="{3828297B-80B3-4E2C-AFCF-A02F37BCFD87}"/>
+              </a:ext>
+            </a:extLst>
+          </p:cNvPr>
+          <p:cNvSpPr>
+            <a:spLocks noGrp="1"/>
+          </p:cNvSpPr>
+          <p:nvPr>
+            <p:ph type="title"/>
+          </p:nvPr>
+        </p:nvSpPr>
+        <p:spPr/>
+        <p:txBody>
+          <a:bodyPr/>
+          <a:lstStyle/>
+          <a:p>
+            <a:r>
+              <a:rPr lang="en-US" dirty="0"/>
+              <a:t>Use Case: </a:t>
+            </a:r>
+            <a:r>
+              <a:rPr lang="en-US" dirty="0" err="1"/>
+              <a:t>Transpiling</a:t>
+            </a:r>
+            <a:r>
+              <a:rPr lang="en-US" dirty="0"/>
+              <a:t> Business Logic</a:t>
+            </a:r>
+          </a:p>
+        </p:txBody>
+      </p:sp>
+      <p:sp>
+        <p:nvSpPr>
+          <p:cNvPr id="3" name="Content Placeholder 2">
+            <a:extLst>
+              <a:ext uri="{FF2B5EF4-FFF2-40B4-BE49-F238E27FC236}">
+                <a16:creationId xmlns:a16="http://schemas.microsoft.com/office/drawing/2014/main" id="{DE03C8C4-2337-4316-B021-1D5AFB73488A}"/>
+              </a:ext>
+            </a:extLst>
+          </p:cNvPr>
+          <p:cNvSpPr>
+            <a:spLocks noGrp="1"/>
+          </p:cNvSpPr>
+          <p:nvPr>
+            <p:ph idx="1"/>
+          </p:nvPr>
+        </p:nvSpPr>
+        <p:spPr/>
+        <p:txBody>
+          <a:bodyPr/>
+          <a:lstStyle/>
+          <a:p>
+            <a:pPr>
+              <a:buFont typeface="Arial" panose="020B0604020202020204" pitchFamily="34" charset="0"/>
+              <a:buChar char="•"/>
+            </a:pPr>
+            <a:r>
+              <a:rPr lang="en-US" dirty="0"/>
+              <a:t> PRO: Business logic is equivalent without any extra work</a:t>
+            </a:r>
+          </a:p>
+          <a:p>
+            <a:pPr>
+              <a:buFont typeface="Arial" panose="020B0604020202020204" pitchFamily="34" charset="0"/>
+              <a:buChar char="•"/>
+            </a:pPr>
+            <a:r>
+              <a:rPr lang="en-US" dirty="0"/>
+              <a:t> CON: Interop between </a:t>
+            </a:r>
+            <a:r>
+              <a:rPr lang="en-US" dirty="0" err="1"/>
+              <a:t>Javascript</a:t>
+            </a:r>
+            <a:r>
+              <a:rPr lang="en-US" dirty="0"/>
+              <a:t> and </a:t>
+            </a:r>
+            <a:r>
+              <a:rPr lang="en-US" dirty="0" err="1"/>
+              <a:t>transpiled</a:t>
+            </a:r>
+            <a:r>
+              <a:rPr lang="en-US" dirty="0"/>
+              <a:t> code can be nasty, especially with generics</a:t>
+            </a:r>
+          </a:p>
+        </p:txBody>
+      </p:sp>
+    </p:spTree>
+    <p:extLst>
+      <p:ext uri="{BB962C8B-B14F-4D97-AF65-F5344CB8AC3E}">
+        <p14:creationId xmlns:p14="http://schemas.microsoft.com/office/powerpoint/2010/main" val="3936768775"/>
+      </p:ext>
+    </p:extLst>
+  </p:cSld>
+  <p:clrMapOvr>
+    <a:masterClrMapping/>
+  </p:clrMapOvr>
+</p:sld>
+</file>
+
+<file path=ppt/slides/slide9.xml><?xml version="1.0" encoding="utf-8"?>
+<p:sld xmlns:a="http://schemas.openxmlformats.org/drawingml/2006/main" xmlns:r="http://schemas.openxmlformats.org/officeDocument/2006/relationships" xmlns:p="http://schemas.openxmlformats.org/presentationml/2006/main">
+  <p:cSld>
+    <p:spTree>
+      <p:nvGrpSpPr>
+        <p:cNvPr id="1" name=""/>
+        <p:cNvGrpSpPr/>
+        <p:nvPr/>
+      </p:nvGrpSpPr>
+      <p:grpSpPr>
+        <a:xfrm>
+          <a:off x="0" y="0"/>
+          <a:ext cx="0" cy="0"/>
+          <a:chOff x="0" y="0"/>
+          <a:chExt cx="0" cy="0"/>
+        </a:xfrm>
+      </p:grpSpPr>
+      <p:sp>
+        <p:nvSpPr>
+          <p:cNvPr id="2" name="Title 1">
+            <a:extLst>
+              <a:ext uri="{FF2B5EF4-FFF2-40B4-BE49-F238E27FC236}">
+                <a16:creationId xmlns:a16="http://schemas.microsoft.com/office/drawing/2014/main" id="{4AD4C152-7495-4980-B3A3-5DB6A3FB6705}"/>
+              </a:ext>
+            </a:extLst>
+          </p:cNvPr>
+          <p:cNvSpPr>
+            <a:spLocks noGrp="1"/>
+          </p:cNvSpPr>
+          <p:nvPr>
+            <p:ph type="ctrTitle"/>
+          </p:nvPr>
+        </p:nvSpPr>
+        <p:spPr/>
+        <p:txBody>
+          <a:bodyPr/>
+          <a:lstStyle/>
+          <a:p>
+            <a:r>
+              <a:rPr lang="en-US" dirty="0"/>
+              <a:t>DEMO</a:t>
+            </a:r>
+          </a:p>
+        </p:txBody>
+      </p:sp>
+      <p:sp>
+        <p:nvSpPr>
+          <p:cNvPr id="5" name="Subtitle 4">
+            <a:extLst>
+              <a:ext uri="{FF2B5EF4-FFF2-40B4-BE49-F238E27FC236}">
+                <a16:creationId xmlns:a16="http://schemas.microsoft.com/office/drawing/2014/main" id="{E8D2EE01-206B-4B8F-97F0-3DE8D92389FE}"/>
+              </a:ext>
+            </a:extLst>
+          </p:cNvPr>
+          <p:cNvSpPr>
+            <a:spLocks noGrp="1"/>
+          </p:cNvSpPr>
+          <p:nvPr>
+            <p:ph type="subTitle" idx="1"/>
+          </p:nvPr>
+        </p:nvSpPr>
+        <p:spPr/>
+        <p:txBody>
+          <a:bodyPr/>
+          <a:lstStyle/>
+          <a:p>
+            <a:r>
+              <a:rPr lang="en-US" dirty="0"/>
+              <a:t>Angular spa with </a:t>
+            </a:r>
+            <a:r>
+              <a:rPr lang="en-US" dirty="0" err="1"/>
+              <a:t>transpiled</a:t>
+            </a:r>
+            <a:r>
+              <a:rPr lang="en-US" dirty="0"/>
+              <a:t> business logic</a:t>
+            </a:r>
+          </a:p>
+        </p:txBody>
+      </p:sp>
+    </p:spTree>
+    <p:extLst>
+      <p:ext uri="{BB962C8B-B14F-4D97-AF65-F5344CB8AC3E}">
+        <p14:creationId xmlns:p14="http://schemas.microsoft.com/office/powerpoint/2010/main" val="3122916019"/>
       </p:ext>
     </p:extLst>
   </p:cSld>

--- a/bridge.net/bridge-net.pptx
+++ b/bridge.net/bridge-net.pptx
@@ -18,6 +18,7 @@
     <p:sldId id="270" r:id="rId12"/>
     <p:sldId id="268" r:id="rId13"/>
     <p:sldId id="271" r:id="rId14"/>
+    <p:sldId id="272" r:id="rId15"/>
   </p:sldIdLst>
   <p:sldSz cx="12192000" cy="6858000"/>
   <p:notesSz cx="6858000" cy="9144000"/>
@@ -350,7 +351,7 @@
           <a:p>
             <a:fld id="{96DFF08F-DC6B-4601-B491-B0F83F6DD2DA}" type="datetimeFigureOut">
               <a:rPr lang="en-US" dirty="0"/>
-              <a:t>5/1/2019</a:t>
+              <a:t>5/2/2019</a:t>
             </a:fld>
             <a:endParaRPr lang="en-US" dirty="0"/>
           </a:p>
@@ -553,7 +554,7 @@
           <a:p>
             <a:fld id="{96DFF08F-DC6B-4601-B491-B0F83F6DD2DA}" type="datetimeFigureOut">
               <a:rPr lang="en-US" dirty="0"/>
-              <a:t>5/1/2019</a:t>
+              <a:t>5/2/2019</a:t>
             </a:fld>
             <a:endParaRPr lang="en-US" dirty="0"/>
           </a:p>
@@ -804,7 +805,7 @@
           <a:p>
             <a:fld id="{96DFF08F-DC6B-4601-B491-B0F83F6DD2DA}" type="datetimeFigureOut">
               <a:rPr lang="en-US" dirty="0"/>
-              <a:t>5/1/2019</a:t>
+              <a:t>5/2/2019</a:t>
             </a:fld>
             <a:endParaRPr lang="en-US" dirty="0"/>
           </a:p>
@@ -969,7 +970,7 @@
           <a:p>
             <a:fld id="{D62CEF3B-A037-46D0-B02C-1428F07E9383}" type="datetimeFigureOut">
               <a:rPr lang="en-US" dirty="0"/>
-              <a:t>5/1/2019</a:t>
+              <a:t>5/2/2019</a:t>
             </a:fld>
             <a:endParaRPr lang="en-US" dirty="0"/>
           </a:p>
@@ -1307,7 +1308,7 @@
           <a:p>
             <a:fld id="{96DFF08F-DC6B-4601-B491-B0F83F6DD2DA}" type="datetimeFigureOut">
               <a:rPr lang="en-US" dirty="0"/>
-              <a:t>5/1/2019</a:t>
+              <a:t>5/2/2019</a:t>
             </a:fld>
             <a:endParaRPr lang="en-US" dirty="0"/>
           </a:p>
@@ -1577,7 +1578,7 @@
           <a:p>
             <a:fld id="{96DFF08F-DC6B-4601-B491-B0F83F6DD2DA}" type="datetimeFigureOut">
               <a:rPr lang="en-US" dirty="0"/>
-              <a:t>5/1/2019</a:t>
+              <a:t>5/2/2019</a:t>
             </a:fld>
             <a:endParaRPr lang="en-US" dirty="0"/>
           </a:p>
@@ -1951,7 +1952,7 @@
           <a:p>
             <a:fld id="{96DFF08F-DC6B-4601-B491-B0F83F6DD2DA}" type="datetimeFigureOut">
               <a:rPr lang="en-US" dirty="0"/>
-              <a:t>5/1/2019</a:t>
+              <a:t>5/2/2019</a:t>
             </a:fld>
             <a:endParaRPr lang="en-US" dirty="0"/>
           </a:p>
@@ -2064,7 +2065,7 @@
           <a:p>
             <a:fld id="{96DFF08F-DC6B-4601-B491-B0F83F6DD2DA}" type="datetimeFigureOut">
               <a:rPr lang="en-US" dirty="0"/>
-              <a:t>5/1/2019</a:t>
+              <a:t>5/2/2019</a:t>
             </a:fld>
             <a:endParaRPr lang="en-US" dirty="0"/>
           </a:p>
@@ -2231,7 +2232,7 @@
             <a:fld id="{96DFF08F-DC6B-4601-B491-B0F83F6DD2DA}" type="datetimeFigureOut">
               <a:rPr lang="en-US" dirty="0"/>
               <a:pPr/>
-              <a:t>5/1/2019</a:t>
+              <a:t>5/2/2019</a:t>
             </a:fld>
             <a:endParaRPr lang="en-US" dirty="0"/>
           </a:p>
@@ -2582,7 +2583,7 @@
             <a:fld id="{96DFF08F-DC6B-4601-B491-B0F83F6DD2DA}" type="datetimeFigureOut">
               <a:rPr lang="en-US" dirty="0"/>
               <a:pPr/>
-              <a:t>5/1/2019</a:t>
+              <a:t>5/2/2019</a:t>
             </a:fld>
             <a:endParaRPr lang="en-US" dirty="0"/>
           </a:p>
@@ -2955,7 +2956,7 @@
           <a:p>
             <a:fld id="{96DFF08F-DC6B-4601-B491-B0F83F6DD2DA}" type="datetimeFigureOut">
               <a:rPr lang="en-US" dirty="0"/>
-              <a:t>5/1/2019</a:t>
+              <a:t>5/2/2019</a:t>
             </a:fld>
             <a:endParaRPr lang="en-US" dirty="0"/>
           </a:p>
@@ -3238,7 +3239,7 @@
             <a:fld id="{96DFF08F-DC6B-4601-B491-B0F83F6DD2DA}" type="datetimeFigureOut">
               <a:rPr lang="en-US" dirty="0"/>
               <a:pPr/>
-              <a:t>5/1/2019</a:t>
+              <a:t>5/2/2019</a:t>
             </a:fld>
             <a:endParaRPr lang="en-US" dirty="0"/>
           </a:p>
@@ -3838,9 +3839,12 @@
           </a:p>
           <a:p>
             <a:r>
-              <a:rPr lang="en-US" cap="none" dirty="0"/>
-              <a:t>github.com/mrosack/presentations/master/bridge.net</a:t>
-            </a:r>
+              <a:rPr lang="en-US" cap="none" dirty="0">
+                <a:hlinkClick r:id="rId3"/>
+              </a:rPr>
+              <a:t>https://github.com/mrosack/presentations/tree/master/bridge.net</a:t>
+            </a:r>
+            <a:endParaRPr lang="en-US" cap="none" dirty="0"/>
           </a:p>
         </p:txBody>
       </p:sp>
@@ -3859,7 +3863,7 @@
           <p:nvPr/>
         </p:nvPicPr>
         <p:blipFill>
-          <a:blip r:embed="rId3">
+          <a:blip r:embed="rId4">
             <a:extLst>
               <a:ext uri="{28A0092B-C50C-407E-A947-70E740481C1C}">
                 <a14:useLocalDpi xmlns:a14="http://schemas.microsoft.com/office/drawing/2010/main" val="0"/>
@@ -3889,6 +3893,36 @@
               </a14:hiddenFill>
             </a:ext>
           </a:extLst>
+        </p:spPr>
+      </p:pic>
+      <p:pic>
+        <p:nvPicPr>
+          <p:cNvPr id="5" name="Picture 4">
+            <a:extLst>
+              <a:ext uri="{FF2B5EF4-FFF2-40B4-BE49-F238E27FC236}">
+                <a16:creationId xmlns:a16="http://schemas.microsoft.com/office/drawing/2014/main" id="{630039F0-906F-4920-8D8B-2DE3601B2F79}"/>
+              </a:ext>
+            </a:extLst>
+          </p:cNvPr>
+          <p:cNvPicPr>
+            <a:picLocks noChangeAspect="1"/>
+          </p:cNvPicPr>
+          <p:nvPr/>
+        </p:nvPicPr>
+        <p:blipFill>
+          <a:blip r:embed="rId5"/>
+          <a:stretch>
+            <a:fillRect/>
+          </a:stretch>
+        </p:blipFill>
+        <p:spPr>
+          <a:xfrm>
+            <a:off x="868455" y="571500"/>
+            <a:ext cx="2857500" cy="2857500"/>
+          </a:xfrm>
+          <a:prstGeom prst="rect">
+            <a:avLst/>
+          </a:prstGeom>
         </p:spPr>
       </p:pic>
     </p:spTree>
@@ -4261,13 +4295,24 @@
         </p:nvSpPr>
         <p:spPr/>
         <p:txBody>
-          <a:bodyPr/>
+          <a:bodyPr>
+            <a:normAutofit fontScale="92500"/>
+          </a:bodyPr>
           <a:lstStyle/>
           <a:p>
             <a:r>
               <a:rPr lang="en-US" dirty="0"/>
               <a:t>RETYPED REACT DEMO</a:t>
             </a:r>
+          </a:p>
+          <a:p>
+            <a:r>
+              <a:rPr lang="en-US" dirty="0">
+                <a:hlinkClick r:id="rId2"/>
+              </a:rPr>
+              <a:t>https://github.com/Retyped/Demos/tree/master/ReactDemo</a:t>
+            </a:r>
+            <a:endParaRPr lang="en-US" dirty="0"/>
           </a:p>
         </p:txBody>
       </p:sp>
@@ -4275,6 +4320,202 @@
     <p:extLst>
       <p:ext uri="{BB962C8B-B14F-4D97-AF65-F5344CB8AC3E}">
         <p14:creationId xmlns:p14="http://schemas.microsoft.com/office/powerpoint/2010/main" val="2039467680"/>
+      </p:ext>
+    </p:extLst>
+  </p:cSld>
+  <p:clrMapOvr>
+    <a:masterClrMapping/>
+  </p:clrMapOvr>
+</p:sld>
+</file>
+
+<file path=ppt/slides/slide14.xml><?xml version="1.0" encoding="utf-8"?>
+<p:sld xmlns:a="http://schemas.openxmlformats.org/drawingml/2006/main" xmlns:r="http://schemas.openxmlformats.org/officeDocument/2006/relationships" xmlns:p="http://schemas.openxmlformats.org/presentationml/2006/main">
+  <p:cSld>
+    <p:spTree>
+      <p:nvGrpSpPr>
+        <p:cNvPr id="1" name=""/>
+        <p:cNvGrpSpPr/>
+        <p:nvPr/>
+      </p:nvGrpSpPr>
+      <p:grpSpPr>
+        <a:xfrm>
+          <a:off x="0" y="0"/>
+          <a:ext cx="0" cy="0"/>
+          <a:chOff x="0" y="0"/>
+          <a:chExt cx="0" cy="0"/>
+        </a:xfrm>
+      </p:grpSpPr>
+      <p:sp>
+        <p:nvSpPr>
+          <p:cNvPr id="2" name="Title 1">
+            <a:extLst>
+              <a:ext uri="{FF2B5EF4-FFF2-40B4-BE49-F238E27FC236}">
+                <a16:creationId xmlns:a16="http://schemas.microsoft.com/office/drawing/2014/main" id="{1040BA2A-6D06-4574-A622-0346F3976560}"/>
+              </a:ext>
+            </a:extLst>
+          </p:cNvPr>
+          <p:cNvSpPr>
+            <a:spLocks noGrp="1"/>
+          </p:cNvSpPr>
+          <p:nvPr>
+            <p:ph type="ctrTitle"/>
+          </p:nvPr>
+        </p:nvSpPr>
+        <p:spPr/>
+        <p:txBody>
+          <a:bodyPr>
+            <a:normAutofit/>
+          </a:bodyPr>
+          <a:lstStyle/>
+          <a:p>
+            <a:r>
+              <a:rPr lang="en-US" sz="5400" dirty="0"/>
+              <a:t>Thanks for Listening!</a:t>
+            </a:r>
+          </a:p>
+        </p:txBody>
+      </p:sp>
+      <p:sp>
+        <p:nvSpPr>
+          <p:cNvPr id="3" name="Subtitle 2">
+            <a:extLst>
+              <a:ext uri="{FF2B5EF4-FFF2-40B4-BE49-F238E27FC236}">
+                <a16:creationId xmlns:a16="http://schemas.microsoft.com/office/drawing/2014/main" id="{30984917-8B45-4E34-97C6-6F08E44AE125}"/>
+              </a:ext>
+            </a:extLst>
+          </p:cNvPr>
+          <p:cNvSpPr>
+            <a:spLocks noGrp="1"/>
+          </p:cNvSpPr>
+          <p:nvPr>
+            <p:ph type="subTitle" idx="1"/>
+          </p:nvPr>
+        </p:nvSpPr>
+        <p:spPr/>
+        <p:txBody>
+          <a:bodyPr>
+            <a:normAutofit fontScale="47500" lnSpcReduction="20000"/>
+          </a:bodyPr>
+          <a:lstStyle/>
+          <a:p>
+            <a:r>
+              <a:rPr lang="en-US" cap="none" dirty="0"/>
+              <a:t>Mike Rosack</a:t>
+            </a:r>
+          </a:p>
+          <a:p>
+            <a:r>
+              <a:rPr lang="en-US" cap="none" dirty="0">
+                <a:hlinkClick r:id="rId2"/>
+              </a:rPr>
+              <a:t>mike@rosacksoftwaresolutions.com</a:t>
+            </a:r>
+            <a:endParaRPr lang="en-US" cap="none" dirty="0"/>
+          </a:p>
+          <a:p>
+            <a:r>
+              <a:rPr lang="en-US" cap="none" dirty="0"/>
+              <a:t>@</a:t>
+            </a:r>
+            <a:r>
+              <a:rPr lang="en-US" cap="none" dirty="0" err="1"/>
+              <a:t>mike_rosack</a:t>
+            </a:r>
+            <a:endParaRPr lang="en-US" cap="none" dirty="0"/>
+          </a:p>
+          <a:p>
+            <a:r>
+              <a:rPr lang="en-US" cap="none" dirty="0">
+                <a:hlinkClick r:id="rId3"/>
+              </a:rPr>
+              <a:t>https://github.com/mrosack/presentations/tree/master/bridge.net</a:t>
+            </a:r>
+            <a:endParaRPr lang="en-US" cap="none" dirty="0"/>
+          </a:p>
+        </p:txBody>
+      </p:sp>
+      <p:pic>
+        <p:nvPicPr>
+          <p:cNvPr id="1026" name="Picture 2" descr="Rosack Software Solutions">
+            <a:extLst>
+              <a:ext uri="{FF2B5EF4-FFF2-40B4-BE49-F238E27FC236}">
+                <a16:creationId xmlns:a16="http://schemas.microsoft.com/office/drawing/2014/main" id="{E3306EF6-0671-46EA-8A8E-F7B184F86F5F}"/>
+              </a:ext>
+            </a:extLst>
+          </p:cNvPr>
+          <p:cNvPicPr>
+            <a:picLocks noChangeAspect="1" noChangeArrowheads="1"/>
+          </p:cNvPicPr>
+          <p:nvPr/>
+        </p:nvPicPr>
+        <p:blipFill>
+          <a:blip r:embed="rId4">
+            <a:extLst>
+              <a:ext uri="{28A0092B-C50C-407E-A947-70E740481C1C}">
+                <a14:useLocalDpi xmlns:a14="http://schemas.microsoft.com/office/drawing/2010/main" val="0"/>
+              </a:ext>
+            </a:extLst>
+          </a:blip>
+          <a:srcRect/>
+          <a:stretch>
+            <a:fillRect/>
+          </a:stretch>
+        </p:blipFill>
+        <p:spPr bwMode="auto">
+          <a:xfrm>
+            <a:off x="7671547" y="758952"/>
+            <a:ext cx="3484133" cy="1381404"/>
+          </a:xfrm>
+          <a:prstGeom prst="rect">
+            <a:avLst/>
+          </a:prstGeom>
+          <a:noFill/>
+          <a:extLst>
+            <a:ext uri="{909E8E84-426E-40DD-AFC4-6F175D3DCCD1}">
+              <a14:hiddenFill xmlns:a14="http://schemas.microsoft.com/office/drawing/2010/main">
+                <a:solidFill>
+                  <a:srgbClr val="FFFFFF"/>
+                </a:solidFill>
+              </a14:hiddenFill>
+            </a:ext>
+          </a:extLst>
+        </p:spPr>
+      </p:pic>
+      <p:pic>
+        <p:nvPicPr>
+          <p:cNvPr id="5" name="Picture 4">
+            <a:extLst>
+              <a:ext uri="{FF2B5EF4-FFF2-40B4-BE49-F238E27FC236}">
+                <a16:creationId xmlns:a16="http://schemas.microsoft.com/office/drawing/2014/main" id="{630039F0-906F-4920-8D8B-2DE3601B2F79}"/>
+              </a:ext>
+            </a:extLst>
+          </p:cNvPr>
+          <p:cNvPicPr>
+            <a:picLocks noChangeAspect="1"/>
+          </p:cNvPicPr>
+          <p:nvPr/>
+        </p:nvPicPr>
+        <p:blipFill>
+          <a:blip r:embed="rId5"/>
+          <a:stretch>
+            <a:fillRect/>
+          </a:stretch>
+        </p:blipFill>
+        <p:spPr>
+          <a:xfrm>
+            <a:off x="868455" y="571500"/>
+            <a:ext cx="2857500" cy="2857500"/>
+          </a:xfrm>
+          <a:prstGeom prst="rect">
+            <a:avLst/>
+          </a:prstGeom>
+        </p:spPr>
+      </p:pic>
+    </p:spTree>
+    <p:extLst>
+      <p:ext uri="{BB962C8B-B14F-4D97-AF65-F5344CB8AC3E}">
+        <p14:creationId xmlns:p14="http://schemas.microsoft.com/office/powerpoint/2010/main" val="1626886477"/>
       </p:ext>
     </p:extLst>
   </p:cSld>
@@ -5084,6 +5325,23 @@
               <a:rPr lang="en-US" dirty="0"/>
               <a:t>Enough reflection works that you can be caught off guard when it doesn’t</a:t>
             </a:r>
+          </a:p>
+          <a:p>
+            <a:pPr>
+              <a:buFont typeface="Wingdings" panose="05000000000000000000" pitchFamily="2" charset="2"/>
+              <a:buChar char="§"/>
+            </a:pPr>
+            <a:r>
+              <a:rPr lang="en-US" dirty="0"/>
+              <a:t> Integration with module bundlers can be a pain because Bridge wasn’t intended to be used this way: </a:t>
+            </a:r>
+            <a:r>
+              <a:rPr lang="en-US" dirty="0">
+                <a:hlinkClick r:id="rId2"/>
+              </a:rPr>
+              <a:t>https://github.com/Azure/monaco-kusto/issues/22</a:t>
+            </a:r>
+            <a:endParaRPr lang="en-US" dirty="0"/>
           </a:p>
         </p:txBody>
       </p:sp>

--- a/bridge.net/bridge-net.pptx
+++ b/bridge.net/bridge-net.pptx
@@ -8,17 +8,19 @@
     <p:sldId id="256" r:id="rId2"/>
     <p:sldId id="264" r:id="rId3"/>
     <p:sldId id="258" r:id="rId4"/>
-    <p:sldId id="263" r:id="rId5"/>
-    <p:sldId id="266" r:id="rId6"/>
-    <p:sldId id="262" r:id="rId7"/>
-    <p:sldId id="261" r:id="rId8"/>
-    <p:sldId id="265" r:id="rId9"/>
-    <p:sldId id="269" r:id="rId10"/>
-    <p:sldId id="267" r:id="rId11"/>
-    <p:sldId id="270" r:id="rId12"/>
-    <p:sldId id="268" r:id="rId13"/>
-    <p:sldId id="271" r:id="rId14"/>
-    <p:sldId id="272" r:id="rId15"/>
+    <p:sldId id="273" r:id="rId5"/>
+    <p:sldId id="261" r:id="rId6"/>
+    <p:sldId id="274" r:id="rId7"/>
+    <p:sldId id="262" r:id="rId8"/>
+    <p:sldId id="263" r:id="rId9"/>
+    <p:sldId id="266" r:id="rId10"/>
+    <p:sldId id="265" r:id="rId11"/>
+    <p:sldId id="269" r:id="rId12"/>
+    <p:sldId id="267" r:id="rId13"/>
+    <p:sldId id="270" r:id="rId14"/>
+    <p:sldId id="268" r:id="rId15"/>
+    <p:sldId id="271" r:id="rId16"/>
+    <p:sldId id="272" r:id="rId17"/>
   </p:sldIdLst>
   <p:sldSz cx="12192000" cy="6858000"/>
   <p:notesSz cx="6858000" cy="9144000"/>
@@ -351,7 +353,7 @@
           <a:p>
             <a:fld id="{96DFF08F-DC6B-4601-B491-B0F83F6DD2DA}" type="datetimeFigureOut">
               <a:rPr lang="en-US" dirty="0"/>
-              <a:t>5/2/2019</a:t>
+              <a:t>5/6/2019</a:t>
             </a:fld>
             <a:endParaRPr lang="en-US" dirty="0"/>
           </a:p>
@@ -554,7 +556,7 @@
           <a:p>
             <a:fld id="{96DFF08F-DC6B-4601-B491-B0F83F6DD2DA}" type="datetimeFigureOut">
               <a:rPr lang="en-US" dirty="0"/>
-              <a:t>5/2/2019</a:t>
+              <a:t>5/6/2019</a:t>
             </a:fld>
             <a:endParaRPr lang="en-US" dirty="0"/>
           </a:p>
@@ -805,7 +807,7 @@
           <a:p>
             <a:fld id="{96DFF08F-DC6B-4601-B491-B0F83F6DD2DA}" type="datetimeFigureOut">
               <a:rPr lang="en-US" dirty="0"/>
-              <a:t>5/2/2019</a:t>
+              <a:t>5/6/2019</a:t>
             </a:fld>
             <a:endParaRPr lang="en-US" dirty="0"/>
           </a:p>
@@ -970,7 +972,7 @@
           <a:p>
             <a:fld id="{D62CEF3B-A037-46D0-B02C-1428F07E9383}" type="datetimeFigureOut">
               <a:rPr lang="en-US" dirty="0"/>
-              <a:t>5/2/2019</a:t>
+              <a:t>5/6/2019</a:t>
             </a:fld>
             <a:endParaRPr lang="en-US" dirty="0"/>
           </a:p>
@@ -1308,7 +1310,7 @@
           <a:p>
             <a:fld id="{96DFF08F-DC6B-4601-B491-B0F83F6DD2DA}" type="datetimeFigureOut">
               <a:rPr lang="en-US" dirty="0"/>
-              <a:t>5/2/2019</a:t>
+              <a:t>5/6/2019</a:t>
             </a:fld>
             <a:endParaRPr lang="en-US" dirty="0"/>
           </a:p>
@@ -1578,7 +1580,7 @@
           <a:p>
             <a:fld id="{96DFF08F-DC6B-4601-B491-B0F83F6DD2DA}" type="datetimeFigureOut">
               <a:rPr lang="en-US" dirty="0"/>
-              <a:t>5/2/2019</a:t>
+              <a:t>5/6/2019</a:t>
             </a:fld>
             <a:endParaRPr lang="en-US" dirty="0"/>
           </a:p>
@@ -1952,7 +1954,7 @@
           <a:p>
             <a:fld id="{96DFF08F-DC6B-4601-B491-B0F83F6DD2DA}" type="datetimeFigureOut">
               <a:rPr lang="en-US" dirty="0"/>
-              <a:t>5/2/2019</a:t>
+              <a:t>5/6/2019</a:t>
             </a:fld>
             <a:endParaRPr lang="en-US" dirty="0"/>
           </a:p>
@@ -2065,7 +2067,7 @@
           <a:p>
             <a:fld id="{96DFF08F-DC6B-4601-B491-B0F83F6DD2DA}" type="datetimeFigureOut">
               <a:rPr lang="en-US" dirty="0"/>
-              <a:t>5/2/2019</a:t>
+              <a:t>5/6/2019</a:t>
             </a:fld>
             <a:endParaRPr lang="en-US" dirty="0"/>
           </a:p>
@@ -2232,7 +2234,7 @@
             <a:fld id="{96DFF08F-DC6B-4601-B491-B0F83F6DD2DA}" type="datetimeFigureOut">
               <a:rPr lang="en-US" dirty="0"/>
               <a:pPr/>
-              <a:t>5/2/2019</a:t>
+              <a:t>5/6/2019</a:t>
             </a:fld>
             <a:endParaRPr lang="en-US" dirty="0"/>
           </a:p>
@@ -2583,7 +2585,7 @@
             <a:fld id="{96DFF08F-DC6B-4601-B491-B0F83F6DD2DA}" type="datetimeFigureOut">
               <a:rPr lang="en-US" dirty="0"/>
               <a:pPr/>
-              <a:t>5/2/2019</a:t>
+              <a:t>5/6/2019</a:t>
             </a:fld>
             <a:endParaRPr lang="en-US" dirty="0"/>
           </a:p>
@@ -2956,7 +2958,7 @@
           <a:p>
             <a:fld id="{96DFF08F-DC6B-4601-B491-B0F83F6DD2DA}" type="datetimeFigureOut">
               <a:rPr lang="en-US" dirty="0"/>
-              <a:t>5/2/2019</a:t>
+              <a:t>5/6/2019</a:t>
             </a:fld>
             <a:endParaRPr lang="en-US" dirty="0"/>
           </a:p>
@@ -3239,7 +3241,7 @@
             <a:fld id="{96DFF08F-DC6B-4601-B491-B0F83F6DD2DA}" type="datetimeFigureOut">
               <a:rPr lang="en-US" dirty="0"/>
               <a:pPr/>
-              <a:t>5/2/2019</a:t>
+              <a:t>5/6/2019</a:t>
             </a:fld>
             <a:endParaRPr lang="en-US" dirty="0"/>
           </a:p>
@@ -3978,7 +3980,15 @@
           <a:p>
             <a:r>
               <a:rPr lang="en-US" dirty="0"/>
-              <a:t>Use Case: Client Side Scripting (MVC)</a:t>
+              <a:t>Use Case: </a:t>
+            </a:r>
+            <a:r>
+              <a:rPr lang="en-US" dirty="0" err="1"/>
+              <a:t>Transpiling</a:t>
+            </a:r>
+            <a:r>
+              <a:rPr lang="en-US" dirty="0"/>
+              <a:t> Business Logic</a:t>
             </a:r>
           </a:p>
         </p:txBody>
@@ -4010,15 +4020,7 @@
             </a:pPr>
             <a:r>
               <a:rPr lang="en-US" dirty="0"/>
-              <a:t> PRO: Use everything you love about .NET (</a:t>
-            </a:r>
-            <a:r>
-              <a:rPr lang="en-US" dirty="0" err="1"/>
-              <a:t>Linq</a:t>
-            </a:r>
-            <a:r>
-              <a:rPr lang="en-US" dirty="0"/>
-              <a:t>, decimals, sane OOP)</a:t>
+              <a:t> PRO: Business logic is equivalent without any extra work</a:t>
             </a:r>
           </a:p>
           <a:p>
@@ -4028,7 +4030,23 @@
             </a:pPr>
             <a:r>
               <a:rPr lang="en-US" dirty="0"/>
-              <a:t> CON: Leaky abstraction – still need to know browser idioms, frameworks</a:t>
+              <a:t> CON: Interop between </a:t>
+            </a:r>
+            <a:r>
+              <a:rPr lang="en-US" dirty="0" err="1"/>
+              <a:t>Javascript</a:t>
+            </a:r>
+            <a:r>
+              <a:rPr lang="en-US" dirty="0"/>
+              <a:t> and </a:t>
+            </a:r>
+            <a:r>
+              <a:rPr lang="en-US" dirty="0" err="1"/>
+              <a:t>transpiled</a:t>
+            </a:r>
+            <a:r>
+              <a:rPr lang="en-US" dirty="0"/>
+              <a:t> code can be nasty, especially with generics</a:t>
             </a:r>
           </a:p>
         </p:txBody>
@@ -4036,7 +4054,7 @@
     </p:spTree>
     <p:extLst>
       <p:ext uri="{BB962C8B-B14F-4D97-AF65-F5344CB8AC3E}">
-        <p14:creationId xmlns:p14="http://schemas.microsoft.com/office/powerpoint/2010/main" val="3260129901"/>
+        <p14:creationId xmlns:p14="http://schemas.microsoft.com/office/powerpoint/2010/main" val="3936768775"/>
       </p:ext>
     </p:extLst>
   </p:cSld>
@@ -4114,7 +4132,15 @@
           <a:p>
             <a:r>
               <a:rPr lang="en-US" dirty="0"/>
-              <a:t>MVC APP WITH CLIENT SIDE BRIDGE SCRIPTING</a:t>
+              <a:t>Angular spa with </a:t>
+            </a:r>
+            <a:r>
+              <a:rPr lang="en-US" dirty="0" err="1"/>
+              <a:t>transpiled</a:t>
+            </a:r>
+            <a:r>
+              <a:rPr lang="en-US" dirty="0"/>
+              <a:t> business logic</a:t>
             </a:r>
           </a:p>
         </p:txBody>
@@ -4122,7 +4148,7 @@
     </p:spTree>
     <p:extLst>
       <p:ext uri="{BB962C8B-B14F-4D97-AF65-F5344CB8AC3E}">
-        <p14:creationId xmlns:p14="http://schemas.microsoft.com/office/powerpoint/2010/main" val="2451102722"/>
+        <p14:creationId xmlns:p14="http://schemas.microsoft.com/office/powerpoint/2010/main" val="3122916019"/>
       </p:ext>
     </p:extLst>
   </p:cSld>
@@ -4172,7 +4198,7 @@
           <a:p>
             <a:r>
               <a:rPr lang="en-US" dirty="0"/>
-              <a:t>Use Case: Client Side Scripting (SPA)</a:t>
+              <a:t>Use Case: Client Side Scripting (MVC)</a:t>
             </a:r>
           </a:p>
         </p:txBody>
@@ -4204,7 +4230,15 @@
             </a:pPr>
             <a:r>
               <a:rPr lang="en-US" dirty="0"/>
-              <a:t> PRO: Same as MVC – it’s .NET!</a:t>
+              <a:t> PRO: Use everything you love about .NET (</a:t>
+            </a:r>
+            <a:r>
+              <a:rPr lang="en-US" dirty="0" err="1"/>
+              <a:t>Linq</a:t>
+            </a:r>
+            <a:r>
+              <a:rPr lang="en-US" dirty="0"/>
+              <a:t>, decimals, sane OOP)</a:t>
             </a:r>
           </a:p>
           <a:p>
@@ -4214,7 +4248,7 @@
             </a:pPr>
             <a:r>
               <a:rPr lang="en-US" dirty="0"/>
-              <a:t> CON: Depending on the framework you’re using, you may be missing out on additional functionality provided by framework build processes (JSX in react)</a:t>
+              <a:t> CON: Leaky abstraction – still need to know browser idioms, frameworks</a:t>
             </a:r>
           </a:p>
         </p:txBody>
@@ -4222,7 +4256,7 @@
     </p:spTree>
     <p:extLst>
       <p:ext uri="{BB962C8B-B14F-4D97-AF65-F5344CB8AC3E}">
-        <p14:creationId xmlns:p14="http://schemas.microsoft.com/office/powerpoint/2010/main" val="1799532902"/>
+        <p14:creationId xmlns:p14="http://schemas.microsoft.com/office/powerpoint/2010/main" val="3260129901"/>
       </p:ext>
     </p:extLst>
   </p:cSld>
@@ -4295,6 +4329,192 @@
         </p:nvSpPr>
         <p:spPr/>
         <p:txBody>
+          <a:bodyPr/>
+          <a:lstStyle/>
+          <a:p>
+            <a:r>
+              <a:rPr lang="en-US" dirty="0"/>
+              <a:t>MVC APP WITH CLIENT SIDE BRIDGE SCRIPTING</a:t>
+            </a:r>
+          </a:p>
+        </p:txBody>
+      </p:sp>
+    </p:spTree>
+    <p:extLst>
+      <p:ext uri="{BB962C8B-B14F-4D97-AF65-F5344CB8AC3E}">
+        <p14:creationId xmlns:p14="http://schemas.microsoft.com/office/powerpoint/2010/main" val="2451102722"/>
+      </p:ext>
+    </p:extLst>
+  </p:cSld>
+  <p:clrMapOvr>
+    <a:masterClrMapping/>
+  </p:clrMapOvr>
+</p:sld>
+</file>
+
+<file path=ppt/slides/slide14.xml><?xml version="1.0" encoding="utf-8"?>
+<p:sld xmlns:a="http://schemas.openxmlformats.org/drawingml/2006/main" xmlns:r="http://schemas.openxmlformats.org/officeDocument/2006/relationships" xmlns:p="http://schemas.openxmlformats.org/presentationml/2006/main">
+  <p:cSld>
+    <p:spTree>
+      <p:nvGrpSpPr>
+        <p:cNvPr id="1" name=""/>
+        <p:cNvGrpSpPr/>
+        <p:nvPr/>
+      </p:nvGrpSpPr>
+      <p:grpSpPr>
+        <a:xfrm>
+          <a:off x="0" y="0"/>
+          <a:ext cx="0" cy="0"/>
+          <a:chOff x="0" y="0"/>
+          <a:chExt cx="0" cy="0"/>
+        </a:xfrm>
+      </p:grpSpPr>
+      <p:sp>
+        <p:nvSpPr>
+          <p:cNvPr id="2" name="Title 1">
+            <a:extLst>
+              <a:ext uri="{FF2B5EF4-FFF2-40B4-BE49-F238E27FC236}">
+                <a16:creationId xmlns:a16="http://schemas.microsoft.com/office/drawing/2014/main" id="{3828297B-80B3-4E2C-AFCF-A02F37BCFD87}"/>
+              </a:ext>
+            </a:extLst>
+          </p:cNvPr>
+          <p:cNvSpPr>
+            <a:spLocks noGrp="1"/>
+          </p:cNvSpPr>
+          <p:nvPr>
+            <p:ph type="title"/>
+          </p:nvPr>
+        </p:nvSpPr>
+        <p:spPr/>
+        <p:txBody>
+          <a:bodyPr/>
+          <a:lstStyle/>
+          <a:p>
+            <a:r>
+              <a:rPr lang="en-US" dirty="0"/>
+              <a:t>Use Case: Client Side Scripting (SPA)</a:t>
+            </a:r>
+          </a:p>
+        </p:txBody>
+      </p:sp>
+      <p:sp>
+        <p:nvSpPr>
+          <p:cNvPr id="3" name="Content Placeholder 2">
+            <a:extLst>
+              <a:ext uri="{FF2B5EF4-FFF2-40B4-BE49-F238E27FC236}">
+                <a16:creationId xmlns:a16="http://schemas.microsoft.com/office/drawing/2014/main" id="{DE03C8C4-2337-4316-B021-1D5AFB73488A}"/>
+              </a:ext>
+            </a:extLst>
+          </p:cNvPr>
+          <p:cNvSpPr>
+            <a:spLocks noGrp="1"/>
+          </p:cNvSpPr>
+          <p:nvPr>
+            <p:ph idx="1"/>
+          </p:nvPr>
+        </p:nvSpPr>
+        <p:spPr/>
+        <p:txBody>
+          <a:bodyPr/>
+          <a:lstStyle/>
+          <a:p>
+            <a:pPr>
+              <a:buFont typeface="Arial" panose="020B0604020202020204" pitchFamily="34" charset="0"/>
+              <a:buChar char="•"/>
+            </a:pPr>
+            <a:r>
+              <a:rPr lang="en-US" dirty="0"/>
+              <a:t> PRO: Same as MVC – it’s .NET!</a:t>
+            </a:r>
+          </a:p>
+          <a:p>
+            <a:pPr>
+              <a:buFont typeface="Arial" panose="020B0604020202020204" pitchFamily="34" charset="0"/>
+              <a:buChar char="•"/>
+            </a:pPr>
+            <a:r>
+              <a:rPr lang="en-US" dirty="0"/>
+              <a:t> CON: Depending on the framework you’re using, you may be missing out on additional functionality provided by framework build processes (JSX in react)</a:t>
+            </a:r>
+          </a:p>
+        </p:txBody>
+      </p:sp>
+    </p:spTree>
+    <p:extLst>
+      <p:ext uri="{BB962C8B-B14F-4D97-AF65-F5344CB8AC3E}">
+        <p14:creationId xmlns:p14="http://schemas.microsoft.com/office/powerpoint/2010/main" val="1799532902"/>
+      </p:ext>
+    </p:extLst>
+  </p:cSld>
+  <p:clrMapOvr>
+    <a:masterClrMapping/>
+  </p:clrMapOvr>
+</p:sld>
+</file>
+
+<file path=ppt/slides/slide15.xml><?xml version="1.0" encoding="utf-8"?>
+<p:sld xmlns:a="http://schemas.openxmlformats.org/drawingml/2006/main" xmlns:r="http://schemas.openxmlformats.org/officeDocument/2006/relationships" xmlns:p="http://schemas.openxmlformats.org/presentationml/2006/main">
+  <p:cSld>
+    <p:spTree>
+      <p:nvGrpSpPr>
+        <p:cNvPr id="1" name=""/>
+        <p:cNvGrpSpPr/>
+        <p:nvPr/>
+      </p:nvGrpSpPr>
+      <p:grpSpPr>
+        <a:xfrm>
+          <a:off x="0" y="0"/>
+          <a:ext cx="0" cy="0"/>
+          <a:chOff x="0" y="0"/>
+          <a:chExt cx="0" cy="0"/>
+        </a:xfrm>
+      </p:grpSpPr>
+      <p:sp>
+        <p:nvSpPr>
+          <p:cNvPr id="2" name="Title 1">
+            <a:extLst>
+              <a:ext uri="{FF2B5EF4-FFF2-40B4-BE49-F238E27FC236}">
+                <a16:creationId xmlns:a16="http://schemas.microsoft.com/office/drawing/2014/main" id="{4AD4C152-7495-4980-B3A3-5DB6A3FB6705}"/>
+              </a:ext>
+            </a:extLst>
+          </p:cNvPr>
+          <p:cNvSpPr>
+            <a:spLocks noGrp="1"/>
+          </p:cNvSpPr>
+          <p:nvPr>
+            <p:ph type="ctrTitle"/>
+          </p:nvPr>
+        </p:nvSpPr>
+        <p:spPr/>
+        <p:txBody>
+          <a:bodyPr/>
+          <a:lstStyle/>
+          <a:p>
+            <a:r>
+              <a:rPr lang="en-US" dirty="0"/>
+              <a:t>DEMO</a:t>
+            </a:r>
+          </a:p>
+        </p:txBody>
+      </p:sp>
+      <p:sp>
+        <p:nvSpPr>
+          <p:cNvPr id="5" name="Subtitle 4">
+            <a:extLst>
+              <a:ext uri="{FF2B5EF4-FFF2-40B4-BE49-F238E27FC236}">
+                <a16:creationId xmlns:a16="http://schemas.microsoft.com/office/drawing/2014/main" id="{E8D2EE01-206B-4B8F-97F0-3DE8D92389FE}"/>
+              </a:ext>
+            </a:extLst>
+          </p:cNvPr>
+          <p:cNvSpPr>
+            <a:spLocks noGrp="1"/>
+          </p:cNvSpPr>
+          <p:nvPr>
+            <p:ph type="subTitle" idx="1"/>
+          </p:nvPr>
+        </p:nvSpPr>
+        <p:spPr/>
+        <p:txBody>
           <a:bodyPr>
             <a:normAutofit fontScale="92500"/>
           </a:bodyPr>
@@ -4329,7 +4549,7 @@
 </p:sld>
 </file>
 
-<file path=ppt/slides/slide14.xml><?xml version="1.0" encoding="utf-8"?>
+<file path=ppt/slides/slide16.xml><?xml version="1.0" encoding="utf-8"?>
 <p:sld xmlns:a="http://schemas.openxmlformats.org/drawingml/2006/main" xmlns:r="http://schemas.openxmlformats.org/officeDocument/2006/relationships" xmlns:p="http://schemas.openxmlformats.org/presentationml/2006/main">
   <p:cSld>
     <p:spTree>
@@ -4753,7 +4973,9 @@
         </p:nvSpPr>
         <p:spPr/>
         <p:txBody>
-          <a:bodyPr/>
+          <a:bodyPr>
+            <a:normAutofit/>
+          </a:bodyPr>
           <a:lstStyle/>
           <a:p>
             <a:pPr>
@@ -4780,7 +5002,30 @@
             </a:pPr>
             <a:r>
               <a:rPr lang="en-US" dirty="0"/>
-              <a:t> Can plug into both traditional MVC-style websites and SPA frameworks like Angular/React</a:t>
+              <a:t> </a:t>
+            </a:r>
+            <a:r>
+              <a:rPr lang="en-US" dirty="0" err="1"/>
+              <a:t>Transpile</a:t>
+            </a:r>
+            <a:r>
+              <a:rPr lang="en-US" dirty="0"/>
+              <a:t> Business Logic and call from existing </a:t>
+            </a:r>
+            <a:r>
+              <a:rPr lang="en-US" dirty="0" err="1"/>
+              <a:t>Javascript</a:t>
+            </a:r>
+            <a:endParaRPr lang="en-US" dirty="0"/>
+          </a:p>
+          <a:p>
+            <a:pPr lvl="1">
+              <a:buFont typeface="Arial" panose="020B0604020202020204" pitchFamily="34" charset="0"/>
+              <a:buChar char="•"/>
+            </a:pPr>
+            <a:r>
+              <a:rPr lang="en-US" dirty="0"/>
+              <a:t>Works with any project type or framework</a:t>
             </a:r>
           </a:p>
           <a:p>
@@ -4790,41 +5035,53 @@
             </a:pPr>
             <a:r>
               <a:rPr lang="en-US" dirty="0"/>
-              <a:t> Allows client side </a:t>
+              <a:t> Write all front end script in </a:t>
             </a:r>
             <a:r>
               <a:rPr lang="en-US" dirty="0" err="1"/>
               <a:t>Javascript</a:t>
             </a:r>
-            <a:r>
-              <a:rPr lang="en-US" dirty="0"/>
-              <a:t> to be written in .NET</a:t>
-            </a:r>
-          </a:p>
-          <a:p>
-            <a:pPr>
+            <a:endParaRPr lang="en-US" dirty="0"/>
+          </a:p>
+          <a:p>
+            <a:pPr lvl="1">
               <a:buFont typeface="Arial" panose="020B0604020202020204" pitchFamily="34" charset="0"/>
               <a:buChar char="•"/>
             </a:pPr>
             <a:r>
               <a:rPr lang="en-US" dirty="0"/>
-              <a:t> Allows business logic to be translated into </a:t>
-            </a:r>
-            <a:r>
-              <a:rPr lang="en-US" dirty="0" err="1"/>
-              <a:t>Javascript</a:t>
-            </a:r>
-            <a:r>
-              <a:rPr lang="en-US" dirty="0"/>
-              <a:t> instead of writing twice</a:t>
-            </a:r>
-          </a:p>
-          <a:p>
-            <a:pPr>
+              <a:t>Works much better for traditional web apps than SPAs</a:t>
+            </a:r>
+          </a:p>
+          <a:p>
+            <a:pPr lvl="1">
               <a:buFont typeface="Arial" panose="020B0604020202020204" pitchFamily="34" charset="0"/>
               <a:buChar char="•"/>
             </a:pPr>
-            <a:endParaRPr lang="en-US" dirty="0"/>
+            <a:r>
+              <a:rPr lang="en-US" dirty="0"/>
+              <a:t>Newer SPA frameworks have issues:</a:t>
+            </a:r>
+          </a:p>
+          <a:p>
+            <a:pPr lvl="2">
+              <a:buFont typeface="Arial" panose="020B0604020202020204" pitchFamily="34" charset="0"/>
+              <a:buChar char="•"/>
+            </a:pPr>
+            <a:r>
+              <a:rPr lang="en-US" dirty="0"/>
+              <a:t>React works, but JSX isn’t available</a:t>
+            </a:r>
+          </a:p>
+          <a:p>
+            <a:pPr lvl="2">
+              <a:buFont typeface="Arial" panose="020B0604020202020204" pitchFamily="34" charset="0"/>
+              <a:buChar char="•"/>
+            </a:pPr>
+            <a:r>
+              <a:rPr lang="en-US" dirty="0"/>
+              <a:t>Angular just doesn’t work</a:t>
+            </a:r>
           </a:p>
         </p:txBody>
       </p:sp>
@@ -4863,7 +5120,7 @@
           <p:cNvPr id="2" name="Title 1">
             <a:extLst>
               <a:ext uri="{FF2B5EF4-FFF2-40B4-BE49-F238E27FC236}">
-                <a16:creationId xmlns:a16="http://schemas.microsoft.com/office/drawing/2014/main" id="{7091D0E5-1C16-4903-A1E6-83EECDE50ABB}"/>
+                <a16:creationId xmlns:a16="http://schemas.microsoft.com/office/drawing/2014/main" id="{5100D425-1D8B-4C6D-89ED-93B280ACCCCB}"/>
               </a:ext>
             </a:extLst>
           </p:cNvPr>
@@ -4881,7 +5138,15 @@
           <a:p>
             <a:r>
               <a:rPr lang="en-US" dirty="0"/>
-              <a:t>Still not convinced? A Case Study.</a:t>
+              <a:t>You’re writing </a:t>
+            </a:r>
+            <a:r>
+              <a:rPr lang="en-US" dirty="0" err="1"/>
+              <a:t>Javascript</a:t>
+            </a:r>
+            <a:r>
+              <a:rPr lang="en-US" dirty="0"/>
+              <a:t> in C#</a:t>
             </a:r>
           </a:p>
         </p:txBody>
@@ -4891,7 +5156,7 @@
           <p:cNvPr id="3" name="Content Placeholder 2">
             <a:extLst>
               <a:ext uri="{FF2B5EF4-FFF2-40B4-BE49-F238E27FC236}">
-                <a16:creationId xmlns:a16="http://schemas.microsoft.com/office/drawing/2014/main" id="{A0E2B1B0-9E13-49C4-885C-6ABE1A6580AE}"/>
+                <a16:creationId xmlns:a16="http://schemas.microsoft.com/office/drawing/2014/main" id="{AA81EC90-B36E-482B-96C3-32AC4D5691D4}"/>
               </a:ext>
             </a:extLst>
           </p:cNvPr>
@@ -4908,68 +5173,87 @@
           <a:lstStyle/>
           <a:p>
             <a:pPr>
-              <a:buFont typeface="Wingdings" panose="05000000000000000000" pitchFamily="2" charset="2"/>
-              <a:buChar char="§"/>
+              <a:buFont typeface="Arial" panose="020B0604020202020204" pitchFamily="34" charset="0"/>
+              <a:buChar char="•"/>
             </a:pPr>
             <a:r>
               <a:rPr lang="en-US" dirty="0"/>
-              <a:t> </a:t>
+              <a:t> Leaky abstraction for writing client side logic – you’ll do best if you already understand client side programming in </a:t>
             </a:r>
             <a:r>
               <a:rPr lang="en-US" dirty="0" err="1"/>
-              <a:t>Greatland</a:t>
-            </a:r>
-            <a:r>
-              <a:rPr lang="en-US" dirty="0"/>
-              <a:t> Corp: Business tax filing service (1099/w-2)</a:t>
-            </a:r>
+              <a:t>Javascript</a:t>
+            </a:r>
+            <a:endParaRPr lang="en-US" dirty="0"/>
           </a:p>
           <a:p>
             <a:pPr>
-              <a:buFont typeface="Wingdings" panose="05000000000000000000" pitchFamily="2" charset="2"/>
-              <a:buChar char="§"/>
+              <a:buFont typeface="Arial" panose="020B0604020202020204" pitchFamily="34" charset="0"/>
+              <a:buChar char="•"/>
             </a:pPr>
             <a:r>
               <a:rPr lang="en-US" dirty="0"/>
-              <a:t> Traditionally a </a:t>
+              <a:t> Most business logic can be </a:t>
             </a:r>
             <a:r>
               <a:rPr lang="en-US" dirty="0" err="1"/>
-              <a:t>.Net</a:t>
-            </a:r>
-            <a:r>
-              <a:rPr lang="en-US" dirty="0"/>
-              <a:t> shop</a:t>
+              <a:t>transpiled</a:t>
+            </a:r>
+            <a:r>
+              <a:rPr lang="en-US" dirty="0"/>
+              <a:t> as is</a:t>
             </a:r>
           </a:p>
           <a:p>
             <a:pPr>
-              <a:buFont typeface="Wingdings" panose="05000000000000000000" pitchFamily="2" charset="2"/>
-              <a:buChar char="§"/>
+              <a:buFont typeface="Arial" panose="020B0604020202020204" pitchFamily="34" charset="0"/>
+              <a:buChar char="•"/>
             </a:pPr>
             <a:r>
               <a:rPr lang="en-US" dirty="0"/>
-              <a:t> Complicated business logic for form rules</a:t>
-            </a:r>
-          </a:p>
-          <a:p>
-            <a:pPr lvl="1">
-              <a:buFont typeface="Wingdings" panose="05000000000000000000" pitchFamily="2" charset="2"/>
-              <a:buChar char="§"/>
+              <a:t> Don’t have access to .NET libraries in </a:t>
+            </a:r>
+            <a:r>
+              <a:rPr lang="en-US" dirty="0" err="1"/>
+              <a:t>Nuget</a:t>
+            </a:r>
+            <a:r>
+              <a:rPr lang="en-US" dirty="0"/>
+              <a:t>, but you could theoretically </a:t>
+            </a:r>
+            <a:r>
+              <a:rPr lang="en-US" dirty="0" err="1"/>
+              <a:t>transpile</a:t>
+            </a:r>
+            <a:r>
+              <a:rPr lang="en-US" dirty="0"/>
+              <a:t> them</a:t>
+            </a:r>
+          </a:p>
+          <a:p>
+            <a:pPr>
+              <a:buFont typeface="Arial" panose="020B0604020202020204" pitchFamily="34" charset="0"/>
+              <a:buChar char="•"/>
             </a:pPr>
             <a:r>
               <a:rPr lang="en-US" dirty="0"/>
-              <a:t> Immediate validation on client side preferred</a:t>
-            </a:r>
-          </a:p>
-          <a:p>
-            <a:pPr lvl="1">
-              <a:buFont typeface="Wingdings" panose="05000000000000000000" pitchFamily="2" charset="2"/>
-              <a:buChar char="§"/>
-            </a:pPr>
-            <a:r>
-              <a:rPr lang="en-US" dirty="0"/>
-              <a:t> Had issues in the past duplicating client and server side validations</a:t>
+              <a:t> You DO have access to </a:t>
+            </a:r>
+            <a:r>
+              <a:rPr lang="en-US" dirty="0" err="1"/>
+              <a:t>Javascript</a:t>
+            </a:r>
+            <a:r>
+              <a:rPr lang="en-US" dirty="0"/>
+              <a:t> libraries in </a:t>
+            </a:r>
+            <a:r>
+              <a:rPr lang="en-US" dirty="0" err="1"/>
+              <a:t>Nuget</a:t>
+            </a:r>
+            <a:r>
+              <a:rPr lang="en-US" dirty="0"/>
+              <a:t>…</a:t>
             </a:r>
           </a:p>
         </p:txBody>
@@ -4977,7 +5261,7 @@
     </p:spTree>
     <p:extLst>
       <p:ext uri="{BB962C8B-B14F-4D97-AF65-F5344CB8AC3E}">
-        <p14:creationId xmlns:p14="http://schemas.microsoft.com/office/powerpoint/2010/main" val="1214927596"/>
+        <p14:creationId xmlns:p14="http://schemas.microsoft.com/office/powerpoint/2010/main" val="406113050"/>
       </p:ext>
     </p:extLst>
   </p:cSld>
@@ -5009,7 +5293,7 @@
           <p:cNvPr id="2" name="Title 1">
             <a:extLst>
               <a:ext uri="{FF2B5EF4-FFF2-40B4-BE49-F238E27FC236}">
-                <a16:creationId xmlns:a16="http://schemas.microsoft.com/office/drawing/2014/main" id="{DB72861F-F5E4-489F-9239-8A262FA40823}"/>
+                <a16:creationId xmlns:a16="http://schemas.microsoft.com/office/drawing/2014/main" id="{A3EA70D0-2F6B-413D-8649-F64DA571B742}"/>
               </a:ext>
             </a:extLst>
           </p:cNvPr>
@@ -5027,7 +5311,7 @@
           <a:p>
             <a:r>
               <a:rPr lang="en-US" dirty="0"/>
-              <a:t>Solution: Bridge.NET</a:t>
+              <a:t>Interfacing with JS Ecosystem: Retyped</a:t>
             </a:r>
           </a:p>
         </p:txBody>
@@ -5037,7 +5321,7 @@
           <p:cNvPr id="3" name="Content Placeholder 2">
             <a:extLst>
               <a:ext uri="{FF2B5EF4-FFF2-40B4-BE49-F238E27FC236}">
-                <a16:creationId xmlns:a16="http://schemas.microsoft.com/office/drawing/2014/main" id="{50578B8C-9F1D-430C-BA22-3A4B44FDDFD9}"/>
+                <a16:creationId xmlns:a16="http://schemas.microsoft.com/office/drawing/2014/main" id="{8E432A0F-0A07-4E2C-905E-933D3B164BFB}"/>
               </a:ext>
             </a:extLst>
           </p:cNvPr>
@@ -5054,136 +5338,51 @@
           <a:lstStyle/>
           <a:p>
             <a:pPr>
-              <a:buFont typeface="Arial" panose="020B0604020202020204" pitchFamily="34" charset="0"/>
-              <a:buChar char="•"/>
+              <a:buFont typeface="Wingdings" panose="05000000000000000000" pitchFamily="2" charset="2"/>
+              <a:buChar char="§"/>
             </a:pPr>
-            <a:endParaRPr lang="en-US" dirty="0"/>
-          </a:p>
-        </p:txBody>
-      </p:sp>
-      <p:sp>
-        <p:nvSpPr>
-          <p:cNvPr id="10" name="Text Placeholder 9">
-            <a:extLst>
-              <a:ext uri="{FF2B5EF4-FFF2-40B4-BE49-F238E27FC236}">
-                <a16:creationId xmlns:a16="http://schemas.microsoft.com/office/drawing/2014/main" id="{110E64C6-EB11-4D24-8EA1-9A2F927F9E5F}"/>
-              </a:ext>
-            </a:extLst>
-          </p:cNvPr>
-          <p:cNvSpPr>
-            <a:spLocks noGrp="1"/>
-          </p:cNvSpPr>
-          <p:nvPr>
-            <p:ph type="body" sz="half" idx="2"/>
-          </p:nvPr>
-        </p:nvSpPr>
-        <p:spPr/>
-        <p:txBody>
-          <a:bodyPr>
-            <a:normAutofit/>
-          </a:bodyPr>
-          <a:lstStyle/>
+            <a:r>
+              <a:rPr lang="en-US" dirty="0"/>
+              <a:t> Sister project to </a:t>
+            </a:r>
+            <a:r>
+              <a:rPr lang="en-US" dirty="0" err="1"/>
+              <a:t>Bridge.Net</a:t>
+            </a:r>
+            <a:endParaRPr lang="en-US" dirty="0"/>
+          </a:p>
           <a:p>
             <a:pPr>
-              <a:buFont typeface="Arial" panose="020B0604020202020204" pitchFamily="34" charset="0"/>
-              <a:buChar char="•"/>
+              <a:buFont typeface="Wingdings" panose="05000000000000000000" pitchFamily="2" charset="2"/>
+              <a:buChar char="§"/>
             </a:pPr>
             <a:r>
               <a:rPr lang="en-US" dirty="0"/>
-              <a:t> Common “Validation Engine” written in C#</a:t>
-            </a:r>
-          </a:p>
-          <a:p>
-            <a:pPr>
-              <a:buFont typeface="Arial" panose="020B0604020202020204" pitchFamily="34" charset="0"/>
-              <a:buChar char="•"/>
-            </a:pPr>
-            <a:r>
-              <a:rPr lang="en-US" dirty="0"/>
-              <a:t> </a:t>
+              <a:t> Uses Typescript type definition files (</a:t>
             </a:r>
             <a:r>
               <a:rPr lang="en-US" dirty="0" err="1"/>
-              <a:t>Transpiled</a:t>
-            </a:r>
-            <a:r>
-              <a:rPr lang="en-US" dirty="0"/>
-              <a:t> to </a:t>
+              <a:t>d.ts</a:t>
+            </a:r>
+            <a:r>
+              <a:rPr lang="en-US" dirty="0"/>
+              <a:t>) to create </a:t>
             </a:r>
             <a:r>
               <a:rPr lang="en-US" dirty="0" err="1"/>
-              <a:t>Javascript</a:t>
-            </a:r>
-            <a:r>
-              <a:rPr lang="en-US" dirty="0"/>
-              <a:t> using Bridge</a:t>
-            </a:r>
-          </a:p>
-          <a:p>
-            <a:pPr>
-              <a:buFont typeface="Arial" panose="020B0604020202020204" pitchFamily="34" charset="0"/>
-              <a:buChar char="•"/>
-            </a:pPr>
-            <a:r>
-              <a:rPr lang="en-US" dirty="0"/>
-              <a:t> Runs inside Angular SPA allowing real-time form calculations/validations</a:t>
-            </a:r>
-          </a:p>
-          <a:p>
-            <a:pPr>
-              <a:buFont typeface="Arial" panose="020B0604020202020204" pitchFamily="34" charset="0"/>
-              <a:buChar char="•"/>
-            </a:pPr>
-            <a:r>
-              <a:rPr lang="en-US" dirty="0"/>
-              <a:t> Forms are edited in editor by non-developers with real time preview</a:t>
-            </a:r>
-          </a:p>
-          <a:p>
-            <a:pPr>
-              <a:buFont typeface="Arial" panose="020B0604020202020204" pitchFamily="34" charset="0"/>
-              <a:buChar char="•"/>
-            </a:pPr>
-            <a:r>
-              <a:rPr lang="en-US" dirty="0"/>
-              <a:t> Forms are published as JSON metadata</a:t>
-            </a:r>
-          </a:p>
-        </p:txBody>
-      </p:sp>
-      <p:pic>
-        <p:nvPicPr>
-          <p:cNvPr id="9" name="Content Placeholder 4">
-            <a:extLst>
-              <a:ext uri="{FF2B5EF4-FFF2-40B4-BE49-F238E27FC236}">
-                <a16:creationId xmlns:a16="http://schemas.microsoft.com/office/drawing/2014/main" id="{C70A96D0-6C55-4F79-81F7-C058266A950C}"/>
-              </a:ext>
-            </a:extLst>
-          </p:cNvPr>
-          <p:cNvPicPr>
-            <a:picLocks noGrp="1" noChangeAspect="1"/>
-          </p:cNvPicPr>
-          <p:nvPr>
-            <p:ph sz="half" idx="4294967295"/>
-          </p:nvPr>
-        </p:nvPicPr>
-        <p:blipFill>
-          <a:blip r:embed="rId2"/>
-          <a:stretch>
-            <a:fillRect/>
-          </a:stretch>
-        </p:blipFill>
-        <p:spPr>
-          <a:xfrm>
-            <a:off x="4179531" y="1501400"/>
-            <a:ext cx="8012469" cy="4153087"/>
-          </a:xfrm>
-        </p:spPr>
-      </p:pic>
+              <a:t>Nuget</a:t>
+            </a:r>
+            <a:r>
+              <a:rPr lang="en-US" dirty="0"/>
+              <a:t> packages for interop</a:t>
+            </a:r>
+          </a:p>
+        </p:txBody>
+      </p:sp>
     </p:spTree>
     <p:extLst>
       <p:ext uri="{BB962C8B-B14F-4D97-AF65-F5344CB8AC3E}">
-        <p14:creationId xmlns:p14="http://schemas.microsoft.com/office/powerpoint/2010/main" val="3435262763"/>
+        <p14:creationId xmlns:p14="http://schemas.microsoft.com/office/powerpoint/2010/main" val="2507503047"/>
       </p:ext>
     </p:extLst>
   </p:cSld>
@@ -5215,7 +5414,7 @@
           <p:cNvPr id="2" name="Title 1">
             <a:extLst>
               <a:ext uri="{FF2B5EF4-FFF2-40B4-BE49-F238E27FC236}">
-                <a16:creationId xmlns:a16="http://schemas.microsoft.com/office/drawing/2014/main" id="{6F337665-2FC6-429E-9D06-41B06CB24D1E}"/>
+                <a16:creationId xmlns:a16="http://schemas.microsoft.com/office/drawing/2014/main" id="{A27173B2-A23D-4016-86EF-37740D372BF0}"/>
               </a:ext>
             </a:extLst>
           </p:cNvPr>
@@ -5233,17 +5432,17 @@
           <a:p>
             <a:r>
               <a:rPr lang="en-US" dirty="0"/>
-              <a:t>Gotchas</a:t>
-            </a:r>
-          </a:p>
-        </p:txBody>
-      </p:sp>
-      <p:sp>
-        <p:nvSpPr>
-          <p:cNvPr id="3" name="Content Placeholder 2">
+              <a:t>Gotchas: Performance</a:t>
+            </a:r>
+          </a:p>
+        </p:txBody>
+      </p:sp>
+      <p:sp>
+        <p:nvSpPr>
+          <p:cNvPr id="4" name="Text Placeholder 3">
             <a:extLst>
               <a:ext uri="{FF2B5EF4-FFF2-40B4-BE49-F238E27FC236}">
-                <a16:creationId xmlns:a16="http://schemas.microsoft.com/office/drawing/2014/main" id="{94800AB1-EF7E-4181-B04E-9F8A6B86AD2E}"/>
+                <a16:creationId xmlns:a16="http://schemas.microsoft.com/office/drawing/2014/main" id="{22BC2ACC-7491-4BB4-8583-B670B228D087}"/>
               </a:ext>
             </a:extLst>
           </p:cNvPr>
@@ -5251,7 +5450,35 @@
             <a:spLocks noGrp="1"/>
           </p:cNvSpPr>
           <p:nvPr>
-            <p:ph idx="1"/>
+            <p:ph type="body" idx="1"/>
+          </p:nvPr>
+        </p:nvSpPr>
+        <p:spPr/>
+        <p:txBody>
+          <a:bodyPr/>
+          <a:lstStyle/>
+          <a:p>
+            <a:r>
+              <a:rPr lang="en-US" dirty="0"/>
+              <a:t>Fast</a:t>
+            </a:r>
+          </a:p>
+        </p:txBody>
+      </p:sp>
+      <p:sp>
+        <p:nvSpPr>
+          <p:cNvPr id="5" name="Content Placeholder 4">
+            <a:extLst>
+              <a:ext uri="{FF2B5EF4-FFF2-40B4-BE49-F238E27FC236}">
+                <a16:creationId xmlns:a16="http://schemas.microsoft.com/office/drawing/2014/main" id="{D7153759-8016-460D-96A2-87C14F22EB9F}"/>
+              </a:ext>
+            </a:extLst>
+          </p:cNvPr>
+          <p:cNvSpPr>
+            <a:spLocks noGrp="1"/>
+          </p:cNvSpPr>
+          <p:nvPr>
+            <p:ph sz="half" idx="2"/>
           </p:nvPr>
         </p:nvSpPr>
         <p:spPr/>
@@ -5260,95 +5487,145 @@
           <a:lstStyle/>
           <a:p>
             <a:pPr>
-              <a:buFont typeface="Wingdings" panose="05000000000000000000" pitchFamily="2" charset="2"/>
-              <a:buChar char="§"/>
+              <a:buFont typeface="Arial" panose="020B0604020202020204" pitchFamily="34" charset="0"/>
+              <a:buChar char="•"/>
             </a:pPr>
             <a:r>
               <a:rPr lang="en-US" dirty="0"/>
-              <a:t> Performance </a:t>
-            </a:r>
-          </a:p>
-          <a:p>
-            <a:pPr lvl="1">
-              <a:buFont typeface="Wingdings" panose="05000000000000000000" pitchFamily="2" charset="2"/>
-              <a:buChar char="§"/>
+              <a:t> Simple logic that can be translated directly to </a:t>
+            </a:r>
+            <a:r>
+              <a:rPr lang="en-US" dirty="0" err="1"/>
+              <a:t>Javascript</a:t>
+            </a:r>
+            <a:r>
+              <a:rPr lang="en-US" dirty="0"/>
+              <a:t> (int/float/double math/simple regexes)</a:t>
+            </a:r>
+          </a:p>
+          <a:p>
+            <a:pPr>
+              <a:buFont typeface="Arial" panose="020B0604020202020204" pitchFamily="34" charset="0"/>
+              <a:buChar char="•"/>
             </a:pPr>
             <a:r>
               <a:rPr lang="en-US" dirty="0"/>
-              <a:t>Where code translates closer to 1-1 performance will be better</a:t>
-            </a:r>
-          </a:p>
-          <a:p>
-            <a:pPr lvl="1">
-              <a:buFont typeface="Wingdings" panose="05000000000000000000" pitchFamily="2" charset="2"/>
-              <a:buChar char="§"/>
+              <a:t> </a:t>
+            </a:r>
+            <a:r>
+              <a:rPr lang="en-US" dirty="0" err="1"/>
+              <a:t>Linq</a:t>
+            </a:r>
+            <a:r>
+              <a:rPr lang="en-US" dirty="0"/>
+              <a:t> is generally fairly quick as long as you’re doing </a:t>
+            </a:r>
+            <a:r>
+              <a:rPr lang="en-US"/>
+              <a:t>simple comparisons</a:t>
+            </a:r>
+            <a:endParaRPr lang="en-US" dirty="0"/>
+          </a:p>
+        </p:txBody>
+      </p:sp>
+      <p:sp>
+        <p:nvSpPr>
+          <p:cNvPr id="6" name="Text Placeholder 5">
+            <a:extLst>
+              <a:ext uri="{FF2B5EF4-FFF2-40B4-BE49-F238E27FC236}">
+                <a16:creationId xmlns:a16="http://schemas.microsoft.com/office/drawing/2014/main" id="{5BD239DA-301E-467D-B4CA-5CE1F32F536A}"/>
+              </a:ext>
+            </a:extLst>
+          </p:cNvPr>
+          <p:cNvSpPr>
+            <a:spLocks noGrp="1"/>
+          </p:cNvSpPr>
+          <p:nvPr>
+            <p:ph type="body" sz="quarter" idx="3"/>
+          </p:nvPr>
+        </p:nvSpPr>
+        <p:spPr/>
+        <p:txBody>
+          <a:bodyPr/>
+          <a:lstStyle/>
+          <a:p>
+            <a:r>
+              <a:rPr lang="en-US" dirty="0"/>
+              <a:t>Slow</a:t>
+            </a:r>
+          </a:p>
+        </p:txBody>
+      </p:sp>
+      <p:sp>
+        <p:nvSpPr>
+          <p:cNvPr id="7" name="Content Placeholder 6">
+            <a:extLst>
+              <a:ext uri="{FF2B5EF4-FFF2-40B4-BE49-F238E27FC236}">
+                <a16:creationId xmlns:a16="http://schemas.microsoft.com/office/drawing/2014/main" id="{D8344044-180D-4850-B6F4-C2B6538F62AC}"/>
+              </a:ext>
+            </a:extLst>
+          </p:cNvPr>
+          <p:cNvSpPr>
+            <a:spLocks noGrp="1"/>
+          </p:cNvSpPr>
+          <p:nvPr>
+            <p:ph sz="quarter" idx="4"/>
+          </p:nvPr>
+        </p:nvSpPr>
+        <p:spPr/>
+        <p:txBody>
+          <a:bodyPr/>
+          <a:lstStyle/>
+          <a:p>
+            <a:pPr>
+              <a:buFont typeface="Arial" panose="020B0604020202020204" pitchFamily="34" charset="0"/>
+              <a:buChar char="•"/>
             </a:pPr>
             <a:r>
               <a:rPr lang="en-US" dirty="0"/>
-              <a:t>.NET specific functionality works but can be slow (decimals, extended regex functionality)</a:t>
+              <a:t> </a:t>
+            </a:r>
+            <a:r>
+              <a:rPr lang="en-US" dirty="0" err="1"/>
+              <a:t>.Net</a:t>
+            </a:r>
+            <a:r>
+              <a:rPr lang="en-US" dirty="0"/>
+              <a:t> types that don’t translate to </a:t>
+            </a:r>
+            <a:r>
+              <a:rPr lang="en-US" dirty="0" err="1"/>
+              <a:t>Javascript</a:t>
+            </a:r>
+            <a:r>
+              <a:rPr lang="en-US" dirty="0"/>
+              <a:t> (decimal math)</a:t>
             </a:r>
           </a:p>
           <a:p>
             <a:pPr>
-              <a:buFont typeface="Wingdings" panose="05000000000000000000" pitchFamily="2" charset="2"/>
-              <a:buChar char="§"/>
+              <a:buFont typeface="Arial" panose="020B0604020202020204" pitchFamily="34" charset="0"/>
+              <a:buChar char="•"/>
             </a:pPr>
             <a:r>
               <a:rPr lang="en-US" dirty="0"/>
-              <a:t> Things that seem equivalent aren’t always equivalent (bridge array/</a:t>
+              <a:t> Boxing/unboxing between Bridge and </a:t>
             </a:r>
             <a:r>
               <a:rPr lang="en-US" dirty="0" err="1"/>
-              <a:t>javascript</a:t>
-            </a:r>
-            <a:r>
-              <a:rPr lang="en-US" dirty="0"/>
-              <a:t> array)</a:t>
-            </a:r>
-          </a:p>
-          <a:p>
-            <a:pPr>
-              <a:buFont typeface="Wingdings" panose="05000000000000000000" pitchFamily="2" charset="2"/>
-              <a:buChar char="§"/>
-            </a:pPr>
-            <a:r>
-              <a:rPr lang="en-US" dirty="0"/>
-              <a:t> Reflection</a:t>
-            </a:r>
-          </a:p>
-          <a:p>
-            <a:pPr lvl="1">
-              <a:buFont typeface="Wingdings" panose="05000000000000000000" pitchFamily="2" charset="2"/>
-              <a:buChar char="§"/>
-            </a:pPr>
-            <a:r>
-              <a:rPr lang="en-US" dirty="0"/>
-              <a:t>Enough reflection works that you can be caught off guard when it doesn’t</a:t>
-            </a:r>
-          </a:p>
-          <a:p>
-            <a:pPr>
-              <a:buFont typeface="Wingdings" panose="05000000000000000000" pitchFamily="2" charset="2"/>
-              <a:buChar char="§"/>
-            </a:pPr>
-            <a:r>
-              <a:rPr lang="en-US" dirty="0"/>
-              <a:t> Integration with module bundlers can be a pain because Bridge wasn’t intended to be used this way: </a:t>
-            </a:r>
-            <a:r>
-              <a:rPr lang="en-US" dirty="0">
-                <a:hlinkClick r:id="rId2"/>
-              </a:rPr>
-              <a:t>https://github.com/Azure/monaco-kusto/issues/22</a:t>
-            </a:r>
-            <a:endParaRPr lang="en-US" dirty="0"/>
+              <a:t>Javascript</a:t>
+            </a:r>
+            <a:r>
+              <a:rPr lang="en-US" dirty="0"/>
+              <a:t> Types</a:t>
+            </a:r>
           </a:p>
         </p:txBody>
       </p:sp>
     </p:spTree>
     <p:extLst>
       <p:ext uri="{BB962C8B-B14F-4D97-AF65-F5344CB8AC3E}">
-        <p14:creationId xmlns:p14="http://schemas.microsoft.com/office/powerpoint/2010/main" val="1854439499"/>
+        <p14:creationId xmlns:p14="http://schemas.microsoft.com/office/powerpoint/2010/main" val="1085837101"/>
       </p:ext>
     </p:extLst>
   </p:cSld>
@@ -5380,7 +5657,7 @@
           <p:cNvPr id="2" name="Title 1">
             <a:extLst>
               <a:ext uri="{FF2B5EF4-FFF2-40B4-BE49-F238E27FC236}">
-                <a16:creationId xmlns:a16="http://schemas.microsoft.com/office/drawing/2014/main" id="{A3EA70D0-2F6B-413D-8649-F64DA571B742}"/>
+                <a16:creationId xmlns:a16="http://schemas.microsoft.com/office/drawing/2014/main" id="{6F337665-2FC6-429E-9D06-41B06CB24D1E}"/>
               </a:ext>
             </a:extLst>
           </p:cNvPr>
@@ -5398,7 +5675,7 @@
           <a:p>
             <a:r>
               <a:rPr lang="en-US" dirty="0"/>
-              <a:t>Interfacing with JS Ecosystem: Retyped</a:t>
+              <a:t>Gotchas</a:t>
             </a:r>
           </a:p>
         </p:txBody>
@@ -5408,7 +5685,7 @@
           <p:cNvPr id="3" name="Content Placeholder 2">
             <a:extLst>
               <a:ext uri="{FF2B5EF4-FFF2-40B4-BE49-F238E27FC236}">
-                <a16:creationId xmlns:a16="http://schemas.microsoft.com/office/drawing/2014/main" id="{8E432A0F-0A07-4E2C-905E-933D3B164BFB}"/>
+                <a16:creationId xmlns:a16="http://schemas.microsoft.com/office/drawing/2014/main" id="{94800AB1-EF7E-4181-B04E-9F8A6B86AD2E}"/>
               </a:ext>
             </a:extLst>
           </p:cNvPr>
@@ -5430,13 +5707,28 @@
             </a:pPr>
             <a:r>
               <a:rPr lang="en-US" dirty="0"/>
-              <a:t> Sister project to </a:t>
-            </a:r>
-            <a:r>
-              <a:rPr lang="en-US" dirty="0" err="1"/>
-              <a:t>Bridge.Net</a:t>
-            </a:r>
-            <a:endParaRPr lang="en-US" dirty="0"/>
+              <a:t> Performance </a:t>
+            </a:r>
+          </a:p>
+          <a:p>
+            <a:pPr lvl="1">
+              <a:buFont typeface="Wingdings" panose="05000000000000000000" pitchFamily="2" charset="2"/>
+              <a:buChar char="§"/>
+            </a:pPr>
+            <a:r>
+              <a:rPr lang="en-US" dirty="0"/>
+              <a:t>Where code translates closer to 1-1 performance will be better</a:t>
+            </a:r>
+          </a:p>
+          <a:p>
+            <a:pPr lvl="1">
+              <a:buFont typeface="Wingdings" panose="05000000000000000000" pitchFamily="2" charset="2"/>
+              <a:buChar char="§"/>
+            </a:pPr>
+            <a:r>
+              <a:rPr lang="en-US" dirty="0"/>
+              <a:t>.NET specific functionality works but can be slow (decimals, extended regex functionality)</a:t>
+            </a:r>
           </a:p>
           <a:p>
             <a:pPr>
@@ -5445,31 +5737,93 @@
             </a:pPr>
             <a:r>
               <a:rPr lang="en-US" dirty="0"/>
-              <a:t> Uses Typescript type definition files (</a:t>
+              <a:t> Need all source code to </a:t>
             </a:r>
             <a:r>
               <a:rPr lang="en-US" dirty="0" err="1"/>
-              <a:t>d.ts</a:t>
-            </a:r>
-            <a:r>
-              <a:rPr lang="en-US" dirty="0"/>
-              <a:t>) to create </a:t>
+              <a:t>transpile</a:t>
+            </a:r>
+            <a:endParaRPr lang="en-US" dirty="0"/>
+          </a:p>
+          <a:p>
+            <a:pPr lvl="1">
+              <a:buFont typeface="Wingdings" panose="05000000000000000000" pitchFamily="2" charset="2"/>
+              <a:buChar char="§"/>
+            </a:pPr>
+            <a:r>
+              <a:rPr lang="en-US" dirty="0"/>
+              <a:t>You likely won’t be </a:t>
             </a:r>
             <a:r>
               <a:rPr lang="en-US" dirty="0" err="1"/>
-              <a:t>Nuget</a:t>
-            </a:r>
-            <a:r>
-              <a:rPr lang="en-US" dirty="0"/>
-              <a:t> packages for interop</a:t>
-            </a:r>
+              <a:t>transpiling</a:t>
+            </a:r>
+            <a:r>
+              <a:rPr lang="en-US" dirty="0"/>
+              <a:t> significant .NET libraries</a:t>
+            </a:r>
+          </a:p>
+          <a:p>
+            <a:pPr>
+              <a:buFont typeface="Wingdings" panose="05000000000000000000" pitchFamily="2" charset="2"/>
+              <a:buChar char="§"/>
+            </a:pPr>
+            <a:r>
+              <a:rPr lang="en-US" dirty="0"/>
+              <a:t> Things that seem equivalent aren’t always equivalent (bridge array/</a:t>
+            </a:r>
+            <a:r>
+              <a:rPr lang="en-US" dirty="0" err="1"/>
+              <a:t>javascript</a:t>
+            </a:r>
+            <a:r>
+              <a:rPr lang="en-US" dirty="0"/>
+              <a:t> array)</a:t>
+            </a:r>
+          </a:p>
+          <a:p>
+            <a:pPr>
+              <a:buFont typeface="Wingdings" panose="05000000000000000000" pitchFamily="2" charset="2"/>
+              <a:buChar char="§"/>
+            </a:pPr>
+            <a:r>
+              <a:rPr lang="en-US" dirty="0"/>
+              <a:t> Reflection</a:t>
+            </a:r>
+          </a:p>
+          <a:p>
+            <a:pPr lvl="1">
+              <a:buFont typeface="Wingdings" panose="05000000000000000000" pitchFamily="2" charset="2"/>
+              <a:buChar char="§"/>
+            </a:pPr>
+            <a:r>
+              <a:rPr lang="en-US" dirty="0"/>
+              <a:t>Enough reflection works that you can be caught off guard when it doesn’t</a:t>
+            </a:r>
+          </a:p>
+          <a:p>
+            <a:pPr>
+              <a:buFont typeface="Wingdings" panose="05000000000000000000" pitchFamily="2" charset="2"/>
+              <a:buChar char="§"/>
+            </a:pPr>
+            <a:r>
+              <a:rPr lang="en-US" dirty="0"/>
+              <a:t> Integration with module bundlers can be a pain because Bridge wasn’t intended to be used this way: </a:t>
+            </a:r>
+            <a:r>
+              <a:rPr lang="en-US" dirty="0">
+                <a:hlinkClick r:id="rId2"/>
+              </a:rPr>
+              <a:t>https://github.com/Azure/monaco-kusto/issues/22</a:t>
+            </a:r>
+            <a:endParaRPr lang="en-US" dirty="0"/>
           </a:p>
         </p:txBody>
       </p:sp>
     </p:spTree>
     <p:extLst>
       <p:ext uri="{BB962C8B-B14F-4D97-AF65-F5344CB8AC3E}">
-        <p14:creationId xmlns:p14="http://schemas.microsoft.com/office/powerpoint/2010/main" val="2507503047"/>
+        <p14:creationId xmlns:p14="http://schemas.microsoft.com/office/powerpoint/2010/main" val="1854439499"/>
       </p:ext>
     </p:extLst>
   </p:cSld>
@@ -5501,7 +5855,7 @@
           <p:cNvPr id="2" name="Title 1">
             <a:extLst>
               <a:ext uri="{FF2B5EF4-FFF2-40B4-BE49-F238E27FC236}">
-                <a16:creationId xmlns:a16="http://schemas.microsoft.com/office/drawing/2014/main" id="{3828297B-80B3-4E2C-AFCF-A02F37BCFD87}"/>
+                <a16:creationId xmlns:a16="http://schemas.microsoft.com/office/drawing/2014/main" id="{7091D0E5-1C16-4903-A1E6-83EECDE50ABB}"/>
               </a:ext>
             </a:extLst>
           </p:cNvPr>
@@ -5519,15 +5873,7 @@
           <a:p>
             <a:r>
               <a:rPr lang="en-US" dirty="0"/>
-              <a:t>Use Case: </a:t>
-            </a:r>
-            <a:r>
-              <a:rPr lang="en-US" dirty="0" err="1"/>
-              <a:t>Transpiling</a:t>
-            </a:r>
-            <a:r>
-              <a:rPr lang="en-US" dirty="0"/>
-              <a:t> Business Logic</a:t>
+              <a:t>Still not convinced? A Case Study.</a:t>
             </a:r>
           </a:p>
         </p:txBody>
@@ -5537,7 +5883,7 @@
           <p:cNvPr id="3" name="Content Placeholder 2">
             <a:extLst>
               <a:ext uri="{FF2B5EF4-FFF2-40B4-BE49-F238E27FC236}">
-                <a16:creationId xmlns:a16="http://schemas.microsoft.com/office/drawing/2014/main" id="{DE03C8C4-2337-4316-B021-1D5AFB73488A}"/>
+                <a16:creationId xmlns:a16="http://schemas.microsoft.com/office/drawing/2014/main" id="{A0E2B1B0-9E13-49C4-885C-6ABE1A6580AE}"/>
               </a:ext>
             </a:extLst>
           </p:cNvPr>
@@ -5554,38 +5900,68 @@
           <a:lstStyle/>
           <a:p>
             <a:pPr>
-              <a:buFont typeface="Arial" panose="020B0604020202020204" pitchFamily="34" charset="0"/>
-              <a:buChar char="•"/>
+              <a:buFont typeface="Wingdings" panose="05000000000000000000" pitchFamily="2" charset="2"/>
+              <a:buChar char="§"/>
             </a:pPr>
             <a:r>
               <a:rPr lang="en-US" dirty="0"/>
-              <a:t> PRO: Business logic is equivalent without any extra work</a:t>
+              <a:t> </a:t>
+            </a:r>
+            <a:r>
+              <a:rPr lang="en-US" dirty="0" err="1"/>
+              <a:t>Greatland</a:t>
+            </a:r>
+            <a:r>
+              <a:rPr lang="en-US" dirty="0"/>
+              <a:t> Corp: Business tax filing service (1099/w-2)</a:t>
             </a:r>
           </a:p>
           <a:p>
             <a:pPr>
-              <a:buFont typeface="Arial" panose="020B0604020202020204" pitchFamily="34" charset="0"/>
-              <a:buChar char="•"/>
+              <a:buFont typeface="Wingdings" panose="05000000000000000000" pitchFamily="2" charset="2"/>
+              <a:buChar char="§"/>
             </a:pPr>
             <a:r>
               <a:rPr lang="en-US" dirty="0"/>
-              <a:t> CON: Interop between </a:t>
+              <a:t> Traditionally a </a:t>
             </a:r>
             <a:r>
               <a:rPr lang="en-US" dirty="0" err="1"/>
-              <a:t>Javascript</a:t>
-            </a:r>
-            <a:r>
-              <a:rPr lang="en-US" dirty="0"/>
-              <a:t> and </a:t>
-            </a:r>
-            <a:r>
-              <a:rPr lang="en-US" dirty="0" err="1"/>
-              <a:t>transpiled</a:t>
-            </a:r>
-            <a:r>
-              <a:rPr lang="en-US" dirty="0"/>
-              <a:t> code can be nasty, especially with generics</a:t>
+              <a:t>.Net</a:t>
+            </a:r>
+            <a:r>
+              <a:rPr lang="en-US" dirty="0"/>
+              <a:t> shop</a:t>
+            </a:r>
+          </a:p>
+          <a:p>
+            <a:pPr>
+              <a:buFont typeface="Wingdings" panose="05000000000000000000" pitchFamily="2" charset="2"/>
+              <a:buChar char="§"/>
+            </a:pPr>
+            <a:r>
+              <a:rPr lang="en-US" dirty="0"/>
+              <a:t> Complicated business logic for form rules</a:t>
+            </a:r>
+          </a:p>
+          <a:p>
+            <a:pPr lvl="1">
+              <a:buFont typeface="Wingdings" panose="05000000000000000000" pitchFamily="2" charset="2"/>
+              <a:buChar char="§"/>
+            </a:pPr>
+            <a:r>
+              <a:rPr lang="en-US" dirty="0"/>
+              <a:t> Immediate validation on client side preferred</a:t>
+            </a:r>
+          </a:p>
+          <a:p>
+            <a:pPr lvl="1">
+              <a:buFont typeface="Wingdings" panose="05000000000000000000" pitchFamily="2" charset="2"/>
+              <a:buChar char="§"/>
+            </a:pPr>
+            <a:r>
+              <a:rPr lang="en-US" dirty="0"/>
+              <a:t> Had issues in the past duplicating client and server side validations</a:t>
             </a:r>
           </a:p>
         </p:txBody>
@@ -5593,7 +5969,7 @@
     </p:spTree>
     <p:extLst>
       <p:ext uri="{BB962C8B-B14F-4D97-AF65-F5344CB8AC3E}">
-        <p14:creationId xmlns:p14="http://schemas.microsoft.com/office/powerpoint/2010/main" val="3936768775"/>
+        <p14:creationId xmlns:p14="http://schemas.microsoft.com/office/powerpoint/2010/main" val="1214927596"/>
       </p:ext>
     </p:extLst>
   </p:cSld>
@@ -5625,7 +6001,7 @@
           <p:cNvPr id="2" name="Title 1">
             <a:extLst>
               <a:ext uri="{FF2B5EF4-FFF2-40B4-BE49-F238E27FC236}">
-                <a16:creationId xmlns:a16="http://schemas.microsoft.com/office/drawing/2014/main" id="{4AD4C152-7495-4980-B3A3-5DB6A3FB6705}"/>
+                <a16:creationId xmlns:a16="http://schemas.microsoft.com/office/drawing/2014/main" id="{DB72861F-F5E4-489F-9239-8A262FA40823}"/>
               </a:ext>
             </a:extLst>
           </p:cNvPr>
@@ -5633,27 +6009,27 @@
             <a:spLocks noGrp="1"/>
           </p:cNvSpPr>
           <p:nvPr>
-            <p:ph type="ctrTitle"/>
-          </p:nvPr>
-        </p:nvSpPr>
-        <p:spPr/>
-        <p:txBody>
-          <a:bodyPr/>
-          <a:lstStyle/>
-          <a:p>
-            <a:r>
-              <a:rPr lang="en-US" dirty="0"/>
-              <a:t>DEMO</a:t>
-            </a:r>
-          </a:p>
-        </p:txBody>
-      </p:sp>
-      <p:sp>
-        <p:nvSpPr>
-          <p:cNvPr id="5" name="Subtitle 4">
+            <p:ph type="title"/>
+          </p:nvPr>
+        </p:nvSpPr>
+        <p:spPr/>
+        <p:txBody>
+          <a:bodyPr/>
+          <a:lstStyle/>
+          <a:p>
+            <a:r>
+              <a:rPr lang="en-US" dirty="0"/>
+              <a:t>Solution: Bridge.NET</a:t>
+            </a:r>
+          </a:p>
+        </p:txBody>
+      </p:sp>
+      <p:sp>
+        <p:nvSpPr>
+          <p:cNvPr id="3" name="Content Placeholder 2">
             <a:extLst>
               <a:ext uri="{FF2B5EF4-FFF2-40B4-BE49-F238E27FC236}">
-                <a16:creationId xmlns:a16="http://schemas.microsoft.com/office/drawing/2014/main" id="{E8D2EE01-206B-4B8F-97F0-3DE8D92389FE}"/>
+                <a16:creationId xmlns:a16="http://schemas.microsoft.com/office/drawing/2014/main" id="{50578B8C-9F1D-430C-BA22-3A4B44FDDFD9}"/>
               </a:ext>
             </a:extLst>
           </p:cNvPr>
@@ -5661,33 +6037,145 @@
             <a:spLocks noGrp="1"/>
           </p:cNvSpPr>
           <p:nvPr>
-            <p:ph type="subTitle" idx="1"/>
-          </p:nvPr>
-        </p:nvSpPr>
-        <p:spPr/>
-        <p:txBody>
-          <a:bodyPr/>
-          <a:lstStyle/>
-          <a:p>
-            <a:r>
-              <a:rPr lang="en-US" dirty="0"/>
-              <a:t>Angular spa with </a:t>
+            <p:ph idx="1"/>
+          </p:nvPr>
+        </p:nvSpPr>
+        <p:spPr/>
+        <p:txBody>
+          <a:bodyPr/>
+          <a:lstStyle/>
+          <a:p>
+            <a:pPr>
+              <a:buFont typeface="Arial" panose="020B0604020202020204" pitchFamily="34" charset="0"/>
+              <a:buChar char="•"/>
+            </a:pPr>
+            <a:endParaRPr lang="en-US" dirty="0"/>
+          </a:p>
+        </p:txBody>
+      </p:sp>
+      <p:sp>
+        <p:nvSpPr>
+          <p:cNvPr id="10" name="Text Placeholder 9">
+            <a:extLst>
+              <a:ext uri="{FF2B5EF4-FFF2-40B4-BE49-F238E27FC236}">
+                <a16:creationId xmlns:a16="http://schemas.microsoft.com/office/drawing/2014/main" id="{110E64C6-EB11-4D24-8EA1-9A2F927F9E5F}"/>
+              </a:ext>
+            </a:extLst>
+          </p:cNvPr>
+          <p:cNvSpPr>
+            <a:spLocks noGrp="1"/>
+          </p:cNvSpPr>
+          <p:nvPr>
+            <p:ph type="body" sz="half" idx="2"/>
+          </p:nvPr>
+        </p:nvSpPr>
+        <p:spPr/>
+        <p:txBody>
+          <a:bodyPr>
+            <a:normAutofit/>
+          </a:bodyPr>
+          <a:lstStyle/>
+          <a:p>
+            <a:pPr>
+              <a:buFont typeface="Arial" panose="020B0604020202020204" pitchFamily="34" charset="0"/>
+              <a:buChar char="•"/>
+            </a:pPr>
+            <a:r>
+              <a:rPr lang="en-US" dirty="0"/>
+              <a:t> Common “Validation Engine” written in C#</a:t>
+            </a:r>
+          </a:p>
+          <a:p>
+            <a:pPr>
+              <a:buFont typeface="Arial" panose="020B0604020202020204" pitchFamily="34" charset="0"/>
+              <a:buChar char="•"/>
+            </a:pPr>
+            <a:r>
+              <a:rPr lang="en-US" dirty="0"/>
+              <a:t> </a:t>
             </a:r>
             <a:r>
               <a:rPr lang="en-US" dirty="0" err="1"/>
-              <a:t>transpiled</a:t>
-            </a:r>
-            <a:r>
-              <a:rPr lang="en-US" dirty="0"/>
-              <a:t> business logic</a:t>
-            </a:r>
-          </a:p>
-        </p:txBody>
-      </p:sp>
+              <a:t>Transpiled</a:t>
+            </a:r>
+            <a:r>
+              <a:rPr lang="en-US" dirty="0"/>
+              <a:t> to </a:t>
+            </a:r>
+            <a:r>
+              <a:rPr lang="en-US" dirty="0" err="1"/>
+              <a:t>Javascript</a:t>
+            </a:r>
+            <a:r>
+              <a:rPr lang="en-US" dirty="0"/>
+              <a:t> using Bridge</a:t>
+            </a:r>
+          </a:p>
+          <a:p>
+            <a:pPr>
+              <a:buFont typeface="Arial" panose="020B0604020202020204" pitchFamily="34" charset="0"/>
+              <a:buChar char="•"/>
+            </a:pPr>
+            <a:r>
+              <a:rPr lang="en-US" dirty="0"/>
+              <a:t> Runs inside Angular SPA allowing real-time form calculations/validations</a:t>
+            </a:r>
+          </a:p>
+          <a:p>
+            <a:pPr>
+              <a:buFont typeface="Arial" panose="020B0604020202020204" pitchFamily="34" charset="0"/>
+              <a:buChar char="•"/>
+            </a:pPr>
+            <a:r>
+              <a:rPr lang="en-US" dirty="0"/>
+              <a:t> Forms are edited in editor by non-developers with real time preview</a:t>
+            </a:r>
+          </a:p>
+          <a:p>
+            <a:pPr>
+              <a:buFont typeface="Arial" panose="020B0604020202020204" pitchFamily="34" charset="0"/>
+              <a:buChar char="•"/>
+            </a:pPr>
+            <a:r>
+              <a:rPr lang="en-US" dirty="0"/>
+              <a:t> Forms are published as JSON metadata</a:t>
+            </a:r>
+          </a:p>
+        </p:txBody>
+      </p:sp>
+      <p:pic>
+        <p:nvPicPr>
+          <p:cNvPr id="9" name="Content Placeholder 4">
+            <a:extLst>
+              <a:ext uri="{FF2B5EF4-FFF2-40B4-BE49-F238E27FC236}">
+                <a16:creationId xmlns:a16="http://schemas.microsoft.com/office/drawing/2014/main" id="{C70A96D0-6C55-4F79-81F7-C058266A950C}"/>
+              </a:ext>
+            </a:extLst>
+          </p:cNvPr>
+          <p:cNvPicPr>
+            <a:picLocks noGrp="1" noChangeAspect="1"/>
+          </p:cNvPicPr>
+          <p:nvPr>
+            <p:ph sz="half" idx="4294967295"/>
+          </p:nvPr>
+        </p:nvPicPr>
+        <p:blipFill>
+          <a:blip r:embed="rId2"/>
+          <a:stretch>
+            <a:fillRect/>
+          </a:stretch>
+        </p:blipFill>
+        <p:spPr>
+          <a:xfrm>
+            <a:off x="4179531" y="1501400"/>
+            <a:ext cx="8012469" cy="4153087"/>
+          </a:xfrm>
+        </p:spPr>
+      </p:pic>
     </p:spTree>
     <p:extLst>
       <p:ext uri="{BB962C8B-B14F-4D97-AF65-F5344CB8AC3E}">
-        <p14:creationId xmlns:p14="http://schemas.microsoft.com/office/powerpoint/2010/main" val="3122916019"/>
+        <p14:creationId xmlns:p14="http://schemas.microsoft.com/office/powerpoint/2010/main" val="3435262763"/>
       </p:ext>
     </p:extLst>
   </p:cSld>

--- a/bridge.net/bridge-net.pptx
+++ b/bridge.net/bridge-net.pptx
@@ -10,17 +10,19 @@
     <p:sldId id="258" r:id="rId4"/>
     <p:sldId id="273" r:id="rId5"/>
     <p:sldId id="261" r:id="rId6"/>
-    <p:sldId id="274" r:id="rId7"/>
-    <p:sldId id="262" r:id="rId8"/>
-    <p:sldId id="263" r:id="rId9"/>
-    <p:sldId id="266" r:id="rId10"/>
-    <p:sldId id="265" r:id="rId11"/>
-    <p:sldId id="269" r:id="rId12"/>
-    <p:sldId id="267" r:id="rId13"/>
-    <p:sldId id="270" r:id="rId14"/>
-    <p:sldId id="268" r:id="rId15"/>
-    <p:sldId id="271" r:id="rId16"/>
-    <p:sldId id="272" r:id="rId17"/>
+    <p:sldId id="275" r:id="rId7"/>
+    <p:sldId id="267" r:id="rId8"/>
+    <p:sldId id="270" r:id="rId9"/>
+    <p:sldId id="274" r:id="rId10"/>
+    <p:sldId id="276" r:id="rId11"/>
+    <p:sldId id="262" r:id="rId12"/>
+    <p:sldId id="263" r:id="rId13"/>
+    <p:sldId id="266" r:id="rId14"/>
+    <p:sldId id="265" r:id="rId15"/>
+    <p:sldId id="269" r:id="rId16"/>
+    <p:sldId id="268" r:id="rId17"/>
+    <p:sldId id="271" r:id="rId18"/>
+    <p:sldId id="272" r:id="rId19"/>
   </p:sldIdLst>
   <p:sldSz cx="12192000" cy="6858000"/>
   <p:notesSz cx="6858000" cy="9144000"/>
@@ -353,7 +355,7 @@
           <a:p>
             <a:fld id="{96DFF08F-DC6B-4601-B491-B0F83F6DD2DA}" type="datetimeFigureOut">
               <a:rPr lang="en-US" dirty="0"/>
-              <a:t>5/6/2019</a:t>
+              <a:t>5/8/2019</a:t>
             </a:fld>
             <a:endParaRPr lang="en-US" dirty="0"/>
           </a:p>
@@ -556,7 +558,7 @@
           <a:p>
             <a:fld id="{96DFF08F-DC6B-4601-B491-B0F83F6DD2DA}" type="datetimeFigureOut">
               <a:rPr lang="en-US" dirty="0"/>
-              <a:t>5/6/2019</a:t>
+              <a:t>5/8/2019</a:t>
             </a:fld>
             <a:endParaRPr lang="en-US" dirty="0"/>
           </a:p>
@@ -807,7 +809,7 @@
           <a:p>
             <a:fld id="{96DFF08F-DC6B-4601-B491-B0F83F6DD2DA}" type="datetimeFigureOut">
               <a:rPr lang="en-US" dirty="0"/>
-              <a:t>5/6/2019</a:t>
+              <a:t>5/8/2019</a:t>
             </a:fld>
             <a:endParaRPr lang="en-US" dirty="0"/>
           </a:p>
@@ -972,7 +974,7 @@
           <a:p>
             <a:fld id="{D62CEF3B-A037-46D0-B02C-1428F07E9383}" type="datetimeFigureOut">
               <a:rPr lang="en-US" dirty="0"/>
-              <a:t>5/6/2019</a:t>
+              <a:t>5/8/2019</a:t>
             </a:fld>
             <a:endParaRPr lang="en-US" dirty="0"/>
           </a:p>
@@ -1310,7 +1312,7 @@
           <a:p>
             <a:fld id="{96DFF08F-DC6B-4601-B491-B0F83F6DD2DA}" type="datetimeFigureOut">
               <a:rPr lang="en-US" dirty="0"/>
-              <a:t>5/6/2019</a:t>
+              <a:t>5/8/2019</a:t>
             </a:fld>
             <a:endParaRPr lang="en-US" dirty="0"/>
           </a:p>
@@ -1580,7 +1582,7 @@
           <a:p>
             <a:fld id="{96DFF08F-DC6B-4601-B491-B0F83F6DD2DA}" type="datetimeFigureOut">
               <a:rPr lang="en-US" dirty="0"/>
-              <a:t>5/6/2019</a:t>
+              <a:t>5/8/2019</a:t>
             </a:fld>
             <a:endParaRPr lang="en-US" dirty="0"/>
           </a:p>
@@ -1954,7 +1956,7 @@
           <a:p>
             <a:fld id="{96DFF08F-DC6B-4601-B491-B0F83F6DD2DA}" type="datetimeFigureOut">
               <a:rPr lang="en-US" dirty="0"/>
-              <a:t>5/6/2019</a:t>
+              <a:t>5/8/2019</a:t>
             </a:fld>
             <a:endParaRPr lang="en-US" dirty="0"/>
           </a:p>
@@ -2067,7 +2069,7 @@
           <a:p>
             <a:fld id="{96DFF08F-DC6B-4601-B491-B0F83F6DD2DA}" type="datetimeFigureOut">
               <a:rPr lang="en-US" dirty="0"/>
-              <a:t>5/6/2019</a:t>
+              <a:t>5/8/2019</a:t>
             </a:fld>
             <a:endParaRPr lang="en-US" dirty="0"/>
           </a:p>
@@ -2234,7 +2236,7 @@
             <a:fld id="{96DFF08F-DC6B-4601-B491-B0F83F6DD2DA}" type="datetimeFigureOut">
               <a:rPr lang="en-US" dirty="0"/>
               <a:pPr/>
-              <a:t>5/6/2019</a:t>
+              <a:t>5/8/2019</a:t>
             </a:fld>
             <a:endParaRPr lang="en-US" dirty="0"/>
           </a:p>
@@ -2585,7 +2587,7 @@
             <a:fld id="{96DFF08F-DC6B-4601-B491-B0F83F6DD2DA}" type="datetimeFigureOut">
               <a:rPr lang="en-US" dirty="0"/>
               <a:pPr/>
-              <a:t>5/6/2019</a:t>
+              <a:t>5/8/2019</a:t>
             </a:fld>
             <a:endParaRPr lang="en-US" dirty="0"/>
           </a:p>
@@ -2958,7 +2960,7 @@
           <a:p>
             <a:fld id="{96DFF08F-DC6B-4601-B491-B0F83F6DD2DA}" type="datetimeFigureOut">
               <a:rPr lang="en-US" dirty="0"/>
-              <a:t>5/6/2019</a:t>
+              <a:t>5/8/2019</a:t>
             </a:fld>
             <a:endParaRPr lang="en-US" dirty="0"/>
           </a:p>
@@ -3241,7 +3243,7 @@
             <a:fld id="{96DFF08F-DC6B-4601-B491-B0F83F6DD2DA}" type="datetimeFigureOut">
               <a:rPr lang="en-US" dirty="0"/>
               <a:pPr/>
-              <a:t>5/6/2019</a:t>
+              <a:t>5/8/2019</a:t>
             </a:fld>
             <a:endParaRPr lang="en-US" dirty="0"/>
           </a:p>
@@ -3962,7 +3964,7 @@
           <p:cNvPr id="2" name="Title 1">
             <a:extLst>
               <a:ext uri="{FF2B5EF4-FFF2-40B4-BE49-F238E27FC236}">
-                <a16:creationId xmlns:a16="http://schemas.microsoft.com/office/drawing/2014/main" id="{3828297B-80B3-4E2C-AFCF-A02F37BCFD87}"/>
+                <a16:creationId xmlns:a16="http://schemas.microsoft.com/office/drawing/2014/main" id="{4AD4C152-7495-4980-B3A3-5DB6A3FB6705}"/>
               </a:ext>
             </a:extLst>
           </p:cNvPr>
@@ -3970,35 +3972,27 @@
             <a:spLocks noGrp="1"/>
           </p:cNvSpPr>
           <p:nvPr>
-            <p:ph type="title"/>
-          </p:nvPr>
-        </p:nvSpPr>
-        <p:spPr/>
-        <p:txBody>
-          <a:bodyPr/>
-          <a:lstStyle/>
-          <a:p>
-            <a:r>
-              <a:rPr lang="en-US" dirty="0"/>
-              <a:t>Use Case: </a:t>
-            </a:r>
-            <a:r>
-              <a:rPr lang="en-US" dirty="0" err="1"/>
-              <a:t>Transpiling</a:t>
-            </a:r>
-            <a:r>
-              <a:rPr lang="en-US" dirty="0"/>
-              <a:t> Business Logic</a:t>
-            </a:r>
-          </a:p>
-        </p:txBody>
-      </p:sp>
-      <p:sp>
-        <p:nvSpPr>
-          <p:cNvPr id="3" name="Content Placeholder 2">
+            <p:ph type="ctrTitle"/>
+          </p:nvPr>
+        </p:nvSpPr>
+        <p:spPr/>
+        <p:txBody>
+          <a:bodyPr/>
+          <a:lstStyle/>
+          <a:p>
+            <a:r>
+              <a:rPr lang="en-US" dirty="0"/>
+              <a:t>DEMO</a:t>
+            </a:r>
+          </a:p>
+        </p:txBody>
+      </p:sp>
+      <p:sp>
+        <p:nvSpPr>
+          <p:cNvPr id="5" name="Subtitle 4">
             <a:extLst>
               <a:ext uri="{FF2B5EF4-FFF2-40B4-BE49-F238E27FC236}">
-                <a16:creationId xmlns:a16="http://schemas.microsoft.com/office/drawing/2014/main" id="{DE03C8C4-2337-4316-B021-1D5AFB73488A}"/>
+                <a16:creationId xmlns:a16="http://schemas.microsoft.com/office/drawing/2014/main" id="{E8D2EE01-206B-4B8F-97F0-3DE8D92389FE}"/>
               </a:ext>
             </a:extLst>
           </p:cNvPr>
@@ -4006,47 +4000,17 @@
             <a:spLocks noGrp="1"/>
           </p:cNvSpPr>
           <p:nvPr>
-            <p:ph idx="1"/>
-          </p:nvPr>
-        </p:nvSpPr>
-        <p:spPr/>
-        <p:txBody>
-          <a:bodyPr/>
-          <a:lstStyle/>
-          <a:p>
-            <a:pPr>
-              <a:buFont typeface="Arial" panose="020B0604020202020204" pitchFamily="34" charset="0"/>
-              <a:buChar char="•"/>
-            </a:pPr>
-            <a:r>
-              <a:rPr lang="en-US" dirty="0"/>
-              <a:t> PRO: Business logic is equivalent without any extra work</a:t>
-            </a:r>
-          </a:p>
-          <a:p>
-            <a:pPr>
-              <a:buFont typeface="Arial" panose="020B0604020202020204" pitchFamily="34" charset="0"/>
-              <a:buChar char="•"/>
-            </a:pPr>
-            <a:r>
-              <a:rPr lang="en-US" dirty="0"/>
-              <a:t> CON: Interop between </a:t>
-            </a:r>
-            <a:r>
-              <a:rPr lang="en-US" dirty="0" err="1"/>
-              <a:t>Javascript</a:t>
-            </a:r>
-            <a:r>
-              <a:rPr lang="en-US" dirty="0"/>
-              <a:t> and </a:t>
-            </a:r>
-            <a:r>
-              <a:rPr lang="en-US" dirty="0" err="1"/>
-              <a:t>transpiled</a:t>
-            </a:r>
-            <a:r>
-              <a:rPr lang="en-US" dirty="0"/>
-              <a:t> code can be nasty, especially with generics</a:t>
+            <p:ph type="subTitle" idx="1"/>
+          </p:nvPr>
+        </p:nvSpPr>
+        <p:spPr/>
+        <p:txBody>
+          <a:bodyPr/>
+          <a:lstStyle/>
+          <a:p>
+            <a:r>
+              <a:rPr lang="en-US" dirty="0"/>
+              <a:t>Performance TESTS</a:t>
             </a:r>
           </a:p>
         </p:txBody>
@@ -4054,7 +4018,7 @@
     </p:spTree>
     <p:extLst>
       <p:ext uri="{BB962C8B-B14F-4D97-AF65-F5344CB8AC3E}">
-        <p14:creationId xmlns:p14="http://schemas.microsoft.com/office/powerpoint/2010/main" val="3936768775"/>
+        <p14:creationId xmlns:p14="http://schemas.microsoft.com/office/powerpoint/2010/main" val="2539608370"/>
       </p:ext>
     </p:extLst>
   </p:cSld>
@@ -4086,7 +4050,7 @@
           <p:cNvPr id="2" name="Title 1">
             <a:extLst>
               <a:ext uri="{FF2B5EF4-FFF2-40B4-BE49-F238E27FC236}">
-                <a16:creationId xmlns:a16="http://schemas.microsoft.com/office/drawing/2014/main" id="{4AD4C152-7495-4980-B3A3-5DB6A3FB6705}"/>
+                <a16:creationId xmlns:a16="http://schemas.microsoft.com/office/drawing/2014/main" id="{6F337665-2FC6-429E-9D06-41B06CB24D1E}"/>
               </a:ext>
             </a:extLst>
           </p:cNvPr>
@@ -4094,27 +4058,27 @@
             <a:spLocks noGrp="1"/>
           </p:cNvSpPr>
           <p:nvPr>
-            <p:ph type="ctrTitle"/>
-          </p:nvPr>
-        </p:nvSpPr>
-        <p:spPr/>
-        <p:txBody>
-          <a:bodyPr/>
-          <a:lstStyle/>
-          <a:p>
-            <a:r>
-              <a:rPr lang="en-US" dirty="0"/>
-              <a:t>DEMO</a:t>
-            </a:r>
-          </a:p>
-        </p:txBody>
-      </p:sp>
-      <p:sp>
-        <p:nvSpPr>
-          <p:cNvPr id="5" name="Subtitle 4">
+            <p:ph type="title"/>
+          </p:nvPr>
+        </p:nvSpPr>
+        <p:spPr/>
+        <p:txBody>
+          <a:bodyPr/>
+          <a:lstStyle/>
+          <a:p>
+            <a:r>
+              <a:rPr lang="en-US" dirty="0"/>
+              <a:t>Other Gotchas</a:t>
+            </a:r>
+          </a:p>
+        </p:txBody>
+      </p:sp>
+      <p:sp>
+        <p:nvSpPr>
+          <p:cNvPr id="3" name="Content Placeholder 2">
             <a:extLst>
               <a:ext uri="{FF2B5EF4-FFF2-40B4-BE49-F238E27FC236}">
-                <a16:creationId xmlns:a16="http://schemas.microsoft.com/office/drawing/2014/main" id="{E8D2EE01-206B-4B8F-97F0-3DE8D92389FE}"/>
+                <a16:creationId xmlns:a16="http://schemas.microsoft.com/office/drawing/2014/main" id="{94800AB1-EF7E-4181-B04E-9F8A6B86AD2E}"/>
               </a:ext>
             </a:extLst>
           </p:cNvPr>
@@ -4122,33 +4086,96 @@
             <a:spLocks noGrp="1"/>
           </p:cNvSpPr>
           <p:nvPr>
-            <p:ph type="subTitle" idx="1"/>
-          </p:nvPr>
-        </p:nvSpPr>
-        <p:spPr/>
-        <p:txBody>
-          <a:bodyPr/>
-          <a:lstStyle/>
-          <a:p>
-            <a:r>
-              <a:rPr lang="en-US" dirty="0"/>
-              <a:t>Angular spa with </a:t>
+            <p:ph idx="1"/>
+          </p:nvPr>
+        </p:nvSpPr>
+        <p:spPr/>
+        <p:txBody>
+          <a:bodyPr/>
+          <a:lstStyle/>
+          <a:p>
+            <a:pPr>
+              <a:buFont typeface="Wingdings" panose="05000000000000000000" pitchFamily="2" charset="2"/>
+              <a:buChar char="§"/>
+            </a:pPr>
+            <a:r>
+              <a:rPr lang="en-US" dirty="0"/>
+              <a:t> Things that seem equivalent aren’t always equivalent (bridge array/</a:t>
             </a:r>
             <a:r>
               <a:rPr lang="en-US" dirty="0" err="1"/>
-              <a:t>transpiled</a:t>
-            </a:r>
-            <a:r>
-              <a:rPr lang="en-US" dirty="0"/>
-              <a:t> business logic</a:t>
-            </a:r>
+              <a:t>javascript</a:t>
+            </a:r>
+            <a:r>
+              <a:rPr lang="en-US" dirty="0"/>
+              <a:t> array)</a:t>
+            </a:r>
+          </a:p>
+          <a:p>
+            <a:pPr>
+              <a:buFont typeface="Wingdings" panose="05000000000000000000" pitchFamily="2" charset="2"/>
+              <a:buChar char="§"/>
+            </a:pPr>
+            <a:r>
+              <a:rPr lang="en-US" dirty="0"/>
+              <a:t> Reflection</a:t>
+            </a:r>
+          </a:p>
+          <a:p>
+            <a:pPr lvl="1">
+              <a:buFont typeface="Wingdings" panose="05000000000000000000" pitchFamily="2" charset="2"/>
+              <a:buChar char="§"/>
+            </a:pPr>
+            <a:r>
+              <a:rPr lang="en-US" dirty="0"/>
+              <a:t>Enough reflection works that you can be caught off guard when it doesn’t</a:t>
+            </a:r>
+          </a:p>
+          <a:p>
+            <a:pPr lvl="1">
+              <a:buFont typeface="Wingdings" panose="05000000000000000000" pitchFamily="2" charset="2"/>
+              <a:buChar char="§"/>
+            </a:pPr>
+            <a:r>
+              <a:rPr lang="en-US" dirty="0"/>
+              <a:t>Only thing I’ve come across is </a:t>
+            </a:r>
+            <a:r>
+              <a:rPr lang="en-US" dirty="0" err="1"/>
+              <a:t>memberwise</a:t>
+            </a:r>
+            <a:r>
+              <a:rPr lang="en-US" dirty="0"/>
+              <a:t> clone</a:t>
+            </a:r>
+          </a:p>
+          <a:p>
+            <a:pPr>
+              <a:buFont typeface="Wingdings" panose="05000000000000000000" pitchFamily="2" charset="2"/>
+              <a:buChar char="§"/>
+            </a:pPr>
+            <a:r>
+              <a:rPr lang="en-US" dirty="0"/>
+              <a:t> Integration with module bundlers can be a pain because Bridge wasn’t intended to be used this way</a:t>
+            </a:r>
+            <a:r>
+              <a:rPr lang="en-US"/>
+              <a:t>: </a:t>
+            </a:r>
+            <a:r>
+              <a:rPr lang="en-US">
+                <a:hlinkClick r:id="rId2"/>
+              </a:rPr>
+              <a:t>https://github.com/bridgedotnet/Bridge/issues/3097</a:t>
+            </a:r>
+            <a:endParaRPr lang="en-US" dirty="0"/>
           </a:p>
         </p:txBody>
       </p:sp>
     </p:spTree>
     <p:extLst>
       <p:ext uri="{BB962C8B-B14F-4D97-AF65-F5344CB8AC3E}">
-        <p14:creationId xmlns:p14="http://schemas.microsoft.com/office/powerpoint/2010/main" val="3122916019"/>
+        <p14:creationId xmlns:p14="http://schemas.microsoft.com/office/powerpoint/2010/main" val="1854439499"/>
       </p:ext>
     </p:extLst>
   </p:cSld>
@@ -4180,7 +4207,7 @@
           <p:cNvPr id="2" name="Title 1">
             <a:extLst>
               <a:ext uri="{FF2B5EF4-FFF2-40B4-BE49-F238E27FC236}">
-                <a16:creationId xmlns:a16="http://schemas.microsoft.com/office/drawing/2014/main" id="{3828297B-80B3-4E2C-AFCF-A02F37BCFD87}"/>
+                <a16:creationId xmlns:a16="http://schemas.microsoft.com/office/drawing/2014/main" id="{7091D0E5-1C16-4903-A1E6-83EECDE50ABB}"/>
               </a:ext>
             </a:extLst>
           </p:cNvPr>
@@ -4198,7 +4225,7 @@
           <a:p>
             <a:r>
               <a:rPr lang="en-US" dirty="0"/>
-              <a:t>Use Case: Client Side Scripting (MVC)</a:t>
+              <a:t>Still not convinced? A Case Study.</a:t>
             </a:r>
           </a:p>
         </p:txBody>
@@ -4208,7 +4235,7 @@
           <p:cNvPr id="3" name="Content Placeholder 2">
             <a:extLst>
               <a:ext uri="{FF2B5EF4-FFF2-40B4-BE49-F238E27FC236}">
-                <a16:creationId xmlns:a16="http://schemas.microsoft.com/office/drawing/2014/main" id="{DE03C8C4-2337-4316-B021-1D5AFB73488A}"/>
+                <a16:creationId xmlns:a16="http://schemas.microsoft.com/office/drawing/2014/main" id="{A0E2B1B0-9E13-49C4-885C-6ABE1A6580AE}"/>
               </a:ext>
             </a:extLst>
           </p:cNvPr>
@@ -4225,30 +4252,68 @@
           <a:lstStyle/>
           <a:p>
             <a:pPr>
-              <a:buFont typeface="Arial" panose="020B0604020202020204" pitchFamily="34" charset="0"/>
-              <a:buChar char="•"/>
+              <a:buFont typeface="Wingdings" panose="05000000000000000000" pitchFamily="2" charset="2"/>
+              <a:buChar char="§"/>
             </a:pPr>
             <a:r>
               <a:rPr lang="en-US" dirty="0"/>
-              <a:t> PRO: Use everything you love about .NET (</a:t>
+              <a:t> </a:t>
             </a:r>
             <a:r>
               <a:rPr lang="en-US" dirty="0" err="1"/>
-              <a:t>Linq</a:t>
-            </a:r>
-            <a:r>
-              <a:rPr lang="en-US" dirty="0"/>
-              <a:t>, decimals, sane OOP)</a:t>
+              <a:t>Greatland</a:t>
+            </a:r>
+            <a:r>
+              <a:rPr lang="en-US" dirty="0"/>
+              <a:t> Corp: Business tax filing service (1099/w-2)</a:t>
             </a:r>
           </a:p>
           <a:p>
             <a:pPr>
-              <a:buFont typeface="Arial" panose="020B0604020202020204" pitchFamily="34" charset="0"/>
-              <a:buChar char="•"/>
+              <a:buFont typeface="Wingdings" panose="05000000000000000000" pitchFamily="2" charset="2"/>
+              <a:buChar char="§"/>
             </a:pPr>
             <a:r>
               <a:rPr lang="en-US" dirty="0"/>
-              <a:t> CON: Leaky abstraction – still need to know browser idioms, frameworks</a:t>
+              <a:t> Traditionally a </a:t>
+            </a:r>
+            <a:r>
+              <a:rPr lang="en-US" dirty="0" err="1"/>
+              <a:t>.Net</a:t>
+            </a:r>
+            <a:r>
+              <a:rPr lang="en-US" dirty="0"/>
+              <a:t> shop</a:t>
+            </a:r>
+          </a:p>
+          <a:p>
+            <a:pPr>
+              <a:buFont typeface="Wingdings" panose="05000000000000000000" pitchFamily="2" charset="2"/>
+              <a:buChar char="§"/>
+            </a:pPr>
+            <a:r>
+              <a:rPr lang="en-US" dirty="0"/>
+              <a:t> Complicated business logic for form rules</a:t>
+            </a:r>
+          </a:p>
+          <a:p>
+            <a:pPr lvl="1">
+              <a:buFont typeface="Wingdings" panose="05000000000000000000" pitchFamily="2" charset="2"/>
+              <a:buChar char="§"/>
+            </a:pPr>
+            <a:r>
+              <a:rPr lang="en-US" dirty="0"/>
+              <a:t> Immediate validation on client side preferred</a:t>
+            </a:r>
+          </a:p>
+          <a:p>
+            <a:pPr lvl="1">
+              <a:buFont typeface="Wingdings" panose="05000000000000000000" pitchFamily="2" charset="2"/>
+              <a:buChar char="§"/>
+            </a:pPr>
+            <a:r>
+              <a:rPr lang="en-US" dirty="0"/>
+              <a:t> Had issues in the past duplicating client and server side validations</a:t>
             </a:r>
           </a:p>
         </p:txBody>
@@ -4256,7 +4321,7 @@
     </p:spTree>
     <p:extLst>
       <p:ext uri="{BB962C8B-B14F-4D97-AF65-F5344CB8AC3E}">
-        <p14:creationId xmlns:p14="http://schemas.microsoft.com/office/powerpoint/2010/main" val="3260129901"/>
+        <p14:creationId xmlns:p14="http://schemas.microsoft.com/office/powerpoint/2010/main" val="1214927596"/>
       </p:ext>
     </p:extLst>
   </p:cSld>
@@ -4288,7 +4353,7 @@
           <p:cNvPr id="2" name="Title 1">
             <a:extLst>
               <a:ext uri="{FF2B5EF4-FFF2-40B4-BE49-F238E27FC236}">
-                <a16:creationId xmlns:a16="http://schemas.microsoft.com/office/drawing/2014/main" id="{4AD4C152-7495-4980-B3A3-5DB6A3FB6705}"/>
+                <a16:creationId xmlns:a16="http://schemas.microsoft.com/office/drawing/2014/main" id="{DB72861F-F5E4-489F-9239-8A262FA40823}"/>
               </a:ext>
             </a:extLst>
           </p:cNvPr>
@@ -4296,27 +4361,27 @@
             <a:spLocks noGrp="1"/>
           </p:cNvSpPr>
           <p:nvPr>
-            <p:ph type="ctrTitle"/>
-          </p:nvPr>
-        </p:nvSpPr>
-        <p:spPr/>
-        <p:txBody>
-          <a:bodyPr/>
-          <a:lstStyle/>
-          <a:p>
-            <a:r>
-              <a:rPr lang="en-US" dirty="0"/>
-              <a:t>DEMO</a:t>
-            </a:r>
-          </a:p>
-        </p:txBody>
-      </p:sp>
-      <p:sp>
-        <p:nvSpPr>
-          <p:cNvPr id="5" name="Subtitle 4">
+            <p:ph type="title"/>
+          </p:nvPr>
+        </p:nvSpPr>
+        <p:spPr/>
+        <p:txBody>
+          <a:bodyPr/>
+          <a:lstStyle/>
+          <a:p>
+            <a:r>
+              <a:rPr lang="en-US" dirty="0"/>
+              <a:t>Solution: Bridge.NET</a:t>
+            </a:r>
+          </a:p>
+        </p:txBody>
+      </p:sp>
+      <p:sp>
+        <p:nvSpPr>
+          <p:cNvPr id="3" name="Content Placeholder 2">
             <a:extLst>
               <a:ext uri="{FF2B5EF4-FFF2-40B4-BE49-F238E27FC236}">
-                <a16:creationId xmlns:a16="http://schemas.microsoft.com/office/drawing/2014/main" id="{E8D2EE01-206B-4B8F-97F0-3DE8D92389FE}"/>
+                <a16:creationId xmlns:a16="http://schemas.microsoft.com/office/drawing/2014/main" id="{50578B8C-9F1D-430C-BA22-3A4B44FDDFD9}"/>
               </a:ext>
             </a:extLst>
           </p:cNvPr>
@@ -4324,25 +4389,145 @@
             <a:spLocks noGrp="1"/>
           </p:cNvSpPr>
           <p:nvPr>
-            <p:ph type="subTitle" idx="1"/>
-          </p:nvPr>
-        </p:nvSpPr>
-        <p:spPr/>
-        <p:txBody>
-          <a:bodyPr/>
-          <a:lstStyle/>
-          <a:p>
-            <a:r>
-              <a:rPr lang="en-US" dirty="0"/>
-              <a:t>MVC APP WITH CLIENT SIDE BRIDGE SCRIPTING</a:t>
-            </a:r>
-          </a:p>
-        </p:txBody>
-      </p:sp>
+            <p:ph idx="1"/>
+          </p:nvPr>
+        </p:nvSpPr>
+        <p:spPr/>
+        <p:txBody>
+          <a:bodyPr/>
+          <a:lstStyle/>
+          <a:p>
+            <a:pPr>
+              <a:buFont typeface="Arial" panose="020B0604020202020204" pitchFamily="34" charset="0"/>
+              <a:buChar char="•"/>
+            </a:pPr>
+            <a:endParaRPr lang="en-US" dirty="0"/>
+          </a:p>
+        </p:txBody>
+      </p:sp>
+      <p:sp>
+        <p:nvSpPr>
+          <p:cNvPr id="10" name="Text Placeholder 9">
+            <a:extLst>
+              <a:ext uri="{FF2B5EF4-FFF2-40B4-BE49-F238E27FC236}">
+                <a16:creationId xmlns:a16="http://schemas.microsoft.com/office/drawing/2014/main" id="{110E64C6-EB11-4D24-8EA1-9A2F927F9E5F}"/>
+              </a:ext>
+            </a:extLst>
+          </p:cNvPr>
+          <p:cNvSpPr>
+            <a:spLocks noGrp="1"/>
+          </p:cNvSpPr>
+          <p:nvPr>
+            <p:ph type="body" sz="half" idx="2"/>
+          </p:nvPr>
+        </p:nvSpPr>
+        <p:spPr/>
+        <p:txBody>
+          <a:bodyPr>
+            <a:normAutofit/>
+          </a:bodyPr>
+          <a:lstStyle/>
+          <a:p>
+            <a:pPr>
+              <a:buFont typeface="Arial" panose="020B0604020202020204" pitchFamily="34" charset="0"/>
+              <a:buChar char="•"/>
+            </a:pPr>
+            <a:r>
+              <a:rPr lang="en-US" dirty="0"/>
+              <a:t> Common “Validation Engine” written in C#</a:t>
+            </a:r>
+          </a:p>
+          <a:p>
+            <a:pPr>
+              <a:buFont typeface="Arial" panose="020B0604020202020204" pitchFamily="34" charset="0"/>
+              <a:buChar char="•"/>
+            </a:pPr>
+            <a:r>
+              <a:rPr lang="en-US" dirty="0"/>
+              <a:t> </a:t>
+            </a:r>
+            <a:r>
+              <a:rPr lang="en-US" dirty="0" err="1"/>
+              <a:t>Transpiled</a:t>
+            </a:r>
+            <a:r>
+              <a:rPr lang="en-US" dirty="0"/>
+              <a:t> to </a:t>
+            </a:r>
+            <a:r>
+              <a:rPr lang="en-US" dirty="0" err="1"/>
+              <a:t>Javascript</a:t>
+            </a:r>
+            <a:r>
+              <a:rPr lang="en-US" dirty="0"/>
+              <a:t> using Bridge</a:t>
+            </a:r>
+          </a:p>
+          <a:p>
+            <a:pPr>
+              <a:buFont typeface="Arial" panose="020B0604020202020204" pitchFamily="34" charset="0"/>
+              <a:buChar char="•"/>
+            </a:pPr>
+            <a:r>
+              <a:rPr lang="en-US" dirty="0"/>
+              <a:t> Runs inside Angular SPA allowing real-time form calculations/validations</a:t>
+            </a:r>
+          </a:p>
+          <a:p>
+            <a:pPr>
+              <a:buFont typeface="Arial" panose="020B0604020202020204" pitchFamily="34" charset="0"/>
+              <a:buChar char="•"/>
+            </a:pPr>
+            <a:r>
+              <a:rPr lang="en-US" dirty="0"/>
+              <a:t> Forms are edited in editor by non-developers with real time preview</a:t>
+            </a:r>
+          </a:p>
+          <a:p>
+            <a:pPr>
+              <a:buFont typeface="Arial" panose="020B0604020202020204" pitchFamily="34" charset="0"/>
+              <a:buChar char="•"/>
+            </a:pPr>
+            <a:r>
+              <a:rPr lang="en-US" dirty="0"/>
+              <a:t> Forms are published as JSON metadata</a:t>
+            </a:r>
+          </a:p>
+        </p:txBody>
+      </p:sp>
+      <p:pic>
+        <p:nvPicPr>
+          <p:cNvPr id="9" name="Content Placeholder 4">
+            <a:extLst>
+              <a:ext uri="{FF2B5EF4-FFF2-40B4-BE49-F238E27FC236}">
+                <a16:creationId xmlns:a16="http://schemas.microsoft.com/office/drawing/2014/main" id="{C70A96D0-6C55-4F79-81F7-C058266A950C}"/>
+              </a:ext>
+            </a:extLst>
+          </p:cNvPr>
+          <p:cNvPicPr>
+            <a:picLocks noGrp="1" noChangeAspect="1"/>
+          </p:cNvPicPr>
+          <p:nvPr>
+            <p:ph sz="half" idx="4294967295"/>
+          </p:nvPr>
+        </p:nvPicPr>
+        <p:blipFill>
+          <a:blip r:embed="rId2"/>
+          <a:stretch>
+            <a:fillRect/>
+          </a:stretch>
+        </p:blipFill>
+        <p:spPr>
+          <a:xfrm>
+            <a:off x="4179531" y="1501400"/>
+            <a:ext cx="8012469" cy="4153087"/>
+          </a:xfrm>
+        </p:spPr>
+      </p:pic>
     </p:spTree>
     <p:extLst>
       <p:ext uri="{BB962C8B-B14F-4D97-AF65-F5344CB8AC3E}">
-        <p14:creationId xmlns:p14="http://schemas.microsoft.com/office/powerpoint/2010/main" val="2451102722"/>
+        <p14:creationId xmlns:p14="http://schemas.microsoft.com/office/powerpoint/2010/main" val="3435262763"/>
       </p:ext>
     </p:extLst>
   </p:cSld>
@@ -4387,12 +4572,22 @@
         </p:nvSpPr>
         <p:spPr/>
         <p:txBody>
-          <a:bodyPr/>
-          <a:lstStyle/>
-          <a:p>
-            <a:r>
-              <a:rPr lang="en-US" dirty="0"/>
-              <a:t>Use Case: Client Side Scripting (SPA)</a:t>
+          <a:bodyPr>
+            <a:normAutofit/>
+          </a:bodyPr>
+          <a:lstStyle/>
+          <a:p>
+            <a:r>
+              <a:rPr lang="en-US" sz="4400" dirty="0"/>
+              <a:t>Use Case: SPA with </a:t>
+            </a:r>
+            <a:r>
+              <a:rPr lang="en-US" sz="4400" dirty="0" err="1"/>
+              <a:t>Transpiled</a:t>
+            </a:r>
+            <a:r>
+              <a:rPr lang="en-US" sz="4400" dirty="0"/>
+              <a:t> Business Logic</a:t>
             </a:r>
           </a:p>
         </p:txBody>
@@ -4424,7 +4619,7 @@
             </a:pPr>
             <a:r>
               <a:rPr lang="en-US" dirty="0"/>
-              <a:t> PRO: Same as MVC – it’s .NET!</a:t>
+              <a:t> PRO: Business logic is equivalent without any extra work</a:t>
             </a:r>
           </a:p>
           <a:p>
@@ -4434,7 +4629,23 @@
             </a:pPr>
             <a:r>
               <a:rPr lang="en-US" dirty="0"/>
-              <a:t> CON: Depending on the framework you’re using, you may be missing out on additional functionality provided by framework build processes (JSX in react)</a:t>
+              <a:t> CON: Interop between </a:t>
+            </a:r>
+            <a:r>
+              <a:rPr lang="en-US" dirty="0" err="1"/>
+              <a:t>Javascript</a:t>
+            </a:r>
+            <a:r>
+              <a:rPr lang="en-US" dirty="0"/>
+              <a:t> and </a:t>
+            </a:r>
+            <a:r>
+              <a:rPr lang="en-US" dirty="0" err="1"/>
+              <a:t>transpiled</a:t>
+            </a:r>
+            <a:r>
+              <a:rPr lang="en-US" dirty="0"/>
+              <a:t> code can be nasty, especially with generics</a:t>
             </a:r>
           </a:p>
         </p:txBody>
@@ -4442,7 +4653,7 @@
     </p:spTree>
     <p:extLst>
       <p:ext uri="{BB962C8B-B14F-4D97-AF65-F5344CB8AC3E}">
-        <p14:creationId xmlns:p14="http://schemas.microsoft.com/office/powerpoint/2010/main" val="1799532902"/>
+        <p14:creationId xmlns:p14="http://schemas.microsoft.com/office/powerpoint/2010/main" val="3936768775"/>
       </p:ext>
     </p:extLst>
   </p:cSld>
@@ -4515,6 +4726,200 @@
         </p:nvSpPr>
         <p:spPr/>
         <p:txBody>
+          <a:bodyPr/>
+          <a:lstStyle/>
+          <a:p>
+            <a:r>
+              <a:rPr lang="en-US" dirty="0"/>
+              <a:t>Angular spa with </a:t>
+            </a:r>
+            <a:r>
+              <a:rPr lang="en-US" dirty="0" err="1"/>
+              <a:t>transpiled</a:t>
+            </a:r>
+            <a:r>
+              <a:rPr lang="en-US" dirty="0"/>
+              <a:t> business logic</a:t>
+            </a:r>
+          </a:p>
+        </p:txBody>
+      </p:sp>
+    </p:spTree>
+    <p:extLst>
+      <p:ext uri="{BB962C8B-B14F-4D97-AF65-F5344CB8AC3E}">
+        <p14:creationId xmlns:p14="http://schemas.microsoft.com/office/powerpoint/2010/main" val="3122916019"/>
+      </p:ext>
+    </p:extLst>
+  </p:cSld>
+  <p:clrMapOvr>
+    <a:masterClrMapping/>
+  </p:clrMapOvr>
+</p:sld>
+</file>
+
+<file path=ppt/slides/slide16.xml><?xml version="1.0" encoding="utf-8"?>
+<p:sld xmlns:a="http://schemas.openxmlformats.org/drawingml/2006/main" xmlns:r="http://schemas.openxmlformats.org/officeDocument/2006/relationships" xmlns:p="http://schemas.openxmlformats.org/presentationml/2006/main">
+  <p:cSld>
+    <p:spTree>
+      <p:nvGrpSpPr>
+        <p:cNvPr id="1" name=""/>
+        <p:cNvGrpSpPr/>
+        <p:nvPr/>
+      </p:nvGrpSpPr>
+      <p:grpSpPr>
+        <a:xfrm>
+          <a:off x="0" y="0"/>
+          <a:ext cx="0" cy="0"/>
+          <a:chOff x="0" y="0"/>
+          <a:chExt cx="0" cy="0"/>
+        </a:xfrm>
+      </p:grpSpPr>
+      <p:sp>
+        <p:nvSpPr>
+          <p:cNvPr id="2" name="Title 1">
+            <a:extLst>
+              <a:ext uri="{FF2B5EF4-FFF2-40B4-BE49-F238E27FC236}">
+                <a16:creationId xmlns:a16="http://schemas.microsoft.com/office/drawing/2014/main" id="{3828297B-80B3-4E2C-AFCF-A02F37BCFD87}"/>
+              </a:ext>
+            </a:extLst>
+          </p:cNvPr>
+          <p:cNvSpPr>
+            <a:spLocks noGrp="1"/>
+          </p:cNvSpPr>
+          <p:nvPr>
+            <p:ph type="title"/>
+          </p:nvPr>
+        </p:nvSpPr>
+        <p:spPr/>
+        <p:txBody>
+          <a:bodyPr/>
+          <a:lstStyle/>
+          <a:p>
+            <a:r>
+              <a:rPr lang="en-US" dirty="0"/>
+              <a:t>Dragons: Full Client Side Scripting (SPA)</a:t>
+            </a:r>
+          </a:p>
+        </p:txBody>
+      </p:sp>
+      <p:sp>
+        <p:nvSpPr>
+          <p:cNvPr id="3" name="Content Placeholder 2">
+            <a:extLst>
+              <a:ext uri="{FF2B5EF4-FFF2-40B4-BE49-F238E27FC236}">
+                <a16:creationId xmlns:a16="http://schemas.microsoft.com/office/drawing/2014/main" id="{DE03C8C4-2337-4316-B021-1D5AFB73488A}"/>
+              </a:ext>
+            </a:extLst>
+          </p:cNvPr>
+          <p:cNvSpPr>
+            <a:spLocks noGrp="1"/>
+          </p:cNvSpPr>
+          <p:nvPr>
+            <p:ph idx="1"/>
+          </p:nvPr>
+        </p:nvSpPr>
+        <p:spPr/>
+        <p:txBody>
+          <a:bodyPr/>
+          <a:lstStyle/>
+          <a:p>
+            <a:pPr>
+              <a:buFont typeface="Arial" panose="020B0604020202020204" pitchFamily="34" charset="0"/>
+              <a:buChar char="•"/>
+            </a:pPr>
+            <a:r>
+              <a:rPr lang="en-US" dirty="0"/>
+              <a:t> PRO: Same as MVC – it’s .NET!</a:t>
+            </a:r>
+          </a:p>
+          <a:p>
+            <a:pPr>
+              <a:buFont typeface="Arial" panose="020B0604020202020204" pitchFamily="34" charset="0"/>
+              <a:buChar char="•"/>
+            </a:pPr>
+            <a:r>
+              <a:rPr lang="en-US" dirty="0"/>
+              <a:t> CON: Depending on the framework you’re using, you may be missing out on additional functionality provided by framework build processes (JSX in react)</a:t>
+            </a:r>
+          </a:p>
+        </p:txBody>
+      </p:sp>
+    </p:spTree>
+    <p:extLst>
+      <p:ext uri="{BB962C8B-B14F-4D97-AF65-F5344CB8AC3E}">
+        <p14:creationId xmlns:p14="http://schemas.microsoft.com/office/powerpoint/2010/main" val="1799532902"/>
+      </p:ext>
+    </p:extLst>
+  </p:cSld>
+  <p:clrMapOvr>
+    <a:masterClrMapping/>
+  </p:clrMapOvr>
+</p:sld>
+</file>
+
+<file path=ppt/slides/slide17.xml><?xml version="1.0" encoding="utf-8"?>
+<p:sld xmlns:a="http://schemas.openxmlformats.org/drawingml/2006/main" xmlns:r="http://schemas.openxmlformats.org/officeDocument/2006/relationships" xmlns:p="http://schemas.openxmlformats.org/presentationml/2006/main">
+  <p:cSld>
+    <p:spTree>
+      <p:nvGrpSpPr>
+        <p:cNvPr id="1" name=""/>
+        <p:cNvGrpSpPr/>
+        <p:nvPr/>
+      </p:nvGrpSpPr>
+      <p:grpSpPr>
+        <a:xfrm>
+          <a:off x="0" y="0"/>
+          <a:ext cx="0" cy="0"/>
+          <a:chOff x="0" y="0"/>
+          <a:chExt cx="0" cy="0"/>
+        </a:xfrm>
+      </p:grpSpPr>
+      <p:sp>
+        <p:nvSpPr>
+          <p:cNvPr id="2" name="Title 1">
+            <a:extLst>
+              <a:ext uri="{FF2B5EF4-FFF2-40B4-BE49-F238E27FC236}">
+                <a16:creationId xmlns:a16="http://schemas.microsoft.com/office/drawing/2014/main" id="{4AD4C152-7495-4980-B3A3-5DB6A3FB6705}"/>
+              </a:ext>
+            </a:extLst>
+          </p:cNvPr>
+          <p:cNvSpPr>
+            <a:spLocks noGrp="1"/>
+          </p:cNvSpPr>
+          <p:nvPr>
+            <p:ph type="ctrTitle"/>
+          </p:nvPr>
+        </p:nvSpPr>
+        <p:spPr/>
+        <p:txBody>
+          <a:bodyPr/>
+          <a:lstStyle/>
+          <a:p>
+            <a:r>
+              <a:rPr lang="en-US" dirty="0"/>
+              <a:t>DEMO</a:t>
+            </a:r>
+          </a:p>
+        </p:txBody>
+      </p:sp>
+      <p:sp>
+        <p:nvSpPr>
+          <p:cNvPr id="5" name="Subtitle 4">
+            <a:extLst>
+              <a:ext uri="{FF2B5EF4-FFF2-40B4-BE49-F238E27FC236}">
+                <a16:creationId xmlns:a16="http://schemas.microsoft.com/office/drawing/2014/main" id="{E8D2EE01-206B-4B8F-97F0-3DE8D92389FE}"/>
+              </a:ext>
+            </a:extLst>
+          </p:cNvPr>
+          <p:cNvSpPr>
+            <a:spLocks noGrp="1"/>
+          </p:cNvSpPr>
+          <p:nvPr>
+            <p:ph type="subTitle" idx="1"/>
+          </p:nvPr>
+        </p:nvSpPr>
+        <p:spPr/>
+        <p:txBody>
           <a:bodyPr>
             <a:normAutofit fontScale="92500"/>
           </a:bodyPr>
@@ -4549,7 +4954,7 @@
 </p:sld>
 </file>
 
-<file path=ppt/slides/slide16.xml><?xml version="1.0" encoding="utf-8"?>
+<file path=ppt/slides/slide18.xml><?xml version="1.0" encoding="utf-8"?>
 <p:sld xmlns:a="http://schemas.openxmlformats.org/drawingml/2006/main" xmlns:r="http://schemas.openxmlformats.org/officeDocument/2006/relationships" xmlns:p="http://schemas.openxmlformats.org/presentationml/2006/main">
   <p:cSld>
     <p:spTree>
@@ -4996,6 +5401,42 @@
             </a:r>
           </a:p>
           <a:p>
+            <a:pPr lvl="1">
+              <a:buFont typeface="Arial" panose="020B0604020202020204" pitchFamily="34" charset="0"/>
+              <a:buChar char="•"/>
+            </a:pPr>
+            <a:r>
+              <a:rPr lang="en-US" dirty="0"/>
+              <a:t>Creates an equivalent </a:t>
+            </a:r>
+            <a:r>
+              <a:rPr lang="en-US" dirty="0" err="1"/>
+              <a:t>Javascript</a:t>
+            </a:r>
+            <a:r>
+              <a:rPr lang="en-US" dirty="0"/>
+              <a:t> version of your C# code</a:t>
+            </a:r>
+          </a:p>
+          <a:p>
+            <a:pPr lvl="1">
+              <a:buFont typeface="Arial" panose="020B0604020202020204" pitchFamily="34" charset="0"/>
+              <a:buChar char="•"/>
+            </a:pPr>
+            <a:r>
+              <a:rPr lang="en-US" dirty="0"/>
+              <a:t>Runs on a </a:t>
+            </a:r>
+            <a:r>
+              <a:rPr lang="en-US" dirty="0" err="1"/>
+              <a:t>Javascript</a:t>
+            </a:r>
+            <a:r>
+              <a:rPr lang="en-US" dirty="0"/>
+              <a:t> reimplementation of most of the .NET BCL</a:t>
+            </a:r>
+          </a:p>
+          <a:p>
             <a:pPr>
               <a:buFont typeface="Arial" panose="020B0604020202020204" pitchFamily="34" charset="0"/>
               <a:buChar char="•"/>
@@ -5201,7 +5642,7 @@
             </a:r>
             <a:r>
               <a:rPr lang="en-US" dirty="0"/>
-              <a:t> as is</a:t>
+              <a:t> as is – the abstraction doesn’t leak if the business logic doesn’t know about a browser</a:t>
             </a:r>
           </a:p>
           <a:p>
@@ -5228,6 +5669,24 @@
             <a:r>
               <a:rPr lang="en-US" dirty="0"/>
               <a:t> them</a:t>
+            </a:r>
+          </a:p>
+          <a:p>
+            <a:pPr lvl="1">
+              <a:buFont typeface="Arial" panose="020B0604020202020204" pitchFamily="34" charset="0"/>
+              <a:buChar char="•"/>
+            </a:pPr>
+            <a:r>
+              <a:rPr lang="en-US" dirty="0"/>
+              <a:t>One major exception is </a:t>
+            </a:r>
+            <a:r>
+              <a:rPr lang="en-US" dirty="0" err="1"/>
+              <a:t>JSON.Net</a:t>
+            </a:r>
+            <a:r>
+              <a:rPr lang="en-US" dirty="0"/>
+              <a:t>, which has a Bridge implementation</a:t>
             </a:r>
           </a:p>
           <a:p>
@@ -5414,7 +5873,7 @@
           <p:cNvPr id="2" name="Title 1">
             <a:extLst>
               <a:ext uri="{FF2B5EF4-FFF2-40B4-BE49-F238E27FC236}">
-                <a16:creationId xmlns:a16="http://schemas.microsoft.com/office/drawing/2014/main" id="{A27173B2-A23D-4016-86EF-37740D372BF0}"/>
+                <a16:creationId xmlns:a16="http://schemas.microsoft.com/office/drawing/2014/main" id="{8DCC0388-E0BA-41EC-8675-EA15CDCCA1A9}"/>
               </a:ext>
             </a:extLst>
           </p:cNvPr>
@@ -5432,200 +5891,324 @@
           <a:p>
             <a:r>
               <a:rPr lang="en-US" dirty="0"/>
-              <a:t>Gotchas: Performance</a:t>
-            </a:r>
-          </a:p>
-        </p:txBody>
-      </p:sp>
-      <p:sp>
-        <p:nvSpPr>
-          <p:cNvPr id="4" name="Text Placeholder 3">
+              <a:t>Use Cases</a:t>
+            </a:r>
+          </a:p>
+        </p:txBody>
+      </p:sp>
+      <p:graphicFrame>
+        <p:nvGraphicFramePr>
+          <p:cNvPr id="4" name="Content Placeholder 3">
             <a:extLst>
               <a:ext uri="{FF2B5EF4-FFF2-40B4-BE49-F238E27FC236}">
-                <a16:creationId xmlns:a16="http://schemas.microsoft.com/office/drawing/2014/main" id="{22BC2ACC-7491-4BB4-8583-B670B228D087}"/>
+                <a16:creationId xmlns:a16="http://schemas.microsoft.com/office/drawing/2014/main" id="{52135514-A732-4DF4-BCB7-F62A16E114D8}"/>
               </a:ext>
             </a:extLst>
           </p:cNvPr>
-          <p:cNvSpPr>
-            <a:spLocks noGrp="1"/>
-          </p:cNvSpPr>
-          <p:nvPr>
-            <p:ph type="body" idx="1"/>
-          </p:nvPr>
-        </p:nvSpPr>
-        <p:spPr/>
-        <p:txBody>
-          <a:bodyPr/>
-          <a:lstStyle/>
-          <a:p>
-            <a:r>
-              <a:rPr lang="en-US" dirty="0"/>
-              <a:t>Fast</a:t>
-            </a:r>
-          </a:p>
-        </p:txBody>
-      </p:sp>
-      <p:sp>
-        <p:nvSpPr>
-          <p:cNvPr id="5" name="Content Placeholder 4">
+          <p:cNvGraphicFramePr>
+            <a:graphicFrameLocks noGrp="1"/>
+          </p:cNvGraphicFramePr>
+          <p:nvPr>
+            <p:ph idx="1"/>
+            <p:extLst>
+              <p:ext uri="{D42A27DB-BD31-4B8C-83A1-F6EECF244321}">
+                <p14:modId xmlns:p14="http://schemas.microsoft.com/office/powerpoint/2010/main" val="1691263096"/>
+              </p:ext>
+            </p:extLst>
+          </p:nvPr>
+        </p:nvGraphicFramePr>
+        <p:xfrm>
+          <a:off x="1096963" y="1846263"/>
+          <a:ext cx="10058400" cy="4251342"/>
+        </p:xfrm>
+        <a:graphic>
+          <a:graphicData uri="http://schemas.openxmlformats.org/drawingml/2006/table">
+            <a:tbl>
+              <a:tblPr firstRow="1" bandRow="1">
+                <a:tableStyleId>{5C22544A-7EE6-4342-B048-85BDC9FD1C3A}</a:tableStyleId>
+              </a:tblPr>
+              <a:tblGrid>
+                <a:gridCol w="3352800">
+                  <a:extLst>
+                    <a:ext uri="{9D8B030D-6E8A-4147-A177-3AD203B41FA5}">
+                      <a16:colId xmlns:a16="http://schemas.microsoft.com/office/drawing/2014/main" val="3907161608"/>
+                    </a:ext>
+                  </a:extLst>
+                </a:gridCol>
+                <a:gridCol w="3352800">
+                  <a:extLst>
+                    <a:ext uri="{9D8B030D-6E8A-4147-A177-3AD203B41FA5}">
+                      <a16:colId xmlns:a16="http://schemas.microsoft.com/office/drawing/2014/main" val="3273445026"/>
+                    </a:ext>
+                  </a:extLst>
+                </a:gridCol>
+                <a:gridCol w="3352800">
+                  <a:extLst>
+                    <a:ext uri="{9D8B030D-6E8A-4147-A177-3AD203B41FA5}">
+                      <a16:colId xmlns:a16="http://schemas.microsoft.com/office/drawing/2014/main" val="626082301"/>
+                    </a:ext>
+                  </a:extLst>
+                </a:gridCol>
+              </a:tblGrid>
+              <a:tr h="1417114">
+                <a:tc>
+                  <a:txBody>
+                    <a:bodyPr/>
+                    <a:lstStyle/>
+                    <a:p>
+                      <a:endParaRPr lang="en-US" dirty="0"/>
+                    </a:p>
+                  </a:txBody>
+                  <a:tcPr/>
+                </a:tc>
+                <a:tc>
+                  <a:txBody>
+                    <a:bodyPr/>
+                    <a:lstStyle/>
+                    <a:p>
+                      <a:pPr algn="ctr"/>
+                      <a:r>
+                        <a:rPr lang="en-US" dirty="0"/>
+                        <a:t>Traditional Web Site</a:t>
+                      </a:r>
+                    </a:p>
+                  </a:txBody>
+                  <a:tcPr anchor="ctr"/>
+                </a:tc>
+                <a:tc>
+                  <a:txBody>
+                    <a:bodyPr/>
+                    <a:lstStyle/>
+                    <a:p>
+                      <a:pPr algn="ctr"/>
+                      <a:r>
+                        <a:rPr lang="en-US" dirty="0"/>
+                        <a:t>SPA</a:t>
+                      </a:r>
+                    </a:p>
+                  </a:txBody>
+                  <a:tcPr anchor="ctr"/>
+                </a:tc>
+                <a:extLst>
+                  <a:ext uri="{0D108BD9-81ED-4DB2-BD59-A6C34878D82A}">
+                    <a16:rowId xmlns:a16="http://schemas.microsoft.com/office/drawing/2014/main" val="3672708108"/>
+                  </a:ext>
+                </a:extLst>
+              </a:tr>
+              <a:tr h="1417114">
+                <a:tc>
+                  <a:txBody>
+                    <a:bodyPr/>
+                    <a:lstStyle/>
+                    <a:p>
+                      <a:pPr algn="ctr"/>
+                      <a:r>
+                        <a:rPr lang="en-US" dirty="0" err="1"/>
+                        <a:t>Transpile</a:t>
+                      </a:r>
+                      <a:r>
+                        <a:rPr lang="en-US" dirty="0"/>
+                        <a:t> Business Logic</a:t>
+                      </a:r>
+                    </a:p>
+                  </a:txBody>
+                  <a:tcPr anchor="ctr"/>
+                </a:tc>
+                <a:tc>
+                  <a:txBody>
+                    <a:bodyPr/>
+                    <a:lstStyle/>
+                    <a:p>
+                      <a:endParaRPr lang="en-US" dirty="0"/>
+                    </a:p>
+                  </a:txBody>
+                  <a:tcPr/>
+                </a:tc>
+                <a:tc>
+                  <a:txBody>
+                    <a:bodyPr/>
+                    <a:lstStyle/>
+                    <a:p>
+                      <a:endParaRPr lang="en-US" dirty="0"/>
+                    </a:p>
+                  </a:txBody>
+                  <a:tcPr/>
+                </a:tc>
+                <a:extLst>
+                  <a:ext uri="{0D108BD9-81ED-4DB2-BD59-A6C34878D82A}">
+                    <a16:rowId xmlns:a16="http://schemas.microsoft.com/office/drawing/2014/main" val="3029514071"/>
+                  </a:ext>
+                </a:extLst>
+              </a:tr>
+              <a:tr h="1417114">
+                <a:tc>
+                  <a:txBody>
+                    <a:bodyPr/>
+                    <a:lstStyle/>
+                    <a:p>
+                      <a:pPr algn="ctr"/>
+                      <a:r>
+                        <a:rPr lang="en-US" dirty="0"/>
+                        <a:t>Write all Client Side Logic in Bridge</a:t>
+                      </a:r>
+                    </a:p>
+                  </a:txBody>
+                  <a:tcPr anchor="ctr"/>
+                </a:tc>
+                <a:tc>
+                  <a:txBody>
+                    <a:bodyPr/>
+                    <a:lstStyle/>
+                    <a:p>
+                      <a:endParaRPr lang="en-US"/>
+                    </a:p>
+                  </a:txBody>
+                  <a:tcPr/>
+                </a:tc>
+                <a:tc>
+                  <a:txBody>
+                    <a:bodyPr/>
+                    <a:lstStyle/>
+                    <a:p>
+                      <a:endParaRPr lang="en-US" dirty="0"/>
+                    </a:p>
+                  </a:txBody>
+                  <a:tcPr/>
+                </a:tc>
+                <a:extLst>
+                  <a:ext uri="{0D108BD9-81ED-4DB2-BD59-A6C34878D82A}">
+                    <a16:rowId xmlns:a16="http://schemas.microsoft.com/office/drawing/2014/main" val="2640992299"/>
+                  </a:ext>
+                </a:extLst>
+              </a:tr>
+            </a:tbl>
+          </a:graphicData>
+        </a:graphic>
+      </p:graphicFrame>
+      <p:pic>
+        <p:nvPicPr>
+          <p:cNvPr id="6" name="Picture 5">
             <a:extLst>
               <a:ext uri="{FF2B5EF4-FFF2-40B4-BE49-F238E27FC236}">
-                <a16:creationId xmlns:a16="http://schemas.microsoft.com/office/drawing/2014/main" id="{D7153759-8016-460D-96A2-87C14F22EB9F}"/>
+                <a16:creationId xmlns:a16="http://schemas.microsoft.com/office/drawing/2014/main" id="{112B328A-25E0-44CD-9497-E74B3C30B736}"/>
               </a:ext>
             </a:extLst>
           </p:cNvPr>
-          <p:cNvSpPr>
-            <a:spLocks noGrp="1"/>
-          </p:cNvSpPr>
-          <p:nvPr>
-            <p:ph sz="half" idx="2"/>
-          </p:nvPr>
-        </p:nvSpPr>
-        <p:spPr/>
-        <p:txBody>
-          <a:bodyPr/>
-          <a:lstStyle/>
-          <a:p>
-            <a:pPr>
-              <a:buFont typeface="Arial" panose="020B0604020202020204" pitchFamily="34" charset="0"/>
-              <a:buChar char="•"/>
-            </a:pPr>
-            <a:r>
-              <a:rPr lang="en-US" dirty="0"/>
-              <a:t> Simple logic that can be translated directly to </a:t>
-            </a:r>
-            <a:r>
-              <a:rPr lang="en-US" dirty="0" err="1"/>
-              <a:t>Javascript</a:t>
-            </a:r>
-            <a:r>
-              <a:rPr lang="en-US" dirty="0"/>
-              <a:t> (int/float/double math/simple regexes)</a:t>
-            </a:r>
-          </a:p>
-          <a:p>
-            <a:pPr>
-              <a:buFont typeface="Arial" panose="020B0604020202020204" pitchFamily="34" charset="0"/>
-              <a:buChar char="•"/>
-            </a:pPr>
-            <a:r>
-              <a:rPr lang="en-US" dirty="0"/>
-              <a:t> </a:t>
-            </a:r>
-            <a:r>
-              <a:rPr lang="en-US" dirty="0" err="1"/>
-              <a:t>Linq</a:t>
-            </a:r>
-            <a:r>
-              <a:rPr lang="en-US" dirty="0"/>
-              <a:t> is generally fairly quick as long as you’re doing </a:t>
-            </a:r>
-            <a:r>
-              <a:rPr lang="en-US"/>
-              <a:t>simple comparisons</a:t>
-            </a:r>
-            <a:endParaRPr lang="en-US" dirty="0"/>
-          </a:p>
-        </p:txBody>
-      </p:sp>
-      <p:sp>
-        <p:nvSpPr>
-          <p:cNvPr id="6" name="Text Placeholder 5">
+          <p:cNvPicPr>
+            <a:picLocks noChangeAspect="1"/>
+          </p:cNvPicPr>
+          <p:nvPr/>
+        </p:nvPicPr>
+        <p:blipFill>
+          <a:blip r:embed="rId2"/>
+          <a:stretch>
+            <a:fillRect/>
+          </a:stretch>
+        </p:blipFill>
+        <p:spPr>
+          <a:xfrm>
+            <a:off x="5554734" y="3429000"/>
+            <a:ext cx="1142857" cy="1142857"/>
+          </a:xfrm>
+          <a:prstGeom prst="rect">
+            <a:avLst/>
+          </a:prstGeom>
+        </p:spPr>
+      </p:pic>
+      <p:pic>
+        <p:nvPicPr>
+          <p:cNvPr id="7" name="Picture 6">
             <a:extLst>
               <a:ext uri="{FF2B5EF4-FFF2-40B4-BE49-F238E27FC236}">
-                <a16:creationId xmlns:a16="http://schemas.microsoft.com/office/drawing/2014/main" id="{5BD239DA-301E-467D-B4CA-5CE1F32F536A}"/>
+                <a16:creationId xmlns:a16="http://schemas.microsoft.com/office/drawing/2014/main" id="{9EF923D3-885D-43EC-ACF8-8AB8D2C17165}"/>
               </a:ext>
             </a:extLst>
           </p:cNvPr>
-          <p:cNvSpPr>
-            <a:spLocks noGrp="1"/>
-          </p:cNvSpPr>
-          <p:nvPr>
-            <p:ph type="body" sz="quarter" idx="3"/>
-          </p:nvPr>
-        </p:nvSpPr>
-        <p:spPr/>
-        <p:txBody>
-          <a:bodyPr/>
-          <a:lstStyle/>
-          <a:p>
-            <a:r>
-              <a:rPr lang="en-US" dirty="0"/>
-              <a:t>Slow</a:t>
-            </a:r>
-          </a:p>
-        </p:txBody>
-      </p:sp>
-      <p:sp>
-        <p:nvSpPr>
-          <p:cNvPr id="7" name="Content Placeholder 6">
+          <p:cNvPicPr>
+            <a:picLocks noChangeAspect="1"/>
+          </p:cNvPicPr>
+          <p:nvPr/>
+        </p:nvPicPr>
+        <p:blipFill>
+          <a:blip r:embed="rId2"/>
+          <a:stretch>
+            <a:fillRect/>
+          </a:stretch>
+        </p:blipFill>
+        <p:spPr>
+          <a:xfrm>
+            <a:off x="5554734" y="4856746"/>
+            <a:ext cx="1142857" cy="1142857"/>
+          </a:xfrm>
+          <a:prstGeom prst="rect">
+            <a:avLst/>
+          </a:prstGeom>
+        </p:spPr>
+      </p:pic>
+      <p:pic>
+        <p:nvPicPr>
+          <p:cNvPr id="8" name="Picture 7">
             <a:extLst>
               <a:ext uri="{FF2B5EF4-FFF2-40B4-BE49-F238E27FC236}">
-                <a16:creationId xmlns:a16="http://schemas.microsoft.com/office/drawing/2014/main" id="{D8344044-180D-4850-B6F4-C2B6538F62AC}"/>
+                <a16:creationId xmlns:a16="http://schemas.microsoft.com/office/drawing/2014/main" id="{1C138CD3-3933-4ECC-B1E5-D9AB6AD88BD3}"/>
               </a:ext>
             </a:extLst>
           </p:cNvPr>
-          <p:cNvSpPr>
-            <a:spLocks noGrp="1"/>
-          </p:cNvSpPr>
-          <p:nvPr>
-            <p:ph sz="quarter" idx="4"/>
-          </p:nvPr>
-        </p:nvSpPr>
-        <p:spPr/>
-        <p:txBody>
-          <a:bodyPr/>
-          <a:lstStyle/>
-          <a:p>
-            <a:pPr>
-              <a:buFont typeface="Arial" panose="020B0604020202020204" pitchFamily="34" charset="0"/>
-              <a:buChar char="•"/>
-            </a:pPr>
-            <a:r>
-              <a:rPr lang="en-US" dirty="0"/>
-              <a:t> </a:t>
-            </a:r>
-            <a:r>
-              <a:rPr lang="en-US" dirty="0" err="1"/>
-              <a:t>.Net</a:t>
-            </a:r>
-            <a:r>
-              <a:rPr lang="en-US" dirty="0"/>
-              <a:t> types that don’t translate to </a:t>
-            </a:r>
-            <a:r>
-              <a:rPr lang="en-US" dirty="0" err="1"/>
-              <a:t>Javascript</a:t>
-            </a:r>
-            <a:r>
-              <a:rPr lang="en-US" dirty="0"/>
-              <a:t> (decimal math)</a:t>
-            </a:r>
-          </a:p>
-          <a:p>
-            <a:pPr>
-              <a:buFont typeface="Arial" panose="020B0604020202020204" pitchFamily="34" charset="0"/>
-              <a:buChar char="•"/>
-            </a:pPr>
-            <a:r>
-              <a:rPr lang="en-US" dirty="0"/>
-              <a:t> Boxing/unboxing between Bridge and </a:t>
-            </a:r>
-            <a:r>
-              <a:rPr lang="en-US" dirty="0" err="1"/>
-              <a:t>Javascript</a:t>
-            </a:r>
-            <a:r>
-              <a:rPr lang="en-US" dirty="0"/>
-              <a:t> Types</a:t>
-            </a:r>
-          </a:p>
-        </p:txBody>
-      </p:sp>
+          <p:cNvPicPr>
+            <a:picLocks noChangeAspect="1"/>
+          </p:cNvPicPr>
+          <p:nvPr/>
+        </p:nvPicPr>
+        <p:blipFill>
+          <a:blip r:embed="rId2"/>
+          <a:stretch>
+            <a:fillRect/>
+          </a:stretch>
+        </p:blipFill>
+        <p:spPr>
+          <a:xfrm>
+            <a:off x="8895346" y="3400505"/>
+            <a:ext cx="1142857" cy="1142857"/>
+          </a:xfrm>
+          <a:prstGeom prst="rect">
+            <a:avLst/>
+          </a:prstGeom>
+        </p:spPr>
+      </p:pic>
+      <p:pic>
+        <p:nvPicPr>
+          <p:cNvPr id="10" name="Picture 9" descr="A picture containing vector graphics&#10;&#10;Description automatically generated">
+            <a:extLst>
+              <a:ext uri="{FF2B5EF4-FFF2-40B4-BE49-F238E27FC236}">
+                <a16:creationId xmlns:a16="http://schemas.microsoft.com/office/drawing/2014/main" id="{4CF0281E-1835-4A53-B6A0-627DD6431B6E}"/>
+              </a:ext>
+            </a:extLst>
+          </p:cNvPr>
+          <p:cNvPicPr>
+            <a:picLocks noChangeAspect="1"/>
+          </p:cNvPicPr>
+          <p:nvPr/>
+        </p:nvPicPr>
+        <p:blipFill>
+          <a:blip r:embed="rId3"/>
+          <a:stretch>
+            <a:fillRect/>
+          </a:stretch>
+        </p:blipFill>
+        <p:spPr>
+          <a:xfrm>
+            <a:off x="8895346" y="4856745"/>
+            <a:ext cx="1142857" cy="1142857"/>
+          </a:xfrm>
+          <a:prstGeom prst="rect">
+            <a:avLst/>
+          </a:prstGeom>
+        </p:spPr>
+      </p:pic>
     </p:spTree>
     <p:extLst>
       <p:ext uri="{BB962C8B-B14F-4D97-AF65-F5344CB8AC3E}">
-        <p14:creationId xmlns:p14="http://schemas.microsoft.com/office/powerpoint/2010/main" val="1085837101"/>
+        <p14:creationId xmlns:p14="http://schemas.microsoft.com/office/powerpoint/2010/main" val="1711740003"/>
       </p:ext>
     </p:extLst>
   </p:cSld>
@@ -5657,7 +6240,7 @@
           <p:cNvPr id="2" name="Title 1">
             <a:extLst>
               <a:ext uri="{FF2B5EF4-FFF2-40B4-BE49-F238E27FC236}">
-                <a16:creationId xmlns:a16="http://schemas.microsoft.com/office/drawing/2014/main" id="{6F337665-2FC6-429E-9D06-41B06CB24D1E}"/>
+                <a16:creationId xmlns:a16="http://schemas.microsoft.com/office/drawing/2014/main" id="{3828297B-80B3-4E2C-AFCF-A02F37BCFD87}"/>
               </a:ext>
             </a:extLst>
           </p:cNvPr>
@@ -5675,7 +6258,7 @@
           <a:p>
             <a:r>
               <a:rPr lang="en-US" dirty="0"/>
-              <a:t>Gotchas</a:t>
+              <a:t>Use Case: Client Side Scripting (MVC)</a:t>
             </a:r>
           </a:p>
         </p:txBody>
@@ -5685,7 +6268,7 @@
           <p:cNvPr id="3" name="Content Placeholder 2">
             <a:extLst>
               <a:ext uri="{FF2B5EF4-FFF2-40B4-BE49-F238E27FC236}">
-                <a16:creationId xmlns:a16="http://schemas.microsoft.com/office/drawing/2014/main" id="{94800AB1-EF7E-4181-B04E-9F8A6B86AD2E}"/>
+                <a16:creationId xmlns:a16="http://schemas.microsoft.com/office/drawing/2014/main" id="{DE03C8C4-2337-4316-B021-1D5AFB73488A}"/>
               </a:ext>
             </a:extLst>
           </p:cNvPr>
@@ -5702,128 +6285,38 @@
           <a:lstStyle/>
           <a:p>
             <a:pPr>
-              <a:buFont typeface="Wingdings" panose="05000000000000000000" pitchFamily="2" charset="2"/>
-              <a:buChar char="§"/>
+              <a:buFont typeface="Arial" panose="020B0604020202020204" pitchFamily="34" charset="0"/>
+              <a:buChar char="•"/>
             </a:pPr>
             <a:r>
               <a:rPr lang="en-US" dirty="0"/>
-              <a:t> Performance </a:t>
-            </a:r>
-          </a:p>
-          <a:p>
-            <a:pPr lvl="1">
-              <a:buFont typeface="Wingdings" panose="05000000000000000000" pitchFamily="2" charset="2"/>
-              <a:buChar char="§"/>
+              <a:t> PRO: Use everything you love about .NET (</a:t>
+            </a:r>
+            <a:r>
+              <a:rPr lang="en-US" dirty="0" err="1"/>
+              <a:t>Linq</a:t>
+            </a:r>
+            <a:r>
+              <a:rPr lang="en-US" dirty="0"/>
+              <a:t>, decimals, sane OOP)</a:t>
+            </a:r>
+          </a:p>
+          <a:p>
+            <a:pPr>
+              <a:buFont typeface="Arial" panose="020B0604020202020204" pitchFamily="34" charset="0"/>
+              <a:buChar char="•"/>
             </a:pPr>
             <a:r>
               <a:rPr lang="en-US" dirty="0"/>
-              <a:t>Where code translates closer to 1-1 performance will be better</a:t>
-            </a:r>
-          </a:p>
-          <a:p>
-            <a:pPr lvl="1">
-              <a:buFont typeface="Wingdings" panose="05000000000000000000" pitchFamily="2" charset="2"/>
-              <a:buChar char="§"/>
-            </a:pPr>
-            <a:r>
-              <a:rPr lang="en-US" dirty="0"/>
-              <a:t>.NET specific functionality works but can be slow (decimals, extended regex functionality)</a:t>
-            </a:r>
-          </a:p>
-          <a:p>
-            <a:pPr>
-              <a:buFont typeface="Wingdings" panose="05000000000000000000" pitchFamily="2" charset="2"/>
-              <a:buChar char="§"/>
-            </a:pPr>
-            <a:r>
-              <a:rPr lang="en-US" dirty="0"/>
-              <a:t> Need all source code to </a:t>
-            </a:r>
-            <a:r>
-              <a:rPr lang="en-US" dirty="0" err="1"/>
-              <a:t>transpile</a:t>
-            </a:r>
-            <a:endParaRPr lang="en-US" dirty="0"/>
-          </a:p>
-          <a:p>
-            <a:pPr lvl="1">
-              <a:buFont typeface="Wingdings" panose="05000000000000000000" pitchFamily="2" charset="2"/>
-              <a:buChar char="§"/>
-            </a:pPr>
-            <a:r>
-              <a:rPr lang="en-US" dirty="0"/>
-              <a:t>You likely won’t be </a:t>
-            </a:r>
-            <a:r>
-              <a:rPr lang="en-US" dirty="0" err="1"/>
-              <a:t>transpiling</a:t>
-            </a:r>
-            <a:r>
-              <a:rPr lang="en-US" dirty="0"/>
-              <a:t> significant .NET libraries</a:t>
-            </a:r>
-          </a:p>
-          <a:p>
-            <a:pPr>
-              <a:buFont typeface="Wingdings" panose="05000000000000000000" pitchFamily="2" charset="2"/>
-              <a:buChar char="§"/>
-            </a:pPr>
-            <a:r>
-              <a:rPr lang="en-US" dirty="0"/>
-              <a:t> Things that seem equivalent aren’t always equivalent (bridge array/</a:t>
-            </a:r>
-            <a:r>
-              <a:rPr lang="en-US" dirty="0" err="1"/>
-              <a:t>javascript</a:t>
-            </a:r>
-            <a:r>
-              <a:rPr lang="en-US" dirty="0"/>
-              <a:t> array)</a:t>
-            </a:r>
-          </a:p>
-          <a:p>
-            <a:pPr>
-              <a:buFont typeface="Wingdings" panose="05000000000000000000" pitchFamily="2" charset="2"/>
-              <a:buChar char="§"/>
-            </a:pPr>
-            <a:r>
-              <a:rPr lang="en-US" dirty="0"/>
-              <a:t> Reflection</a:t>
-            </a:r>
-          </a:p>
-          <a:p>
-            <a:pPr lvl="1">
-              <a:buFont typeface="Wingdings" panose="05000000000000000000" pitchFamily="2" charset="2"/>
-              <a:buChar char="§"/>
-            </a:pPr>
-            <a:r>
-              <a:rPr lang="en-US" dirty="0"/>
-              <a:t>Enough reflection works that you can be caught off guard when it doesn’t</a:t>
-            </a:r>
-          </a:p>
-          <a:p>
-            <a:pPr>
-              <a:buFont typeface="Wingdings" panose="05000000000000000000" pitchFamily="2" charset="2"/>
-              <a:buChar char="§"/>
-            </a:pPr>
-            <a:r>
-              <a:rPr lang="en-US" dirty="0"/>
-              <a:t> Integration with module bundlers can be a pain because Bridge wasn’t intended to be used this way: </a:t>
-            </a:r>
-            <a:r>
-              <a:rPr lang="en-US" dirty="0">
-                <a:hlinkClick r:id="rId2"/>
-              </a:rPr>
-              <a:t>https://github.com/Azure/monaco-kusto/issues/22</a:t>
-            </a:r>
-            <a:endParaRPr lang="en-US" dirty="0"/>
+              <a:t> CON: Leaky abstraction – still need to know browser idioms, frameworks</a:t>
+            </a:r>
           </a:p>
         </p:txBody>
       </p:sp>
     </p:spTree>
     <p:extLst>
       <p:ext uri="{BB962C8B-B14F-4D97-AF65-F5344CB8AC3E}">
-        <p14:creationId xmlns:p14="http://schemas.microsoft.com/office/powerpoint/2010/main" val="1854439499"/>
+        <p14:creationId xmlns:p14="http://schemas.microsoft.com/office/powerpoint/2010/main" val="3260129901"/>
       </p:ext>
     </p:extLst>
   </p:cSld>
@@ -5855,7 +6348,7 @@
           <p:cNvPr id="2" name="Title 1">
             <a:extLst>
               <a:ext uri="{FF2B5EF4-FFF2-40B4-BE49-F238E27FC236}">
-                <a16:creationId xmlns:a16="http://schemas.microsoft.com/office/drawing/2014/main" id="{7091D0E5-1C16-4903-A1E6-83EECDE50ABB}"/>
+                <a16:creationId xmlns:a16="http://schemas.microsoft.com/office/drawing/2014/main" id="{4AD4C152-7495-4980-B3A3-5DB6A3FB6705}"/>
               </a:ext>
             </a:extLst>
           </p:cNvPr>
@@ -5863,27 +6356,27 @@
             <a:spLocks noGrp="1"/>
           </p:cNvSpPr>
           <p:nvPr>
-            <p:ph type="title"/>
-          </p:nvPr>
-        </p:nvSpPr>
-        <p:spPr/>
-        <p:txBody>
-          <a:bodyPr/>
-          <a:lstStyle/>
-          <a:p>
-            <a:r>
-              <a:rPr lang="en-US" dirty="0"/>
-              <a:t>Still not convinced? A Case Study.</a:t>
-            </a:r>
-          </a:p>
-        </p:txBody>
-      </p:sp>
-      <p:sp>
-        <p:nvSpPr>
-          <p:cNvPr id="3" name="Content Placeholder 2">
+            <p:ph type="ctrTitle"/>
+          </p:nvPr>
+        </p:nvSpPr>
+        <p:spPr/>
+        <p:txBody>
+          <a:bodyPr/>
+          <a:lstStyle/>
+          <a:p>
+            <a:r>
+              <a:rPr lang="en-US" dirty="0"/>
+              <a:t>DEMO</a:t>
+            </a:r>
+          </a:p>
+        </p:txBody>
+      </p:sp>
+      <p:sp>
+        <p:nvSpPr>
+          <p:cNvPr id="5" name="Subtitle 4">
             <a:extLst>
               <a:ext uri="{FF2B5EF4-FFF2-40B4-BE49-F238E27FC236}">
-                <a16:creationId xmlns:a16="http://schemas.microsoft.com/office/drawing/2014/main" id="{A0E2B1B0-9E13-49C4-885C-6ABE1A6580AE}"/>
+                <a16:creationId xmlns:a16="http://schemas.microsoft.com/office/drawing/2014/main" id="{E8D2EE01-206B-4B8F-97F0-3DE8D92389FE}"/>
               </a:ext>
             </a:extLst>
           </p:cNvPr>
@@ -5891,77 +6384,17 @@
             <a:spLocks noGrp="1"/>
           </p:cNvSpPr>
           <p:nvPr>
-            <p:ph idx="1"/>
-          </p:nvPr>
-        </p:nvSpPr>
-        <p:spPr/>
-        <p:txBody>
-          <a:bodyPr/>
-          <a:lstStyle/>
-          <a:p>
-            <a:pPr>
-              <a:buFont typeface="Wingdings" panose="05000000000000000000" pitchFamily="2" charset="2"/>
-              <a:buChar char="§"/>
-            </a:pPr>
-            <a:r>
-              <a:rPr lang="en-US" dirty="0"/>
-              <a:t> </a:t>
-            </a:r>
-            <a:r>
-              <a:rPr lang="en-US" dirty="0" err="1"/>
-              <a:t>Greatland</a:t>
-            </a:r>
-            <a:r>
-              <a:rPr lang="en-US" dirty="0"/>
-              <a:t> Corp: Business tax filing service (1099/w-2)</a:t>
-            </a:r>
-          </a:p>
-          <a:p>
-            <a:pPr>
-              <a:buFont typeface="Wingdings" panose="05000000000000000000" pitchFamily="2" charset="2"/>
-              <a:buChar char="§"/>
-            </a:pPr>
-            <a:r>
-              <a:rPr lang="en-US" dirty="0"/>
-              <a:t> Traditionally a </a:t>
-            </a:r>
-            <a:r>
-              <a:rPr lang="en-US" dirty="0" err="1"/>
-              <a:t>.Net</a:t>
-            </a:r>
-            <a:r>
-              <a:rPr lang="en-US" dirty="0"/>
-              <a:t> shop</a:t>
-            </a:r>
-          </a:p>
-          <a:p>
-            <a:pPr>
-              <a:buFont typeface="Wingdings" panose="05000000000000000000" pitchFamily="2" charset="2"/>
-              <a:buChar char="§"/>
-            </a:pPr>
-            <a:r>
-              <a:rPr lang="en-US" dirty="0"/>
-              <a:t> Complicated business logic for form rules</a:t>
-            </a:r>
-          </a:p>
-          <a:p>
-            <a:pPr lvl="1">
-              <a:buFont typeface="Wingdings" panose="05000000000000000000" pitchFamily="2" charset="2"/>
-              <a:buChar char="§"/>
-            </a:pPr>
-            <a:r>
-              <a:rPr lang="en-US" dirty="0"/>
-              <a:t> Immediate validation on client side preferred</a:t>
-            </a:r>
-          </a:p>
-          <a:p>
-            <a:pPr lvl="1">
-              <a:buFont typeface="Wingdings" panose="05000000000000000000" pitchFamily="2" charset="2"/>
-              <a:buChar char="§"/>
-            </a:pPr>
-            <a:r>
-              <a:rPr lang="en-US" dirty="0"/>
-              <a:t> Had issues in the past duplicating client and server side validations</a:t>
+            <p:ph type="subTitle" idx="1"/>
+          </p:nvPr>
+        </p:nvSpPr>
+        <p:spPr/>
+        <p:txBody>
+          <a:bodyPr/>
+          <a:lstStyle/>
+          <a:p>
+            <a:r>
+              <a:rPr lang="en-US" dirty="0"/>
+              <a:t>MVC APP WITH CLIENT SIDE BRIDGE SCRIPTING</a:t>
             </a:r>
           </a:p>
         </p:txBody>
@@ -5969,7 +6402,7 @@
     </p:spTree>
     <p:extLst>
       <p:ext uri="{BB962C8B-B14F-4D97-AF65-F5344CB8AC3E}">
-        <p14:creationId xmlns:p14="http://schemas.microsoft.com/office/powerpoint/2010/main" val="1214927596"/>
+        <p14:creationId xmlns:p14="http://schemas.microsoft.com/office/powerpoint/2010/main" val="2451102722"/>
       </p:ext>
     </p:extLst>
   </p:cSld>
@@ -6001,7 +6434,7 @@
           <p:cNvPr id="2" name="Title 1">
             <a:extLst>
               <a:ext uri="{FF2B5EF4-FFF2-40B4-BE49-F238E27FC236}">
-                <a16:creationId xmlns:a16="http://schemas.microsoft.com/office/drawing/2014/main" id="{DB72861F-F5E4-489F-9239-8A262FA40823}"/>
+                <a16:creationId xmlns:a16="http://schemas.microsoft.com/office/drawing/2014/main" id="{A27173B2-A23D-4016-86EF-37740D372BF0}"/>
               </a:ext>
             </a:extLst>
           </p:cNvPr>
@@ -6019,17 +6452,17 @@
           <a:p>
             <a:r>
               <a:rPr lang="en-US" dirty="0"/>
-              <a:t>Solution: Bridge.NET</a:t>
-            </a:r>
-          </a:p>
-        </p:txBody>
-      </p:sp>
-      <p:sp>
-        <p:nvSpPr>
-          <p:cNvPr id="3" name="Content Placeholder 2">
+              <a:t>Gotchas: Performance</a:t>
+            </a:r>
+          </a:p>
+        </p:txBody>
+      </p:sp>
+      <p:sp>
+        <p:nvSpPr>
+          <p:cNvPr id="4" name="Text Placeholder 3">
             <a:extLst>
               <a:ext uri="{FF2B5EF4-FFF2-40B4-BE49-F238E27FC236}">
-                <a16:creationId xmlns:a16="http://schemas.microsoft.com/office/drawing/2014/main" id="{50578B8C-9F1D-430C-BA22-3A4B44FDDFD9}"/>
+                <a16:creationId xmlns:a16="http://schemas.microsoft.com/office/drawing/2014/main" id="{22BC2ACC-7491-4BB4-8583-B670B228D087}"/>
               </a:ext>
             </a:extLst>
           </p:cNvPr>
@@ -6037,7 +6470,35 @@
             <a:spLocks noGrp="1"/>
           </p:cNvSpPr>
           <p:nvPr>
-            <p:ph idx="1"/>
+            <p:ph type="body" idx="1"/>
+          </p:nvPr>
+        </p:nvSpPr>
+        <p:spPr/>
+        <p:txBody>
+          <a:bodyPr/>
+          <a:lstStyle/>
+          <a:p>
+            <a:r>
+              <a:rPr lang="en-US" dirty="0"/>
+              <a:t>Fast</a:t>
+            </a:r>
+          </a:p>
+        </p:txBody>
+      </p:sp>
+      <p:sp>
+        <p:nvSpPr>
+          <p:cNvPr id="5" name="Content Placeholder 4">
+            <a:extLst>
+              <a:ext uri="{FF2B5EF4-FFF2-40B4-BE49-F238E27FC236}">
+                <a16:creationId xmlns:a16="http://schemas.microsoft.com/office/drawing/2014/main" id="{D7153759-8016-460D-96A2-87C14F22EB9F}"/>
+              </a:ext>
+            </a:extLst>
+          </p:cNvPr>
+          <p:cNvSpPr>
+            <a:spLocks noGrp="1"/>
+          </p:cNvSpPr>
+          <p:nvPr>
+            <p:ph sz="half" idx="2"/>
           </p:nvPr>
         </p:nvSpPr>
         <p:spPr/>
@@ -6049,32 +6510,19 @@
               <a:buFont typeface="Arial" panose="020B0604020202020204" pitchFamily="34" charset="0"/>
               <a:buChar char="•"/>
             </a:pPr>
-            <a:endParaRPr lang="en-US" dirty="0"/>
-          </a:p>
-        </p:txBody>
-      </p:sp>
-      <p:sp>
-        <p:nvSpPr>
-          <p:cNvPr id="10" name="Text Placeholder 9">
-            <a:extLst>
-              <a:ext uri="{FF2B5EF4-FFF2-40B4-BE49-F238E27FC236}">
-                <a16:creationId xmlns:a16="http://schemas.microsoft.com/office/drawing/2014/main" id="{110E64C6-EB11-4D24-8EA1-9A2F927F9E5F}"/>
-              </a:ext>
-            </a:extLst>
-          </p:cNvPr>
-          <p:cNvSpPr>
-            <a:spLocks noGrp="1"/>
-          </p:cNvSpPr>
-          <p:nvPr>
-            <p:ph type="body" sz="half" idx="2"/>
-          </p:nvPr>
-        </p:nvSpPr>
-        <p:spPr/>
-        <p:txBody>
-          <a:bodyPr>
-            <a:normAutofit/>
-          </a:bodyPr>
-          <a:lstStyle/>
+            <a:r>
+              <a:rPr lang="en-US" dirty="0"/>
+              <a:t> Simple logic that can be translated directly to </a:t>
+            </a:r>
+            <a:r>
+              <a:rPr lang="en-US" dirty="0" err="1"/>
+              <a:t>Javascript</a:t>
+            </a:r>
+            <a:r>
+              <a:rPr lang="en-US" dirty="0"/>
+              <a:t> (int/float/double math/simple regexes)</a:t>
+            </a:r>
+          </a:p>
           <a:p>
             <a:pPr>
               <a:buFont typeface="Arial" panose="020B0604020202020204" pitchFamily="34" charset="0"/>
@@ -6082,9 +6530,72 @@
             </a:pPr>
             <a:r>
               <a:rPr lang="en-US" dirty="0"/>
-              <a:t> Common “Validation Engine” written in C#</a:t>
-            </a:r>
-          </a:p>
+              <a:t> </a:t>
+            </a:r>
+            <a:r>
+              <a:rPr lang="en-US" dirty="0" err="1"/>
+              <a:t>Linq</a:t>
+            </a:r>
+            <a:r>
+              <a:rPr lang="en-US" dirty="0"/>
+              <a:t> is generally fairly quick as long as you’re doing </a:t>
+            </a:r>
+            <a:r>
+              <a:rPr lang="en-US"/>
+              <a:t>simple comparisons</a:t>
+            </a:r>
+            <a:endParaRPr lang="en-US" dirty="0"/>
+          </a:p>
+        </p:txBody>
+      </p:sp>
+      <p:sp>
+        <p:nvSpPr>
+          <p:cNvPr id="6" name="Text Placeholder 5">
+            <a:extLst>
+              <a:ext uri="{FF2B5EF4-FFF2-40B4-BE49-F238E27FC236}">
+                <a16:creationId xmlns:a16="http://schemas.microsoft.com/office/drawing/2014/main" id="{5BD239DA-301E-467D-B4CA-5CE1F32F536A}"/>
+              </a:ext>
+            </a:extLst>
+          </p:cNvPr>
+          <p:cNvSpPr>
+            <a:spLocks noGrp="1"/>
+          </p:cNvSpPr>
+          <p:nvPr>
+            <p:ph type="body" sz="quarter" idx="3"/>
+          </p:nvPr>
+        </p:nvSpPr>
+        <p:spPr/>
+        <p:txBody>
+          <a:bodyPr/>
+          <a:lstStyle/>
+          <a:p>
+            <a:r>
+              <a:rPr lang="en-US" dirty="0"/>
+              <a:t>Slow</a:t>
+            </a:r>
+          </a:p>
+        </p:txBody>
+      </p:sp>
+      <p:sp>
+        <p:nvSpPr>
+          <p:cNvPr id="7" name="Content Placeholder 6">
+            <a:extLst>
+              <a:ext uri="{FF2B5EF4-FFF2-40B4-BE49-F238E27FC236}">
+                <a16:creationId xmlns:a16="http://schemas.microsoft.com/office/drawing/2014/main" id="{D8344044-180D-4850-B6F4-C2B6538F62AC}"/>
+              </a:ext>
+            </a:extLst>
+          </p:cNvPr>
+          <p:cNvSpPr>
+            <a:spLocks noGrp="1"/>
+          </p:cNvSpPr>
+          <p:nvPr>
+            <p:ph sz="quarter" idx="4"/>
+          </p:nvPr>
+        </p:nvSpPr>
+        <p:spPr/>
+        <p:txBody>
+          <a:bodyPr/>
+          <a:lstStyle/>
           <a:p>
             <a:pPr>
               <a:buFont typeface="Arial" panose="020B0604020202020204" pitchFamily="34" charset="0"/>
@@ -6096,11 +6607,11 @@
             </a:r>
             <a:r>
               <a:rPr lang="en-US" dirty="0" err="1"/>
-              <a:t>Transpiled</a:t>
-            </a:r>
-            <a:r>
-              <a:rPr lang="en-US" dirty="0"/>
-              <a:t> to </a:t>
+              <a:t>.Net</a:t>
+            </a:r>
+            <a:r>
+              <a:rPr lang="en-US" dirty="0"/>
+              <a:t> types that don’t translate to </a:t>
             </a:r>
             <a:r>
               <a:rPr lang="en-US" dirty="0" err="1"/>
@@ -6108,7 +6619,7 @@
             </a:r>
             <a:r>
               <a:rPr lang="en-US" dirty="0"/>
-              <a:t> using Bridge</a:t>
+              <a:t> (decimal math)</a:t>
             </a:r>
           </a:p>
           <a:p>
@@ -6118,64 +6629,23 @@
             </a:pPr>
             <a:r>
               <a:rPr lang="en-US" dirty="0"/>
-              <a:t> Runs inside Angular SPA allowing real-time form calculations/validations</a:t>
-            </a:r>
-          </a:p>
-          <a:p>
-            <a:pPr>
-              <a:buFont typeface="Arial" panose="020B0604020202020204" pitchFamily="34" charset="0"/>
-              <a:buChar char="•"/>
-            </a:pPr>
-            <a:r>
-              <a:rPr lang="en-US" dirty="0"/>
-              <a:t> Forms are edited in editor by non-developers with real time preview</a:t>
-            </a:r>
-          </a:p>
-          <a:p>
-            <a:pPr>
-              <a:buFont typeface="Arial" panose="020B0604020202020204" pitchFamily="34" charset="0"/>
-              <a:buChar char="•"/>
-            </a:pPr>
-            <a:r>
-              <a:rPr lang="en-US" dirty="0"/>
-              <a:t> Forms are published as JSON metadata</a:t>
-            </a:r>
-          </a:p>
-        </p:txBody>
-      </p:sp>
-      <p:pic>
-        <p:nvPicPr>
-          <p:cNvPr id="9" name="Content Placeholder 4">
-            <a:extLst>
-              <a:ext uri="{FF2B5EF4-FFF2-40B4-BE49-F238E27FC236}">
-                <a16:creationId xmlns:a16="http://schemas.microsoft.com/office/drawing/2014/main" id="{C70A96D0-6C55-4F79-81F7-C058266A950C}"/>
-              </a:ext>
-            </a:extLst>
-          </p:cNvPr>
-          <p:cNvPicPr>
-            <a:picLocks noGrp="1" noChangeAspect="1"/>
-          </p:cNvPicPr>
-          <p:nvPr>
-            <p:ph sz="half" idx="4294967295"/>
-          </p:nvPr>
-        </p:nvPicPr>
-        <p:blipFill>
-          <a:blip r:embed="rId2"/>
-          <a:stretch>
-            <a:fillRect/>
-          </a:stretch>
-        </p:blipFill>
-        <p:spPr>
-          <a:xfrm>
-            <a:off x="4179531" y="1501400"/>
-            <a:ext cx="8012469" cy="4153087"/>
-          </a:xfrm>
-        </p:spPr>
-      </p:pic>
+              <a:t> Boxing/unboxing between Bridge and </a:t>
+            </a:r>
+            <a:r>
+              <a:rPr lang="en-US" dirty="0" err="1"/>
+              <a:t>Javascript</a:t>
+            </a:r>
+            <a:r>
+              <a:rPr lang="en-US" dirty="0"/>
+              <a:t> Types</a:t>
+            </a:r>
+          </a:p>
+        </p:txBody>
+      </p:sp>
     </p:spTree>
     <p:extLst>
       <p:ext uri="{BB962C8B-B14F-4D97-AF65-F5344CB8AC3E}">
-        <p14:creationId xmlns:p14="http://schemas.microsoft.com/office/powerpoint/2010/main" val="3435262763"/>
+        <p14:creationId xmlns:p14="http://schemas.microsoft.com/office/powerpoint/2010/main" val="1085837101"/>
       </p:ext>
     </p:extLst>
   </p:cSld>

--- a/bridge.net/bridge-net.pptx
+++ b/bridge.net/bridge-net.pptx
@@ -355,7 +355,7 @@
           <a:p>
             <a:fld id="{96DFF08F-DC6B-4601-B491-B0F83F6DD2DA}" type="datetimeFigureOut">
               <a:rPr lang="en-US" dirty="0"/>
-              <a:t>5/8/2019</a:t>
+              <a:t>5/10/2019</a:t>
             </a:fld>
             <a:endParaRPr lang="en-US" dirty="0"/>
           </a:p>
@@ -558,7 +558,7 @@
           <a:p>
             <a:fld id="{96DFF08F-DC6B-4601-B491-B0F83F6DD2DA}" type="datetimeFigureOut">
               <a:rPr lang="en-US" dirty="0"/>
-              <a:t>5/8/2019</a:t>
+              <a:t>5/10/2019</a:t>
             </a:fld>
             <a:endParaRPr lang="en-US" dirty="0"/>
           </a:p>
@@ -809,7 +809,7 @@
           <a:p>
             <a:fld id="{96DFF08F-DC6B-4601-B491-B0F83F6DD2DA}" type="datetimeFigureOut">
               <a:rPr lang="en-US" dirty="0"/>
-              <a:t>5/8/2019</a:t>
+              <a:t>5/10/2019</a:t>
             </a:fld>
             <a:endParaRPr lang="en-US" dirty="0"/>
           </a:p>
@@ -974,7 +974,7 @@
           <a:p>
             <a:fld id="{D62CEF3B-A037-46D0-B02C-1428F07E9383}" type="datetimeFigureOut">
               <a:rPr lang="en-US" dirty="0"/>
-              <a:t>5/8/2019</a:t>
+              <a:t>5/10/2019</a:t>
             </a:fld>
             <a:endParaRPr lang="en-US" dirty="0"/>
           </a:p>
@@ -1312,7 +1312,7 @@
           <a:p>
             <a:fld id="{96DFF08F-DC6B-4601-B491-B0F83F6DD2DA}" type="datetimeFigureOut">
               <a:rPr lang="en-US" dirty="0"/>
-              <a:t>5/8/2019</a:t>
+              <a:t>5/10/2019</a:t>
             </a:fld>
             <a:endParaRPr lang="en-US" dirty="0"/>
           </a:p>
@@ -1582,7 +1582,7 @@
           <a:p>
             <a:fld id="{96DFF08F-DC6B-4601-B491-B0F83F6DD2DA}" type="datetimeFigureOut">
               <a:rPr lang="en-US" dirty="0"/>
-              <a:t>5/8/2019</a:t>
+              <a:t>5/10/2019</a:t>
             </a:fld>
             <a:endParaRPr lang="en-US" dirty="0"/>
           </a:p>
@@ -1956,7 +1956,7 @@
           <a:p>
             <a:fld id="{96DFF08F-DC6B-4601-B491-B0F83F6DD2DA}" type="datetimeFigureOut">
               <a:rPr lang="en-US" dirty="0"/>
-              <a:t>5/8/2019</a:t>
+              <a:t>5/10/2019</a:t>
             </a:fld>
             <a:endParaRPr lang="en-US" dirty="0"/>
           </a:p>
@@ -2069,7 +2069,7 @@
           <a:p>
             <a:fld id="{96DFF08F-DC6B-4601-B491-B0F83F6DD2DA}" type="datetimeFigureOut">
               <a:rPr lang="en-US" dirty="0"/>
-              <a:t>5/8/2019</a:t>
+              <a:t>5/10/2019</a:t>
             </a:fld>
             <a:endParaRPr lang="en-US" dirty="0"/>
           </a:p>
@@ -2236,7 +2236,7 @@
             <a:fld id="{96DFF08F-DC6B-4601-B491-B0F83F6DD2DA}" type="datetimeFigureOut">
               <a:rPr lang="en-US" dirty="0"/>
               <a:pPr/>
-              <a:t>5/8/2019</a:t>
+              <a:t>5/10/2019</a:t>
             </a:fld>
             <a:endParaRPr lang="en-US" dirty="0"/>
           </a:p>
@@ -2587,7 +2587,7 @@
             <a:fld id="{96DFF08F-DC6B-4601-B491-B0F83F6DD2DA}" type="datetimeFigureOut">
               <a:rPr lang="en-US" dirty="0"/>
               <a:pPr/>
-              <a:t>5/8/2019</a:t>
+              <a:t>5/10/2019</a:t>
             </a:fld>
             <a:endParaRPr lang="en-US" dirty="0"/>
           </a:p>
@@ -2960,7 +2960,7 @@
           <a:p>
             <a:fld id="{96DFF08F-DC6B-4601-B491-B0F83F6DD2DA}" type="datetimeFigureOut">
               <a:rPr lang="en-US" dirty="0"/>
-              <a:t>5/8/2019</a:t>
+              <a:t>5/10/2019</a:t>
             </a:fld>
             <a:endParaRPr lang="en-US" dirty="0"/>
           </a:p>
@@ -3243,7 +3243,7 @@
             <a:fld id="{96DFF08F-DC6B-4601-B491-B0F83F6DD2DA}" type="datetimeFigureOut">
               <a:rPr lang="en-US" dirty="0"/>
               <a:pPr/>
-              <a:t>5/8/2019</a:t>
+              <a:t>5/10/2019</a:t>
             </a:fld>
             <a:endParaRPr lang="en-US" dirty="0"/>
           </a:p>
@@ -4156,14 +4156,10 @@
             </a:pPr>
             <a:r>
               <a:rPr lang="en-US" dirty="0"/>
-              <a:t> Integration with module bundlers can be a pain because Bridge wasn’t intended to be used this way</a:t>
-            </a:r>
-            <a:r>
-              <a:rPr lang="en-US"/>
-              <a:t>: </a:t>
-            </a:r>
-            <a:r>
-              <a:rPr lang="en-US">
+              <a:t> Integration with module bundlers can be a pain because Bridge wasn’t intended to be used this way: </a:t>
+            </a:r>
+            <a:r>
+              <a:rPr lang="en-US" dirty="0">
                 <a:hlinkClick r:id="rId2"/>
               </a:rPr>
               <a:t>https://github.com/bridgedotnet/Bridge/issues/3097</a:t>
@@ -4182,6 +4178,248 @@
   <p:clrMapOvr>
     <a:masterClrMapping/>
   </p:clrMapOvr>
+  <p:timing>
+    <p:tnLst>
+      <p:par>
+        <p:cTn id="1" dur="indefinite" restart="never" nodeType="tmRoot">
+          <p:childTnLst>
+            <p:seq concurrent="1" nextAc="seek">
+              <p:cTn id="2" dur="indefinite" nodeType="mainSeq">
+                <p:childTnLst>
+                  <p:par>
+                    <p:cTn id="3" fill="hold">
+                      <p:stCondLst>
+                        <p:cond delay="indefinite"/>
+                      </p:stCondLst>
+                      <p:childTnLst>
+                        <p:par>
+                          <p:cTn id="4" fill="hold">
+                            <p:stCondLst>
+                              <p:cond delay="0"/>
+                            </p:stCondLst>
+                            <p:childTnLst>
+                              <p:par>
+                                <p:cTn id="5" presetID="1" presetClass="entr" presetSubtype="0" fill="hold" grpId="0" nodeType="clickEffect">
+                                  <p:stCondLst>
+                                    <p:cond delay="0"/>
+                                  </p:stCondLst>
+                                  <p:childTnLst>
+                                    <p:set>
+                                      <p:cBhvr>
+                                        <p:cTn id="6" dur="1" fill="hold">
+                                          <p:stCondLst>
+                                            <p:cond delay="0"/>
+                                          </p:stCondLst>
+                                        </p:cTn>
+                                        <p:tgtEl>
+                                          <p:spTgt spid="3">
+                                            <p:txEl>
+                                              <p:pRg st="0" end="0"/>
+                                            </p:txEl>
+                                          </p:spTgt>
+                                        </p:tgtEl>
+                                        <p:attrNameLst>
+                                          <p:attrName>style.visibility</p:attrName>
+                                        </p:attrNameLst>
+                                      </p:cBhvr>
+                                      <p:to>
+                                        <p:strVal val="visible"/>
+                                      </p:to>
+                                    </p:set>
+                                  </p:childTnLst>
+                                </p:cTn>
+                              </p:par>
+                            </p:childTnLst>
+                          </p:cTn>
+                        </p:par>
+                      </p:childTnLst>
+                    </p:cTn>
+                  </p:par>
+                  <p:par>
+                    <p:cTn id="7" fill="hold">
+                      <p:stCondLst>
+                        <p:cond delay="indefinite"/>
+                      </p:stCondLst>
+                      <p:childTnLst>
+                        <p:par>
+                          <p:cTn id="8" fill="hold">
+                            <p:stCondLst>
+                              <p:cond delay="0"/>
+                            </p:stCondLst>
+                            <p:childTnLst>
+                              <p:par>
+                                <p:cTn id="9" presetID="1" presetClass="entr" presetSubtype="0" fill="hold" grpId="0" nodeType="clickEffect">
+                                  <p:stCondLst>
+                                    <p:cond delay="0"/>
+                                  </p:stCondLst>
+                                  <p:childTnLst>
+                                    <p:set>
+                                      <p:cBhvr>
+                                        <p:cTn id="10" dur="1" fill="hold">
+                                          <p:stCondLst>
+                                            <p:cond delay="0"/>
+                                          </p:stCondLst>
+                                        </p:cTn>
+                                        <p:tgtEl>
+                                          <p:spTgt spid="3">
+                                            <p:txEl>
+                                              <p:pRg st="1" end="1"/>
+                                            </p:txEl>
+                                          </p:spTgt>
+                                        </p:tgtEl>
+                                        <p:attrNameLst>
+                                          <p:attrName>style.visibility</p:attrName>
+                                        </p:attrNameLst>
+                                      </p:cBhvr>
+                                      <p:to>
+                                        <p:strVal val="visible"/>
+                                      </p:to>
+                                    </p:set>
+                                  </p:childTnLst>
+                                </p:cTn>
+                              </p:par>
+                              <p:par>
+                                <p:cTn id="11" presetID="1" presetClass="entr" presetSubtype="0" fill="hold" grpId="0" nodeType="withEffect">
+                                  <p:stCondLst>
+                                    <p:cond delay="0"/>
+                                  </p:stCondLst>
+                                  <p:childTnLst>
+                                    <p:set>
+                                      <p:cBhvr>
+                                        <p:cTn id="12" dur="1" fill="hold">
+                                          <p:stCondLst>
+                                            <p:cond delay="0"/>
+                                          </p:stCondLst>
+                                        </p:cTn>
+                                        <p:tgtEl>
+                                          <p:spTgt spid="3">
+                                            <p:txEl>
+                                              <p:pRg st="2" end="2"/>
+                                            </p:txEl>
+                                          </p:spTgt>
+                                        </p:tgtEl>
+                                        <p:attrNameLst>
+                                          <p:attrName>style.visibility</p:attrName>
+                                        </p:attrNameLst>
+                                      </p:cBhvr>
+                                      <p:to>
+                                        <p:strVal val="visible"/>
+                                      </p:to>
+                                    </p:set>
+                                  </p:childTnLst>
+                                </p:cTn>
+                              </p:par>
+                              <p:par>
+                                <p:cTn id="13" presetID="1" presetClass="entr" presetSubtype="0" fill="hold" grpId="0" nodeType="withEffect">
+                                  <p:stCondLst>
+                                    <p:cond delay="0"/>
+                                  </p:stCondLst>
+                                  <p:childTnLst>
+                                    <p:set>
+                                      <p:cBhvr>
+                                        <p:cTn id="14" dur="1" fill="hold">
+                                          <p:stCondLst>
+                                            <p:cond delay="0"/>
+                                          </p:stCondLst>
+                                        </p:cTn>
+                                        <p:tgtEl>
+                                          <p:spTgt spid="3">
+                                            <p:txEl>
+                                              <p:pRg st="3" end="3"/>
+                                            </p:txEl>
+                                          </p:spTgt>
+                                        </p:tgtEl>
+                                        <p:attrNameLst>
+                                          <p:attrName>style.visibility</p:attrName>
+                                        </p:attrNameLst>
+                                      </p:cBhvr>
+                                      <p:to>
+                                        <p:strVal val="visible"/>
+                                      </p:to>
+                                    </p:set>
+                                  </p:childTnLst>
+                                </p:cTn>
+                              </p:par>
+                            </p:childTnLst>
+                          </p:cTn>
+                        </p:par>
+                      </p:childTnLst>
+                    </p:cTn>
+                  </p:par>
+                  <p:par>
+                    <p:cTn id="15" fill="hold">
+                      <p:stCondLst>
+                        <p:cond delay="indefinite"/>
+                      </p:stCondLst>
+                      <p:childTnLst>
+                        <p:par>
+                          <p:cTn id="16" fill="hold">
+                            <p:stCondLst>
+                              <p:cond delay="0"/>
+                            </p:stCondLst>
+                            <p:childTnLst>
+                              <p:par>
+                                <p:cTn id="17" presetID="1" presetClass="entr" presetSubtype="0" fill="hold" grpId="0" nodeType="clickEffect">
+                                  <p:stCondLst>
+                                    <p:cond delay="0"/>
+                                  </p:stCondLst>
+                                  <p:childTnLst>
+                                    <p:set>
+                                      <p:cBhvr>
+                                        <p:cTn id="18" dur="1" fill="hold">
+                                          <p:stCondLst>
+                                            <p:cond delay="0"/>
+                                          </p:stCondLst>
+                                        </p:cTn>
+                                        <p:tgtEl>
+                                          <p:spTgt spid="3">
+                                            <p:txEl>
+                                              <p:pRg st="4" end="4"/>
+                                            </p:txEl>
+                                          </p:spTgt>
+                                        </p:tgtEl>
+                                        <p:attrNameLst>
+                                          <p:attrName>style.visibility</p:attrName>
+                                        </p:attrNameLst>
+                                      </p:cBhvr>
+                                      <p:to>
+                                        <p:strVal val="visible"/>
+                                      </p:to>
+                                    </p:set>
+                                  </p:childTnLst>
+                                </p:cTn>
+                              </p:par>
+                            </p:childTnLst>
+                          </p:cTn>
+                        </p:par>
+                      </p:childTnLst>
+                    </p:cTn>
+                  </p:par>
+                </p:childTnLst>
+              </p:cTn>
+              <p:prevCondLst>
+                <p:cond evt="onPrev" delay="0">
+                  <p:tgtEl>
+                    <p:sldTgt/>
+                  </p:tgtEl>
+                </p:cond>
+              </p:prevCondLst>
+              <p:nextCondLst>
+                <p:cond evt="onNext" delay="0">
+                  <p:tgtEl>
+                    <p:sldTgt/>
+                  </p:tgtEl>
+                </p:cond>
+              </p:nextCondLst>
+            </p:seq>
+          </p:childTnLst>
+        </p:cTn>
+      </p:par>
+    </p:tnLst>
+    <p:bldLst>
+      <p:bldP spid="3" grpId="0" build="p"/>
+    </p:bldLst>
+  </p:timing>
 </p:sld>
 </file>
 
@@ -4328,6 +4566,248 @@
   <p:clrMapOvr>
     <a:masterClrMapping/>
   </p:clrMapOvr>
+  <p:timing>
+    <p:tnLst>
+      <p:par>
+        <p:cTn id="1" dur="indefinite" restart="never" nodeType="tmRoot">
+          <p:childTnLst>
+            <p:seq concurrent="1" nextAc="seek">
+              <p:cTn id="2" dur="indefinite" nodeType="mainSeq">
+                <p:childTnLst>
+                  <p:par>
+                    <p:cTn id="3" fill="hold">
+                      <p:stCondLst>
+                        <p:cond delay="indefinite"/>
+                      </p:stCondLst>
+                      <p:childTnLst>
+                        <p:par>
+                          <p:cTn id="4" fill="hold">
+                            <p:stCondLst>
+                              <p:cond delay="0"/>
+                            </p:stCondLst>
+                            <p:childTnLst>
+                              <p:par>
+                                <p:cTn id="5" presetID="1" presetClass="entr" presetSubtype="0" fill="hold" grpId="0" nodeType="clickEffect">
+                                  <p:stCondLst>
+                                    <p:cond delay="0"/>
+                                  </p:stCondLst>
+                                  <p:childTnLst>
+                                    <p:set>
+                                      <p:cBhvr>
+                                        <p:cTn id="6" dur="1" fill="hold">
+                                          <p:stCondLst>
+                                            <p:cond delay="0"/>
+                                          </p:stCondLst>
+                                        </p:cTn>
+                                        <p:tgtEl>
+                                          <p:spTgt spid="3">
+                                            <p:txEl>
+                                              <p:pRg st="0" end="0"/>
+                                            </p:txEl>
+                                          </p:spTgt>
+                                        </p:tgtEl>
+                                        <p:attrNameLst>
+                                          <p:attrName>style.visibility</p:attrName>
+                                        </p:attrNameLst>
+                                      </p:cBhvr>
+                                      <p:to>
+                                        <p:strVal val="visible"/>
+                                      </p:to>
+                                    </p:set>
+                                  </p:childTnLst>
+                                </p:cTn>
+                              </p:par>
+                            </p:childTnLst>
+                          </p:cTn>
+                        </p:par>
+                      </p:childTnLst>
+                    </p:cTn>
+                  </p:par>
+                  <p:par>
+                    <p:cTn id="7" fill="hold">
+                      <p:stCondLst>
+                        <p:cond delay="indefinite"/>
+                      </p:stCondLst>
+                      <p:childTnLst>
+                        <p:par>
+                          <p:cTn id="8" fill="hold">
+                            <p:stCondLst>
+                              <p:cond delay="0"/>
+                            </p:stCondLst>
+                            <p:childTnLst>
+                              <p:par>
+                                <p:cTn id="9" presetID="1" presetClass="entr" presetSubtype="0" fill="hold" grpId="0" nodeType="clickEffect">
+                                  <p:stCondLst>
+                                    <p:cond delay="0"/>
+                                  </p:stCondLst>
+                                  <p:childTnLst>
+                                    <p:set>
+                                      <p:cBhvr>
+                                        <p:cTn id="10" dur="1" fill="hold">
+                                          <p:stCondLst>
+                                            <p:cond delay="0"/>
+                                          </p:stCondLst>
+                                        </p:cTn>
+                                        <p:tgtEl>
+                                          <p:spTgt spid="3">
+                                            <p:txEl>
+                                              <p:pRg st="1" end="1"/>
+                                            </p:txEl>
+                                          </p:spTgt>
+                                        </p:tgtEl>
+                                        <p:attrNameLst>
+                                          <p:attrName>style.visibility</p:attrName>
+                                        </p:attrNameLst>
+                                      </p:cBhvr>
+                                      <p:to>
+                                        <p:strVal val="visible"/>
+                                      </p:to>
+                                    </p:set>
+                                  </p:childTnLst>
+                                </p:cTn>
+                              </p:par>
+                            </p:childTnLst>
+                          </p:cTn>
+                        </p:par>
+                      </p:childTnLst>
+                    </p:cTn>
+                  </p:par>
+                  <p:par>
+                    <p:cTn id="11" fill="hold">
+                      <p:stCondLst>
+                        <p:cond delay="indefinite"/>
+                      </p:stCondLst>
+                      <p:childTnLst>
+                        <p:par>
+                          <p:cTn id="12" fill="hold">
+                            <p:stCondLst>
+                              <p:cond delay="0"/>
+                            </p:stCondLst>
+                            <p:childTnLst>
+                              <p:par>
+                                <p:cTn id="13" presetID="1" presetClass="entr" presetSubtype="0" fill="hold" grpId="0" nodeType="clickEffect">
+                                  <p:stCondLst>
+                                    <p:cond delay="0"/>
+                                  </p:stCondLst>
+                                  <p:childTnLst>
+                                    <p:set>
+                                      <p:cBhvr>
+                                        <p:cTn id="14" dur="1" fill="hold">
+                                          <p:stCondLst>
+                                            <p:cond delay="0"/>
+                                          </p:stCondLst>
+                                        </p:cTn>
+                                        <p:tgtEl>
+                                          <p:spTgt spid="3">
+                                            <p:txEl>
+                                              <p:pRg st="2" end="2"/>
+                                            </p:txEl>
+                                          </p:spTgt>
+                                        </p:tgtEl>
+                                        <p:attrNameLst>
+                                          <p:attrName>style.visibility</p:attrName>
+                                        </p:attrNameLst>
+                                      </p:cBhvr>
+                                      <p:to>
+                                        <p:strVal val="visible"/>
+                                      </p:to>
+                                    </p:set>
+                                  </p:childTnLst>
+                                </p:cTn>
+                              </p:par>
+                              <p:par>
+                                <p:cTn id="15" presetID="1" presetClass="entr" presetSubtype="0" fill="hold" grpId="0" nodeType="withEffect">
+                                  <p:stCondLst>
+                                    <p:cond delay="0"/>
+                                  </p:stCondLst>
+                                  <p:childTnLst>
+                                    <p:set>
+                                      <p:cBhvr>
+                                        <p:cTn id="16" dur="1" fill="hold">
+                                          <p:stCondLst>
+                                            <p:cond delay="0"/>
+                                          </p:stCondLst>
+                                        </p:cTn>
+                                        <p:tgtEl>
+                                          <p:spTgt spid="3">
+                                            <p:txEl>
+                                              <p:pRg st="3" end="3"/>
+                                            </p:txEl>
+                                          </p:spTgt>
+                                        </p:tgtEl>
+                                        <p:attrNameLst>
+                                          <p:attrName>style.visibility</p:attrName>
+                                        </p:attrNameLst>
+                                      </p:cBhvr>
+                                      <p:to>
+                                        <p:strVal val="visible"/>
+                                      </p:to>
+                                    </p:set>
+                                  </p:childTnLst>
+                                </p:cTn>
+                              </p:par>
+                              <p:par>
+                                <p:cTn id="17" presetID="1" presetClass="entr" presetSubtype="0" fill="hold" grpId="0" nodeType="withEffect">
+                                  <p:stCondLst>
+                                    <p:cond delay="0"/>
+                                  </p:stCondLst>
+                                  <p:childTnLst>
+                                    <p:set>
+                                      <p:cBhvr>
+                                        <p:cTn id="18" dur="1" fill="hold">
+                                          <p:stCondLst>
+                                            <p:cond delay="0"/>
+                                          </p:stCondLst>
+                                        </p:cTn>
+                                        <p:tgtEl>
+                                          <p:spTgt spid="3">
+                                            <p:txEl>
+                                              <p:pRg st="4" end="4"/>
+                                            </p:txEl>
+                                          </p:spTgt>
+                                        </p:tgtEl>
+                                        <p:attrNameLst>
+                                          <p:attrName>style.visibility</p:attrName>
+                                        </p:attrNameLst>
+                                      </p:cBhvr>
+                                      <p:to>
+                                        <p:strVal val="visible"/>
+                                      </p:to>
+                                    </p:set>
+                                  </p:childTnLst>
+                                </p:cTn>
+                              </p:par>
+                            </p:childTnLst>
+                          </p:cTn>
+                        </p:par>
+                      </p:childTnLst>
+                    </p:cTn>
+                  </p:par>
+                </p:childTnLst>
+              </p:cTn>
+              <p:prevCondLst>
+                <p:cond evt="onPrev" delay="0">
+                  <p:tgtEl>
+                    <p:sldTgt/>
+                  </p:tgtEl>
+                </p:cond>
+              </p:prevCondLst>
+              <p:nextCondLst>
+                <p:cond evt="onNext" delay="0">
+                  <p:tgtEl>
+                    <p:sldTgt/>
+                  </p:tgtEl>
+                </p:cond>
+              </p:nextCondLst>
+            </p:seq>
+          </p:childTnLst>
+        </p:cTn>
+      </p:par>
+    </p:tnLst>
+    <p:bldLst>
+      <p:bldP spid="3" grpId="0" build="p"/>
+    </p:bldLst>
+  </p:timing>
 </p:sld>
 </file>
 
@@ -4534,6 +5014,284 @@
   <p:clrMapOvr>
     <a:masterClrMapping/>
   </p:clrMapOvr>
+  <p:timing>
+    <p:tnLst>
+      <p:par>
+        <p:cTn id="1" dur="indefinite" restart="never" nodeType="tmRoot">
+          <p:childTnLst>
+            <p:seq concurrent="1" nextAc="seek">
+              <p:cTn id="2" dur="indefinite" nodeType="mainSeq">
+                <p:childTnLst>
+                  <p:par>
+                    <p:cTn id="3" fill="hold">
+                      <p:stCondLst>
+                        <p:cond delay="indefinite"/>
+                      </p:stCondLst>
+                      <p:childTnLst>
+                        <p:par>
+                          <p:cTn id="4" fill="hold">
+                            <p:stCondLst>
+                              <p:cond delay="0"/>
+                            </p:stCondLst>
+                            <p:childTnLst>
+                              <p:par>
+                                <p:cTn id="5" presetID="1" presetClass="entr" presetSubtype="0" fill="hold" grpId="0" nodeType="clickEffect">
+                                  <p:stCondLst>
+                                    <p:cond delay="0"/>
+                                  </p:stCondLst>
+                                  <p:childTnLst>
+                                    <p:set>
+                                      <p:cBhvr>
+                                        <p:cTn id="6" dur="1" fill="hold">
+                                          <p:stCondLst>
+                                            <p:cond delay="0"/>
+                                          </p:stCondLst>
+                                        </p:cTn>
+                                        <p:tgtEl>
+                                          <p:spTgt spid="10">
+                                            <p:txEl>
+                                              <p:pRg st="0" end="0"/>
+                                            </p:txEl>
+                                          </p:spTgt>
+                                        </p:tgtEl>
+                                        <p:attrNameLst>
+                                          <p:attrName>style.visibility</p:attrName>
+                                        </p:attrNameLst>
+                                      </p:cBhvr>
+                                      <p:to>
+                                        <p:strVal val="visible"/>
+                                      </p:to>
+                                    </p:set>
+                                  </p:childTnLst>
+                                </p:cTn>
+                              </p:par>
+                            </p:childTnLst>
+                          </p:cTn>
+                        </p:par>
+                      </p:childTnLst>
+                    </p:cTn>
+                  </p:par>
+                  <p:par>
+                    <p:cTn id="7" fill="hold">
+                      <p:stCondLst>
+                        <p:cond delay="indefinite"/>
+                      </p:stCondLst>
+                      <p:childTnLst>
+                        <p:par>
+                          <p:cTn id="8" fill="hold">
+                            <p:stCondLst>
+                              <p:cond delay="0"/>
+                            </p:stCondLst>
+                            <p:childTnLst>
+                              <p:par>
+                                <p:cTn id="9" presetID="1" presetClass="entr" presetSubtype="0" fill="hold" grpId="0" nodeType="clickEffect">
+                                  <p:stCondLst>
+                                    <p:cond delay="0"/>
+                                  </p:stCondLst>
+                                  <p:childTnLst>
+                                    <p:set>
+                                      <p:cBhvr>
+                                        <p:cTn id="10" dur="1" fill="hold">
+                                          <p:stCondLst>
+                                            <p:cond delay="0"/>
+                                          </p:stCondLst>
+                                        </p:cTn>
+                                        <p:tgtEl>
+                                          <p:spTgt spid="10">
+                                            <p:txEl>
+                                              <p:pRg st="1" end="1"/>
+                                            </p:txEl>
+                                          </p:spTgt>
+                                        </p:tgtEl>
+                                        <p:attrNameLst>
+                                          <p:attrName>style.visibility</p:attrName>
+                                        </p:attrNameLst>
+                                      </p:cBhvr>
+                                      <p:to>
+                                        <p:strVal val="visible"/>
+                                      </p:to>
+                                    </p:set>
+                                  </p:childTnLst>
+                                </p:cTn>
+                              </p:par>
+                            </p:childTnLst>
+                          </p:cTn>
+                        </p:par>
+                      </p:childTnLst>
+                    </p:cTn>
+                  </p:par>
+                  <p:par>
+                    <p:cTn id="11" fill="hold">
+                      <p:stCondLst>
+                        <p:cond delay="indefinite"/>
+                      </p:stCondLst>
+                      <p:childTnLst>
+                        <p:par>
+                          <p:cTn id="12" fill="hold">
+                            <p:stCondLst>
+                              <p:cond delay="0"/>
+                            </p:stCondLst>
+                            <p:childTnLst>
+                              <p:par>
+                                <p:cTn id="13" presetID="1" presetClass="entr" presetSubtype="0" fill="hold" grpId="0" nodeType="clickEffect">
+                                  <p:stCondLst>
+                                    <p:cond delay="0"/>
+                                  </p:stCondLst>
+                                  <p:childTnLst>
+                                    <p:set>
+                                      <p:cBhvr>
+                                        <p:cTn id="14" dur="1" fill="hold">
+                                          <p:stCondLst>
+                                            <p:cond delay="0"/>
+                                          </p:stCondLst>
+                                        </p:cTn>
+                                        <p:tgtEl>
+                                          <p:spTgt spid="10">
+                                            <p:txEl>
+                                              <p:pRg st="2" end="2"/>
+                                            </p:txEl>
+                                          </p:spTgt>
+                                        </p:tgtEl>
+                                        <p:attrNameLst>
+                                          <p:attrName>style.visibility</p:attrName>
+                                        </p:attrNameLst>
+                                      </p:cBhvr>
+                                      <p:to>
+                                        <p:strVal val="visible"/>
+                                      </p:to>
+                                    </p:set>
+                                  </p:childTnLst>
+                                </p:cTn>
+                              </p:par>
+                            </p:childTnLst>
+                          </p:cTn>
+                        </p:par>
+                      </p:childTnLst>
+                    </p:cTn>
+                  </p:par>
+                  <p:par>
+                    <p:cTn id="15" fill="hold">
+                      <p:stCondLst>
+                        <p:cond delay="indefinite"/>
+                      </p:stCondLst>
+                      <p:childTnLst>
+                        <p:par>
+                          <p:cTn id="16" fill="hold">
+                            <p:stCondLst>
+                              <p:cond delay="0"/>
+                            </p:stCondLst>
+                            <p:childTnLst>
+                              <p:par>
+                                <p:cTn id="17" presetID="1" presetClass="entr" presetSubtype="0" fill="hold" grpId="0" nodeType="clickEffect">
+                                  <p:stCondLst>
+                                    <p:cond delay="0"/>
+                                  </p:stCondLst>
+                                  <p:childTnLst>
+                                    <p:set>
+                                      <p:cBhvr>
+                                        <p:cTn id="18" dur="1" fill="hold">
+                                          <p:stCondLst>
+                                            <p:cond delay="0"/>
+                                          </p:stCondLst>
+                                        </p:cTn>
+                                        <p:tgtEl>
+                                          <p:spTgt spid="10">
+                                            <p:txEl>
+                                              <p:pRg st="3" end="3"/>
+                                            </p:txEl>
+                                          </p:spTgt>
+                                        </p:tgtEl>
+                                        <p:attrNameLst>
+                                          <p:attrName>style.visibility</p:attrName>
+                                        </p:attrNameLst>
+                                      </p:cBhvr>
+                                      <p:to>
+                                        <p:strVal val="visible"/>
+                                      </p:to>
+                                    </p:set>
+                                  </p:childTnLst>
+                                </p:cTn>
+                              </p:par>
+                            </p:childTnLst>
+                          </p:cTn>
+                        </p:par>
+                      </p:childTnLst>
+                    </p:cTn>
+                  </p:par>
+                  <p:par>
+                    <p:cTn id="19" fill="hold">
+                      <p:stCondLst>
+                        <p:cond delay="indefinite"/>
+                      </p:stCondLst>
+                      <p:childTnLst>
+                        <p:par>
+                          <p:cTn id="20" fill="hold">
+                            <p:stCondLst>
+                              <p:cond delay="0"/>
+                            </p:stCondLst>
+                            <p:childTnLst>
+                              <p:par>
+                                <p:cTn id="21" presetID="1" presetClass="entr" presetSubtype="0" fill="hold" grpId="0" nodeType="clickEffect">
+                                  <p:stCondLst>
+                                    <p:cond delay="0"/>
+                                  </p:stCondLst>
+                                  <p:childTnLst>
+                                    <p:set>
+                                      <p:cBhvr>
+                                        <p:cTn id="22" dur="1" fill="hold">
+                                          <p:stCondLst>
+                                            <p:cond delay="0"/>
+                                          </p:stCondLst>
+                                        </p:cTn>
+                                        <p:tgtEl>
+                                          <p:spTgt spid="10">
+                                            <p:txEl>
+                                              <p:pRg st="4" end="4"/>
+                                            </p:txEl>
+                                          </p:spTgt>
+                                        </p:tgtEl>
+                                        <p:attrNameLst>
+                                          <p:attrName>style.visibility</p:attrName>
+                                        </p:attrNameLst>
+                                      </p:cBhvr>
+                                      <p:to>
+                                        <p:strVal val="visible"/>
+                                      </p:to>
+                                    </p:set>
+                                  </p:childTnLst>
+                                </p:cTn>
+                              </p:par>
+                            </p:childTnLst>
+                          </p:cTn>
+                        </p:par>
+                      </p:childTnLst>
+                    </p:cTn>
+                  </p:par>
+                </p:childTnLst>
+              </p:cTn>
+              <p:prevCondLst>
+                <p:cond evt="onPrev" delay="0">
+                  <p:tgtEl>
+                    <p:sldTgt/>
+                  </p:tgtEl>
+                </p:cond>
+              </p:prevCondLst>
+              <p:nextCondLst>
+                <p:cond evt="onNext" delay="0">
+                  <p:tgtEl>
+                    <p:sldTgt/>
+                  </p:tgtEl>
+                </p:cond>
+              </p:nextCondLst>
+            </p:seq>
+          </p:childTnLst>
+        </p:cTn>
+      </p:par>
+    </p:tnLst>
+    <p:bldLst>
+      <p:bldP spid="10" grpId="0" build="p"/>
+    </p:bldLst>
+  </p:timing>
 </p:sld>
 </file>
 
@@ -4660,6 +5418,137 @@
   <p:clrMapOvr>
     <a:masterClrMapping/>
   </p:clrMapOvr>
+  <p:timing>
+    <p:tnLst>
+      <p:par>
+        <p:cTn id="1" dur="indefinite" restart="never" nodeType="tmRoot">
+          <p:childTnLst>
+            <p:seq concurrent="1" nextAc="seek">
+              <p:cTn id="2" dur="indefinite" nodeType="mainSeq">
+                <p:childTnLst>
+                  <p:par>
+                    <p:cTn id="3" fill="hold">
+                      <p:stCondLst>
+                        <p:cond delay="indefinite"/>
+                      </p:stCondLst>
+                      <p:childTnLst>
+                        <p:par>
+                          <p:cTn id="4" fill="hold">
+                            <p:stCondLst>
+                              <p:cond delay="0"/>
+                            </p:stCondLst>
+                            <p:childTnLst>
+                              <p:par>
+                                <p:cTn id="5" presetID="1" presetClass="entr" presetSubtype="0" fill="hold" grpId="0" nodeType="clickEffect">
+                                  <p:stCondLst>
+                                    <p:cond delay="0"/>
+                                  </p:stCondLst>
+                                  <p:childTnLst>
+                                    <p:set>
+                                      <p:cBhvr>
+                                        <p:cTn id="6" dur="1" fill="hold">
+                                          <p:stCondLst>
+                                            <p:cond delay="0"/>
+                                          </p:stCondLst>
+                                        </p:cTn>
+                                        <p:tgtEl>
+                                          <p:spTgt spid="3">
+                                            <p:txEl>
+                                              <p:pRg st="0" end="0"/>
+                                            </p:txEl>
+                                          </p:spTgt>
+                                        </p:tgtEl>
+                                        <p:attrNameLst>
+                                          <p:attrName>style.visibility</p:attrName>
+                                        </p:attrNameLst>
+                                      </p:cBhvr>
+                                      <p:to>
+                                        <p:strVal val="visible"/>
+                                      </p:to>
+                                    </p:set>
+                                  </p:childTnLst>
+                                </p:cTn>
+                              </p:par>
+                            </p:childTnLst>
+                          </p:cTn>
+                        </p:par>
+                      </p:childTnLst>
+                    </p:cTn>
+                  </p:par>
+                  <p:par>
+                    <p:cTn id="7" fill="hold">
+                      <p:stCondLst>
+                        <p:cond delay="indefinite"/>
+                      </p:stCondLst>
+                      <p:childTnLst>
+                        <p:par>
+                          <p:cTn id="8" fill="hold">
+                            <p:stCondLst>
+                              <p:cond delay="0"/>
+                            </p:stCondLst>
+                            <p:childTnLst>
+                              <p:par>
+                                <p:cTn id="9" presetID="1" presetClass="entr" presetSubtype="0" fill="hold" grpId="0" nodeType="clickEffect">
+                                  <p:stCondLst>
+                                    <p:cond delay="0"/>
+                                  </p:stCondLst>
+                                  <p:childTnLst>
+                                    <p:set>
+                                      <p:cBhvr>
+                                        <p:cTn id="10" dur="1" fill="hold">
+                                          <p:stCondLst>
+                                            <p:cond delay="0"/>
+                                          </p:stCondLst>
+                                        </p:cTn>
+                                        <p:tgtEl>
+                                          <p:spTgt spid="3">
+                                            <p:txEl>
+                                              <p:pRg st="1" end="1"/>
+                                            </p:txEl>
+                                          </p:spTgt>
+                                        </p:tgtEl>
+                                        <p:attrNameLst>
+                                          <p:attrName>style.visibility</p:attrName>
+                                        </p:attrNameLst>
+                                      </p:cBhvr>
+                                      <p:to>
+                                        <p:strVal val="visible"/>
+                                      </p:to>
+                                    </p:set>
+                                  </p:childTnLst>
+                                </p:cTn>
+                              </p:par>
+                            </p:childTnLst>
+                          </p:cTn>
+                        </p:par>
+                      </p:childTnLst>
+                    </p:cTn>
+                  </p:par>
+                </p:childTnLst>
+              </p:cTn>
+              <p:prevCondLst>
+                <p:cond evt="onPrev" delay="0">
+                  <p:tgtEl>
+                    <p:sldTgt/>
+                  </p:tgtEl>
+                </p:cond>
+              </p:prevCondLst>
+              <p:nextCondLst>
+                <p:cond evt="onNext" delay="0">
+                  <p:tgtEl>
+                    <p:sldTgt/>
+                  </p:tgtEl>
+                </p:cond>
+              </p:nextCondLst>
+            </p:seq>
+          </p:childTnLst>
+        </p:cTn>
+      </p:par>
+    </p:tnLst>
+    <p:bldLst>
+      <p:bldP spid="3" grpId="0" build="p"/>
+    </p:bldLst>
+  </p:timing>
 </p:sld>
 </file>
 
@@ -4854,6 +5743,137 @@
   <p:clrMapOvr>
     <a:masterClrMapping/>
   </p:clrMapOvr>
+  <p:timing>
+    <p:tnLst>
+      <p:par>
+        <p:cTn id="1" dur="indefinite" restart="never" nodeType="tmRoot">
+          <p:childTnLst>
+            <p:seq concurrent="1" nextAc="seek">
+              <p:cTn id="2" dur="indefinite" nodeType="mainSeq">
+                <p:childTnLst>
+                  <p:par>
+                    <p:cTn id="3" fill="hold">
+                      <p:stCondLst>
+                        <p:cond delay="indefinite"/>
+                      </p:stCondLst>
+                      <p:childTnLst>
+                        <p:par>
+                          <p:cTn id="4" fill="hold">
+                            <p:stCondLst>
+                              <p:cond delay="0"/>
+                            </p:stCondLst>
+                            <p:childTnLst>
+                              <p:par>
+                                <p:cTn id="5" presetID="1" presetClass="entr" presetSubtype="0" fill="hold" grpId="0" nodeType="clickEffect">
+                                  <p:stCondLst>
+                                    <p:cond delay="0"/>
+                                  </p:stCondLst>
+                                  <p:childTnLst>
+                                    <p:set>
+                                      <p:cBhvr>
+                                        <p:cTn id="6" dur="1" fill="hold">
+                                          <p:stCondLst>
+                                            <p:cond delay="0"/>
+                                          </p:stCondLst>
+                                        </p:cTn>
+                                        <p:tgtEl>
+                                          <p:spTgt spid="3">
+                                            <p:txEl>
+                                              <p:pRg st="0" end="0"/>
+                                            </p:txEl>
+                                          </p:spTgt>
+                                        </p:tgtEl>
+                                        <p:attrNameLst>
+                                          <p:attrName>style.visibility</p:attrName>
+                                        </p:attrNameLst>
+                                      </p:cBhvr>
+                                      <p:to>
+                                        <p:strVal val="visible"/>
+                                      </p:to>
+                                    </p:set>
+                                  </p:childTnLst>
+                                </p:cTn>
+                              </p:par>
+                            </p:childTnLst>
+                          </p:cTn>
+                        </p:par>
+                      </p:childTnLst>
+                    </p:cTn>
+                  </p:par>
+                  <p:par>
+                    <p:cTn id="7" fill="hold">
+                      <p:stCondLst>
+                        <p:cond delay="indefinite"/>
+                      </p:stCondLst>
+                      <p:childTnLst>
+                        <p:par>
+                          <p:cTn id="8" fill="hold">
+                            <p:stCondLst>
+                              <p:cond delay="0"/>
+                            </p:stCondLst>
+                            <p:childTnLst>
+                              <p:par>
+                                <p:cTn id="9" presetID="1" presetClass="entr" presetSubtype="0" fill="hold" grpId="0" nodeType="clickEffect">
+                                  <p:stCondLst>
+                                    <p:cond delay="0"/>
+                                  </p:stCondLst>
+                                  <p:childTnLst>
+                                    <p:set>
+                                      <p:cBhvr>
+                                        <p:cTn id="10" dur="1" fill="hold">
+                                          <p:stCondLst>
+                                            <p:cond delay="0"/>
+                                          </p:stCondLst>
+                                        </p:cTn>
+                                        <p:tgtEl>
+                                          <p:spTgt spid="3">
+                                            <p:txEl>
+                                              <p:pRg st="1" end="1"/>
+                                            </p:txEl>
+                                          </p:spTgt>
+                                        </p:tgtEl>
+                                        <p:attrNameLst>
+                                          <p:attrName>style.visibility</p:attrName>
+                                        </p:attrNameLst>
+                                      </p:cBhvr>
+                                      <p:to>
+                                        <p:strVal val="visible"/>
+                                      </p:to>
+                                    </p:set>
+                                  </p:childTnLst>
+                                </p:cTn>
+                              </p:par>
+                            </p:childTnLst>
+                          </p:cTn>
+                        </p:par>
+                      </p:childTnLst>
+                    </p:cTn>
+                  </p:par>
+                </p:childTnLst>
+              </p:cTn>
+              <p:prevCondLst>
+                <p:cond evt="onPrev" delay="0">
+                  <p:tgtEl>
+                    <p:sldTgt/>
+                  </p:tgtEl>
+                </p:cond>
+              </p:prevCondLst>
+              <p:nextCondLst>
+                <p:cond evt="onNext" delay="0">
+                  <p:tgtEl>
+                    <p:sldTgt/>
+                  </p:tgtEl>
+                </p:cond>
+              </p:nextCondLst>
+            </p:seq>
+          </p:childTnLst>
+        </p:cTn>
+      </p:par>
+    </p:tnLst>
+    <p:bldLst>
+      <p:bldP spid="3" grpId="0" build="p"/>
+    </p:bldLst>
+  </p:timing>
 </p:sld>
 </file>
 
@@ -5311,6 +6331,297 @@
   <p:clrMapOvr>
     <a:masterClrMapping/>
   </p:clrMapOvr>
+  <p:timing>
+    <p:tnLst>
+      <p:par>
+        <p:cTn id="1" dur="indefinite" restart="never" nodeType="tmRoot">
+          <p:childTnLst>
+            <p:seq concurrent="1" nextAc="seek">
+              <p:cTn id="2" dur="indefinite" nodeType="mainSeq">
+                <p:childTnLst>
+                  <p:par>
+                    <p:cTn id="3" fill="hold">
+                      <p:stCondLst>
+                        <p:cond delay="indefinite"/>
+                      </p:stCondLst>
+                      <p:childTnLst>
+                        <p:par>
+                          <p:cTn id="4" fill="hold">
+                            <p:stCondLst>
+                              <p:cond delay="0"/>
+                            </p:stCondLst>
+                            <p:childTnLst>
+                              <p:par>
+                                <p:cTn id="5" presetID="1" presetClass="entr" presetSubtype="0" fill="hold" grpId="0" nodeType="clickEffect">
+                                  <p:stCondLst>
+                                    <p:cond delay="0"/>
+                                  </p:stCondLst>
+                                  <p:childTnLst>
+                                    <p:set>
+                                      <p:cBhvr>
+                                        <p:cTn id="6" dur="1" fill="hold">
+                                          <p:stCondLst>
+                                            <p:cond delay="0"/>
+                                          </p:stCondLst>
+                                        </p:cTn>
+                                        <p:tgtEl>
+                                          <p:spTgt spid="3">
+                                            <p:txEl>
+                                              <p:pRg st="0" end="0"/>
+                                            </p:txEl>
+                                          </p:spTgt>
+                                        </p:tgtEl>
+                                        <p:attrNameLst>
+                                          <p:attrName>style.visibility</p:attrName>
+                                        </p:attrNameLst>
+                                      </p:cBhvr>
+                                      <p:to>
+                                        <p:strVal val="visible"/>
+                                      </p:to>
+                                    </p:set>
+                                  </p:childTnLst>
+                                </p:cTn>
+                              </p:par>
+                            </p:childTnLst>
+                          </p:cTn>
+                        </p:par>
+                      </p:childTnLst>
+                    </p:cTn>
+                  </p:par>
+                  <p:par>
+                    <p:cTn id="7" fill="hold">
+                      <p:stCondLst>
+                        <p:cond delay="indefinite"/>
+                      </p:stCondLst>
+                      <p:childTnLst>
+                        <p:par>
+                          <p:cTn id="8" fill="hold">
+                            <p:stCondLst>
+                              <p:cond delay="0"/>
+                            </p:stCondLst>
+                            <p:childTnLst>
+                              <p:par>
+                                <p:cTn id="9" presetID="1" presetClass="entr" presetSubtype="0" fill="hold" grpId="0" nodeType="clickEffect">
+                                  <p:stCondLst>
+                                    <p:cond delay="0"/>
+                                  </p:stCondLst>
+                                  <p:childTnLst>
+                                    <p:set>
+                                      <p:cBhvr>
+                                        <p:cTn id="10" dur="1" fill="hold">
+                                          <p:stCondLst>
+                                            <p:cond delay="0"/>
+                                          </p:stCondLst>
+                                        </p:cTn>
+                                        <p:tgtEl>
+                                          <p:spTgt spid="3">
+                                            <p:txEl>
+                                              <p:pRg st="1" end="1"/>
+                                            </p:txEl>
+                                          </p:spTgt>
+                                        </p:tgtEl>
+                                        <p:attrNameLst>
+                                          <p:attrName>style.visibility</p:attrName>
+                                        </p:attrNameLst>
+                                      </p:cBhvr>
+                                      <p:to>
+                                        <p:strVal val="visible"/>
+                                      </p:to>
+                                    </p:set>
+                                  </p:childTnLst>
+                                </p:cTn>
+                              </p:par>
+                            </p:childTnLst>
+                          </p:cTn>
+                        </p:par>
+                      </p:childTnLst>
+                    </p:cTn>
+                  </p:par>
+                  <p:par>
+                    <p:cTn id="11" fill="hold">
+                      <p:stCondLst>
+                        <p:cond delay="indefinite"/>
+                      </p:stCondLst>
+                      <p:childTnLst>
+                        <p:par>
+                          <p:cTn id="12" fill="hold">
+                            <p:stCondLst>
+                              <p:cond delay="0"/>
+                            </p:stCondLst>
+                            <p:childTnLst>
+                              <p:par>
+                                <p:cTn id="13" presetID="1" presetClass="entr" presetSubtype="0" fill="hold" grpId="0" nodeType="clickEffect">
+                                  <p:stCondLst>
+                                    <p:cond delay="0"/>
+                                  </p:stCondLst>
+                                  <p:childTnLst>
+                                    <p:set>
+                                      <p:cBhvr>
+                                        <p:cTn id="14" dur="1" fill="hold">
+                                          <p:stCondLst>
+                                            <p:cond delay="0"/>
+                                          </p:stCondLst>
+                                        </p:cTn>
+                                        <p:tgtEl>
+                                          <p:spTgt spid="3">
+                                            <p:txEl>
+                                              <p:pRg st="2" end="2"/>
+                                            </p:txEl>
+                                          </p:spTgt>
+                                        </p:tgtEl>
+                                        <p:attrNameLst>
+                                          <p:attrName>style.visibility</p:attrName>
+                                        </p:attrNameLst>
+                                      </p:cBhvr>
+                                      <p:to>
+                                        <p:strVal val="visible"/>
+                                      </p:to>
+                                    </p:set>
+                                  </p:childTnLst>
+                                </p:cTn>
+                              </p:par>
+                            </p:childTnLst>
+                          </p:cTn>
+                        </p:par>
+                      </p:childTnLst>
+                    </p:cTn>
+                  </p:par>
+                  <p:par>
+                    <p:cTn id="15" fill="hold">
+                      <p:stCondLst>
+                        <p:cond delay="indefinite"/>
+                      </p:stCondLst>
+                      <p:childTnLst>
+                        <p:par>
+                          <p:cTn id="16" fill="hold">
+                            <p:stCondLst>
+                              <p:cond delay="0"/>
+                            </p:stCondLst>
+                            <p:childTnLst>
+                              <p:par>
+                                <p:cTn id="17" presetID="1" presetClass="entr" presetSubtype="0" fill="hold" grpId="0" nodeType="clickEffect">
+                                  <p:stCondLst>
+                                    <p:cond delay="0"/>
+                                  </p:stCondLst>
+                                  <p:childTnLst>
+                                    <p:set>
+                                      <p:cBhvr>
+                                        <p:cTn id="18" dur="1" fill="hold">
+                                          <p:stCondLst>
+                                            <p:cond delay="0"/>
+                                          </p:stCondLst>
+                                        </p:cTn>
+                                        <p:tgtEl>
+                                          <p:spTgt spid="3">
+                                            <p:txEl>
+                                              <p:pRg st="3" end="3"/>
+                                            </p:txEl>
+                                          </p:spTgt>
+                                        </p:tgtEl>
+                                        <p:attrNameLst>
+                                          <p:attrName>style.visibility</p:attrName>
+                                        </p:attrNameLst>
+                                      </p:cBhvr>
+                                      <p:to>
+                                        <p:strVal val="visible"/>
+                                      </p:to>
+                                    </p:set>
+                                  </p:childTnLst>
+                                </p:cTn>
+                              </p:par>
+                              <p:par>
+                                <p:cTn id="19" presetID="1" presetClass="entr" presetSubtype="0" fill="hold" grpId="0" nodeType="withEffect">
+                                  <p:stCondLst>
+                                    <p:cond delay="0"/>
+                                  </p:stCondLst>
+                                  <p:childTnLst>
+                                    <p:set>
+                                      <p:cBhvr>
+                                        <p:cTn id="20" dur="1" fill="hold">
+                                          <p:stCondLst>
+                                            <p:cond delay="0"/>
+                                          </p:stCondLst>
+                                        </p:cTn>
+                                        <p:tgtEl>
+                                          <p:spTgt spid="3">
+                                            <p:txEl>
+                                              <p:pRg st="4" end="4"/>
+                                            </p:txEl>
+                                          </p:spTgt>
+                                        </p:tgtEl>
+                                        <p:attrNameLst>
+                                          <p:attrName>style.visibility</p:attrName>
+                                        </p:attrNameLst>
+                                      </p:cBhvr>
+                                      <p:to>
+                                        <p:strVal val="visible"/>
+                                      </p:to>
+                                    </p:set>
+                                  </p:childTnLst>
+                                </p:cTn>
+                              </p:par>
+                              <p:par>
+                                <p:cTn id="21" presetID="1" presetClass="entr" presetSubtype="0" fill="hold" grpId="0" nodeType="withEffect">
+                                  <p:stCondLst>
+                                    <p:cond delay="0"/>
+                                  </p:stCondLst>
+                                  <p:childTnLst>
+                                    <p:set>
+                                      <p:cBhvr>
+                                        <p:cTn id="22" dur="1" fill="hold">
+                                          <p:stCondLst>
+                                            <p:cond delay="0"/>
+                                          </p:stCondLst>
+                                        </p:cTn>
+                                        <p:tgtEl>
+                                          <p:spTgt spid="3">
+                                            <p:txEl>
+                                              <p:pRg st="5" end="5"/>
+                                            </p:txEl>
+                                          </p:spTgt>
+                                        </p:tgtEl>
+                                        <p:attrNameLst>
+                                          <p:attrName>style.visibility</p:attrName>
+                                        </p:attrNameLst>
+                                      </p:cBhvr>
+                                      <p:to>
+                                        <p:strVal val="visible"/>
+                                      </p:to>
+                                    </p:set>
+                                  </p:childTnLst>
+                                </p:cTn>
+                              </p:par>
+                            </p:childTnLst>
+                          </p:cTn>
+                        </p:par>
+                      </p:childTnLst>
+                    </p:cTn>
+                  </p:par>
+                </p:childTnLst>
+              </p:cTn>
+              <p:prevCondLst>
+                <p:cond evt="onPrev" delay="0">
+                  <p:tgtEl>
+                    <p:sldTgt/>
+                  </p:tgtEl>
+                </p:cond>
+              </p:prevCondLst>
+              <p:nextCondLst>
+                <p:cond evt="onNext" delay="0">
+                  <p:tgtEl>
+                    <p:sldTgt/>
+                  </p:tgtEl>
+                </p:cond>
+              </p:nextCondLst>
+            </p:seq>
+          </p:childTnLst>
+        </p:cTn>
+      </p:par>
+    </p:tnLst>
+    <p:bldLst>
+      <p:bldP spid="3" grpId="0" build="p"/>
+    </p:bldLst>
+  </p:timing>
 </p:sld>
 </file>
 
@@ -5536,6 +6847,403 @@
   <p:clrMapOvr>
     <a:masterClrMapping/>
   </p:clrMapOvr>
+  <p:timing>
+    <p:tnLst>
+      <p:par>
+        <p:cTn id="1" dur="indefinite" restart="never" nodeType="tmRoot">
+          <p:childTnLst>
+            <p:seq concurrent="1" nextAc="seek">
+              <p:cTn id="2" dur="indefinite" nodeType="mainSeq">
+                <p:childTnLst>
+                  <p:par>
+                    <p:cTn id="3" fill="hold">
+                      <p:stCondLst>
+                        <p:cond delay="indefinite"/>
+                      </p:stCondLst>
+                      <p:childTnLst>
+                        <p:par>
+                          <p:cTn id="4" fill="hold">
+                            <p:stCondLst>
+                              <p:cond delay="0"/>
+                            </p:stCondLst>
+                            <p:childTnLst>
+                              <p:par>
+                                <p:cTn id="5" presetID="1" presetClass="entr" presetSubtype="0" fill="hold" grpId="0" nodeType="clickEffect">
+                                  <p:stCondLst>
+                                    <p:cond delay="0"/>
+                                  </p:stCondLst>
+                                  <p:childTnLst>
+                                    <p:set>
+                                      <p:cBhvr>
+                                        <p:cTn id="6" dur="1" fill="hold">
+                                          <p:stCondLst>
+                                            <p:cond delay="0"/>
+                                          </p:stCondLst>
+                                        </p:cTn>
+                                        <p:tgtEl>
+                                          <p:spTgt spid="3">
+                                            <p:txEl>
+                                              <p:pRg st="0" end="0"/>
+                                            </p:txEl>
+                                          </p:spTgt>
+                                        </p:tgtEl>
+                                        <p:attrNameLst>
+                                          <p:attrName>style.visibility</p:attrName>
+                                        </p:attrNameLst>
+                                      </p:cBhvr>
+                                      <p:to>
+                                        <p:strVal val="visible"/>
+                                      </p:to>
+                                    </p:set>
+                                  </p:childTnLst>
+                                </p:cTn>
+                              </p:par>
+                              <p:par>
+                                <p:cTn id="7" presetID="1" presetClass="entr" presetSubtype="0" fill="hold" grpId="0" nodeType="withEffect">
+                                  <p:stCondLst>
+                                    <p:cond delay="0"/>
+                                  </p:stCondLst>
+                                  <p:childTnLst>
+                                    <p:set>
+                                      <p:cBhvr>
+                                        <p:cTn id="8" dur="1" fill="hold">
+                                          <p:stCondLst>
+                                            <p:cond delay="0"/>
+                                          </p:stCondLst>
+                                        </p:cTn>
+                                        <p:tgtEl>
+                                          <p:spTgt spid="3">
+                                            <p:txEl>
+                                              <p:pRg st="1" end="1"/>
+                                            </p:txEl>
+                                          </p:spTgt>
+                                        </p:tgtEl>
+                                        <p:attrNameLst>
+                                          <p:attrName>style.visibility</p:attrName>
+                                        </p:attrNameLst>
+                                      </p:cBhvr>
+                                      <p:to>
+                                        <p:strVal val="visible"/>
+                                      </p:to>
+                                    </p:set>
+                                  </p:childTnLst>
+                                </p:cTn>
+                              </p:par>
+                              <p:par>
+                                <p:cTn id="9" presetID="1" presetClass="entr" presetSubtype="0" fill="hold" grpId="0" nodeType="withEffect">
+                                  <p:stCondLst>
+                                    <p:cond delay="0"/>
+                                  </p:stCondLst>
+                                  <p:childTnLst>
+                                    <p:set>
+                                      <p:cBhvr>
+                                        <p:cTn id="10" dur="1" fill="hold">
+                                          <p:stCondLst>
+                                            <p:cond delay="0"/>
+                                          </p:stCondLst>
+                                        </p:cTn>
+                                        <p:tgtEl>
+                                          <p:spTgt spid="3">
+                                            <p:txEl>
+                                              <p:pRg st="2" end="2"/>
+                                            </p:txEl>
+                                          </p:spTgt>
+                                        </p:tgtEl>
+                                        <p:attrNameLst>
+                                          <p:attrName>style.visibility</p:attrName>
+                                        </p:attrNameLst>
+                                      </p:cBhvr>
+                                      <p:to>
+                                        <p:strVal val="visible"/>
+                                      </p:to>
+                                    </p:set>
+                                  </p:childTnLst>
+                                </p:cTn>
+                              </p:par>
+                            </p:childTnLst>
+                          </p:cTn>
+                        </p:par>
+                      </p:childTnLst>
+                    </p:cTn>
+                  </p:par>
+                  <p:par>
+                    <p:cTn id="11" fill="hold">
+                      <p:stCondLst>
+                        <p:cond delay="indefinite"/>
+                      </p:stCondLst>
+                      <p:childTnLst>
+                        <p:par>
+                          <p:cTn id="12" fill="hold">
+                            <p:stCondLst>
+                              <p:cond delay="0"/>
+                            </p:stCondLst>
+                            <p:childTnLst>
+                              <p:par>
+                                <p:cTn id="13" presetID="1" presetClass="entr" presetSubtype="0" fill="hold" grpId="0" nodeType="clickEffect">
+                                  <p:stCondLst>
+                                    <p:cond delay="0"/>
+                                  </p:stCondLst>
+                                  <p:childTnLst>
+                                    <p:set>
+                                      <p:cBhvr>
+                                        <p:cTn id="14" dur="1" fill="hold">
+                                          <p:stCondLst>
+                                            <p:cond delay="0"/>
+                                          </p:stCondLst>
+                                        </p:cTn>
+                                        <p:tgtEl>
+                                          <p:spTgt spid="3">
+                                            <p:txEl>
+                                              <p:pRg st="3" end="3"/>
+                                            </p:txEl>
+                                          </p:spTgt>
+                                        </p:tgtEl>
+                                        <p:attrNameLst>
+                                          <p:attrName>style.visibility</p:attrName>
+                                        </p:attrNameLst>
+                                      </p:cBhvr>
+                                      <p:to>
+                                        <p:strVal val="visible"/>
+                                      </p:to>
+                                    </p:set>
+                                  </p:childTnLst>
+                                </p:cTn>
+                              </p:par>
+                              <p:par>
+                                <p:cTn id="15" presetID="1" presetClass="entr" presetSubtype="0" fill="hold" grpId="0" nodeType="withEffect">
+                                  <p:stCondLst>
+                                    <p:cond delay="0"/>
+                                  </p:stCondLst>
+                                  <p:childTnLst>
+                                    <p:set>
+                                      <p:cBhvr>
+                                        <p:cTn id="16" dur="1" fill="hold">
+                                          <p:stCondLst>
+                                            <p:cond delay="0"/>
+                                          </p:stCondLst>
+                                        </p:cTn>
+                                        <p:tgtEl>
+                                          <p:spTgt spid="3">
+                                            <p:txEl>
+                                              <p:pRg st="4" end="4"/>
+                                            </p:txEl>
+                                          </p:spTgt>
+                                        </p:tgtEl>
+                                        <p:attrNameLst>
+                                          <p:attrName>style.visibility</p:attrName>
+                                        </p:attrNameLst>
+                                      </p:cBhvr>
+                                      <p:to>
+                                        <p:strVal val="visible"/>
+                                      </p:to>
+                                    </p:set>
+                                  </p:childTnLst>
+                                </p:cTn>
+                              </p:par>
+                            </p:childTnLst>
+                          </p:cTn>
+                        </p:par>
+                      </p:childTnLst>
+                    </p:cTn>
+                  </p:par>
+                  <p:par>
+                    <p:cTn id="17" fill="hold">
+                      <p:stCondLst>
+                        <p:cond delay="indefinite"/>
+                      </p:stCondLst>
+                      <p:childTnLst>
+                        <p:par>
+                          <p:cTn id="18" fill="hold">
+                            <p:stCondLst>
+                              <p:cond delay="0"/>
+                            </p:stCondLst>
+                            <p:childTnLst>
+                              <p:par>
+                                <p:cTn id="19" presetID="1" presetClass="entr" presetSubtype="0" fill="hold" grpId="0" nodeType="clickEffect">
+                                  <p:stCondLst>
+                                    <p:cond delay="0"/>
+                                  </p:stCondLst>
+                                  <p:childTnLst>
+                                    <p:set>
+                                      <p:cBhvr>
+                                        <p:cTn id="20" dur="1" fill="hold">
+                                          <p:stCondLst>
+                                            <p:cond delay="0"/>
+                                          </p:stCondLst>
+                                        </p:cTn>
+                                        <p:tgtEl>
+                                          <p:spTgt spid="3">
+                                            <p:txEl>
+                                              <p:pRg st="5" end="5"/>
+                                            </p:txEl>
+                                          </p:spTgt>
+                                        </p:tgtEl>
+                                        <p:attrNameLst>
+                                          <p:attrName>style.visibility</p:attrName>
+                                        </p:attrNameLst>
+                                      </p:cBhvr>
+                                      <p:to>
+                                        <p:strVal val="visible"/>
+                                      </p:to>
+                                    </p:set>
+                                  </p:childTnLst>
+                                </p:cTn>
+                              </p:par>
+                              <p:par>
+                                <p:cTn id="21" presetID="1" presetClass="entr" presetSubtype="0" fill="hold" grpId="0" nodeType="withEffect">
+                                  <p:stCondLst>
+                                    <p:cond delay="0"/>
+                                  </p:stCondLst>
+                                  <p:childTnLst>
+                                    <p:set>
+                                      <p:cBhvr>
+                                        <p:cTn id="22" dur="1" fill="hold">
+                                          <p:stCondLst>
+                                            <p:cond delay="0"/>
+                                          </p:stCondLst>
+                                        </p:cTn>
+                                        <p:tgtEl>
+                                          <p:spTgt spid="3">
+                                            <p:txEl>
+                                              <p:pRg st="6" end="6"/>
+                                            </p:txEl>
+                                          </p:spTgt>
+                                        </p:tgtEl>
+                                        <p:attrNameLst>
+                                          <p:attrName>style.visibility</p:attrName>
+                                        </p:attrNameLst>
+                                      </p:cBhvr>
+                                      <p:to>
+                                        <p:strVal val="visible"/>
+                                      </p:to>
+                                    </p:set>
+                                  </p:childTnLst>
+                                </p:cTn>
+                              </p:par>
+                              <p:par>
+                                <p:cTn id="23" presetID="1" presetClass="entr" presetSubtype="0" fill="hold" grpId="0" nodeType="withEffect">
+                                  <p:stCondLst>
+                                    <p:cond delay="0"/>
+                                  </p:stCondLst>
+                                  <p:childTnLst>
+                                    <p:set>
+                                      <p:cBhvr>
+                                        <p:cTn id="24" dur="1" fill="hold">
+                                          <p:stCondLst>
+                                            <p:cond delay="0"/>
+                                          </p:stCondLst>
+                                        </p:cTn>
+                                        <p:tgtEl>
+                                          <p:spTgt spid="3">
+                                            <p:txEl>
+                                              <p:pRg st="7" end="7"/>
+                                            </p:txEl>
+                                          </p:spTgt>
+                                        </p:tgtEl>
+                                        <p:attrNameLst>
+                                          <p:attrName>style.visibility</p:attrName>
+                                        </p:attrNameLst>
+                                      </p:cBhvr>
+                                      <p:to>
+                                        <p:strVal val="visible"/>
+                                      </p:to>
+                                    </p:set>
+                                  </p:childTnLst>
+                                </p:cTn>
+                              </p:par>
+                              <p:par>
+                                <p:cTn id="25" presetID="1" presetClass="entr" presetSubtype="0" fill="hold" grpId="0" nodeType="withEffect">
+                                  <p:stCondLst>
+                                    <p:cond delay="0"/>
+                                  </p:stCondLst>
+                                  <p:childTnLst>
+                                    <p:set>
+                                      <p:cBhvr>
+                                        <p:cTn id="26" dur="1" fill="hold">
+                                          <p:stCondLst>
+                                            <p:cond delay="0"/>
+                                          </p:stCondLst>
+                                        </p:cTn>
+                                        <p:tgtEl>
+                                          <p:spTgt spid="3">
+                                            <p:txEl>
+                                              <p:pRg st="8" end="8"/>
+                                            </p:txEl>
+                                          </p:spTgt>
+                                        </p:tgtEl>
+                                        <p:attrNameLst>
+                                          <p:attrName>style.visibility</p:attrName>
+                                        </p:attrNameLst>
+                                      </p:cBhvr>
+                                      <p:to>
+                                        <p:strVal val="visible"/>
+                                      </p:to>
+                                    </p:set>
+                                  </p:childTnLst>
+                                </p:cTn>
+                              </p:par>
+                              <p:par>
+                                <p:cTn id="27" presetID="1" presetClass="entr" presetSubtype="0" fill="hold" grpId="0" nodeType="withEffect">
+                                  <p:stCondLst>
+                                    <p:cond delay="0"/>
+                                  </p:stCondLst>
+                                  <p:childTnLst>
+                                    <p:set>
+                                      <p:cBhvr>
+                                        <p:cTn id="28" dur="1" fill="hold">
+                                          <p:stCondLst>
+                                            <p:cond delay="0"/>
+                                          </p:stCondLst>
+                                        </p:cTn>
+                                        <p:tgtEl>
+                                          <p:spTgt spid="3">
+                                            <p:txEl>
+                                              <p:pRg st="9" end="9"/>
+                                            </p:txEl>
+                                          </p:spTgt>
+                                        </p:tgtEl>
+                                        <p:attrNameLst>
+                                          <p:attrName>style.visibility</p:attrName>
+                                        </p:attrNameLst>
+                                      </p:cBhvr>
+                                      <p:to>
+                                        <p:strVal val="visible"/>
+                                      </p:to>
+                                    </p:set>
+                                  </p:childTnLst>
+                                </p:cTn>
+                              </p:par>
+                            </p:childTnLst>
+                          </p:cTn>
+                        </p:par>
+                      </p:childTnLst>
+                    </p:cTn>
+                  </p:par>
+                </p:childTnLst>
+              </p:cTn>
+              <p:prevCondLst>
+                <p:cond evt="onPrev" delay="0">
+                  <p:tgtEl>
+                    <p:sldTgt/>
+                  </p:tgtEl>
+                </p:cond>
+              </p:prevCondLst>
+              <p:nextCondLst>
+                <p:cond evt="onNext" delay="0">
+                  <p:tgtEl>
+                    <p:sldTgt/>
+                  </p:tgtEl>
+                </p:cond>
+              </p:nextCondLst>
+            </p:seq>
+          </p:childTnLst>
+        </p:cTn>
+      </p:par>
+    </p:tnLst>
+    <p:bldLst>
+      <p:bldP spid="3" grpId="0" build="p"/>
+    </p:bldLst>
+  </p:timing>
 </p:sld>
 </file>
 
@@ -5727,6 +7435,266 @@
   <p:clrMapOvr>
     <a:masterClrMapping/>
   </p:clrMapOvr>
+  <p:timing>
+    <p:tnLst>
+      <p:par>
+        <p:cTn id="1" dur="indefinite" restart="never" nodeType="tmRoot">
+          <p:childTnLst>
+            <p:seq concurrent="1" nextAc="seek">
+              <p:cTn id="2" dur="indefinite" nodeType="mainSeq">
+                <p:childTnLst>
+                  <p:par>
+                    <p:cTn id="3" fill="hold">
+                      <p:stCondLst>
+                        <p:cond delay="indefinite"/>
+                      </p:stCondLst>
+                      <p:childTnLst>
+                        <p:par>
+                          <p:cTn id="4" fill="hold">
+                            <p:stCondLst>
+                              <p:cond delay="0"/>
+                            </p:stCondLst>
+                            <p:childTnLst>
+                              <p:par>
+                                <p:cTn id="5" presetID="1" presetClass="entr" presetSubtype="0" fill="hold" grpId="0" nodeType="clickEffect">
+                                  <p:stCondLst>
+                                    <p:cond delay="0"/>
+                                  </p:stCondLst>
+                                  <p:childTnLst>
+                                    <p:set>
+                                      <p:cBhvr>
+                                        <p:cTn id="6" dur="1" fill="hold">
+                                          <p:stCondLst>
+                                            <p:cond delay="0"/>
+                                          </p:stCondLst>
+                                        </p:cTn>
+                                        <p:tgtEl>
+                                          <p:spTgt spid="3">
+                                            <p:txEl>
+                                              <p:pRg st="0" end="0"/>
+                                            </p:txEl>
+                                          </p:spTgt>
+                                        </p:tgtEl>
+                                        <p:attrNameLst>
+                                          <p:attrName>style.visibility</p:attrName>
+                                        </p:attrNameLst>
+                                      </p:cBhvr>
+                                      <p:to>
+                                        <p:strVal val="visible"/>
+                                      </p:to>
+                                    </p:set>
+                                  </p:childTnLst>
+                                </p:cTn>
+                              </p:par>
+                            </p:childTnLst>
+                          </p:cTn>
+                        </p:par>
+                      </p:childTnLst>
+                    </p:cTn>
+                  </p:par>
+                  <p:par>
+                    <p:cTn id="7" fill="hold">
+                      <p:stCondLst>
+                        <p:cond delay="indefinite"/>
+                      </p:stCondLst>
+                      <p:childTnLst>
+                        <p:par>
+                          <p:cTn id="8" fill="hold">
+                            <p:stCondLst>
+                              <p:cond delay="0"/>
+                            </p:stCondLst>
+                            <p:childTnLst>
+                              <p:par>
+                                <p:cTn id="9" presetID="1" presetClass="entr" presetSubtype="0" fill="hold" grpId="0" nodeType="clickEffect">
+                                  <p:stCondLst>
+                                    <p:cond delay="0"/>
+                                  </p:stCondLst>
+                                  <p:childTnLst>
+                                    <p:set>
+                                      <p:cBhvr>
+                                        <p:cTn id="10" dur="1" fill="hold">
+                                          <p:stCondLst>
+                                            <p:cond delay="0"/>
+                                          </p:stCondLst>
+                                        </p:cTn>
+                                        <p:tgtEl>
+                                          <p:spTgt spid="3">
+                                            <p:txEl>
+                                              <p:pRg st="1" end="1"/>
+                                            </p:txEl>
+                                          </p:spTgt>
+                                        </p:tgtEl>
+                                        <p:attrNameLst>
+                                          <p:attrName>style.visibility</p:attrName>
+                                        </p:attrNameLst>
+                                      </p:cBhvr>
+                                      <p:to>
+                                        <p:strVal val="visible"/>
+                                      </p:to>
+                                    </p:set>
+                                  </p:childTnLst>
+                                </p:cTn>
+                              </p:par>
+                            </p:childTnLst>
+                          </p:cTn>
+                        </p:par>
+                      </p:childTnLst>
+                    </p:cTn>
+                  </p:par>
+                  <p:par>
+                    <p:cTn id="11" fill="hold">
+                      <p:stCondLst>
+                        <p:cond delay="indefinite"/>
+                      </p:stCondLst>
+                      <p:childTnLst>
+                        <p:par>
+                          <p:cTn id="12" fill="hold">
+                            <p:stCondLst>
+                              <p:cond delay="0"/>
+                            </p:stCondLst>
+                            <p:childTnLst>
+                              <p:par>
+                                <p:cTn id="13" presetID="1" presetClass="entr" presetSubtype="0" fill="hold" grpId="0" nodeType="clickEffect">
+                                  <p:stCondLst>
+                                    <p:cond delay="0"/>
+                                  </p:stCondLst>
+                                  <p:childTnLst>
+                                    <p:set>
+                                      <p:cBhvr>
+                                        <p:cTn id="14" dur="1" fill="hold">
+                                          <p:stCondLst>
+                                            <p:cond delay="0"/>
+                                          </p:stCondLst>
+                                        </p:cTn>
+                                        <p:tgtEl>
+                                          <p:spTgt spid="3">
+                                            <p:txEl>
+                                              <p:pRg st="2" end="2"/>
+                                            </p:txEl>
+                                          </p:spTgt>
+                                        </p:tgtEl>
+                                        <p:attrNameLst>
+                                          <p:attrName>style.visibility</p:attrName>
+                                        </p:attrNameLst>
+                                      </p:cBhvr>
+                                      <p:to>
+                                        <p:strVal val="visible"/>
+                                      </p:to>
+                                    </p:set>
+                                  </p:childTnLst>
+                                </p:cTn>
+                              </p:par>
+                              <p:par>
+                                <p:cTn id="15" presetID="1" presetClass="entr" presetSubtype="0" fill="hold" grpId="0" nodeType="withEffect">
+                                  <p:stCondLst>
+                                    <p:cond delay="0"/>
+                                  </p:stCondLst>
+                                  <p:childTnLst>
+                                    <p:set>
+                                      <p:cBhvr>
+                                        <p:cTn id="16" dur="1" fill="hold">
+                                          <p:stCondLst>
+                                            <p:cond delay="0"/>
+                                          </p:stCondLst>
+                                        </p:cTn>
+                                        <p:tgtEl>
+                                          <p:spTgt spid="3">
+                                            <p:txEl>
+                                              <p:pRg st="3" end="3"/>
+                                            </p:txEl>
+                                          </p:spTgt>
+                                        </p:tgtEl>
+                                        <p:attrNameLst>
+                                          <p:attrName>style.visibility</p:attrName>
+                                        </p:attrNameLst>
+                                      </p:cBhvr>
+                                      <p:to>
+                                        <p:strVal val="visible"/>
+                                      </p:to>
+                                    </p:set>
+                                  </p:childTnLst>
+                                </p:cTn>
+                              </p:par>
+                            </p:childTnLst>
+                          </p:cTn>
+                        </p:par>
+                      </p:childTnLst>
+                    </p:cTn>
+                  </p:par>
+                  <p:par>
+                    <p:cTn id="17" fill="hold">
+                      <p:stCondLst>
+                        <p:cond delay="indefinite"/>
+                      </p:stCondLst>
+                      <p:childTnLst>
+                        <p:par>
+                          <p:cTn id="18" fill="hold">
+                            <p:stCondLst>
+                              <p:cond delay="0"/>
+                            </p:stCondLst>
+                            <p:childTnLst>
+                              <p:par>
+                                <p:cTn id="19" presetID="1" presetClass="entr" presetSubtype="0" fill="hold" grpId="0" nodeType="clickEffect">
+                                  <p:stCondLst>
+                                    <p:cond delay="0"/>
+                                  </p:stCondLst>
+                                  <p:childTnLst>
+                                    <p:set>
+                                      <p:cBhvr>
+                                        <p:cTn id="20" dur="1" fill="hold">
+                                          <p:stCondLst>
+                                            <p:cond delay="0"/>
+                                          </p:stCondLst>
+                                        </p:cTn>
+                                        <p:tgtEl>
+                                          <p:spTgt spid="3">
+                                            <p:txEl>
+                                              <p:pRg st="4" end="4"/>
+                                            </p:txEl>
+                                          </p:spTgt>
+                                        </p:tgtEl>
+                                        <p:attrNameLst>
+                                          <p:attrName>style.visibility</p:attrName>
+                                        </p:attrNameLst>
+                                      </p:cBhvr>
+                                      <p:to>
+                                        <p:strVal val="visible"/>
+                                      </p:to>
+                                    </p:set>
+                                  </p:childTnLst>
+                                </p:cTn>
+                              </p:par>
+                            </p:childTnLst>
+                          </p:cTn>
+                        </p:par>
+                      </p:childTnLst>
+                    </p:cTn>
+                  </p:par>
+                </p:childTnLst>
+              </p:cTn>
+              <p:prevCondLst>
+                <p:cond evt="onPrev" delay="0">
+                  <p:tgtEl>
+                    <p:sldTgt/>
+                  </p:tgtEl>
+                </p:cond>
+              </p:prevCondLst>
+              <p:nextCondLst>
+                <p:cond evt="onNext" delay="0">
+                  <p:tgtEl>
+                    <p:sldTgt/>
+                  </p:tgtEl>
+                </p:cond>
+              </p:nextCondLst>
+            </p:seq>
+          </p:childTnLst>
+        </p:cTn>
+      </p:par>
+    </p:tnLst>
+    <p:bldLst>
+      <p:bldP spid="3" grpId="0" build="p"/>
+    </p:bldLst>
+  </p:timing>
 </p:sld>
 </file>
 
@@ -5848,6 +7816,137 @@
   <p:clrMapOvr>
     <a:masterClrMapping/>
   </p:clrMapOvr>
+  <p:timing>
+    <p:tnLst>
+      <p:par>
+        <p:cTn id="1" dur="indefinite" restart="never" nodeType="tmRoot">
+          <p:childTnLst>
+            <p:seq concurrent="1" nextAc="seek">
+              <p:cTn id="2" dur="indefinite" nodeType="mainSeq">
+                <p:childTnLst>
+                  <p:par>
+                    <p:cTn id="3" fill="hold">
+                      <p:stCondLst>
+                        <p:cond delay="indefinite"/>
+                      </p:stCondLst>
+                      <p:childTnLst>
+                        <p:par>
+                          <p:cTn id="4" fill="hold">
+                            <p:stCondLst>
+                              <p:cond delay="0"/>
+                            </p:stCondLst>
+                            <p:childTnLst>
+                              <p:par>
+                                <p:cTn id="5" presetID="1" presetClass="entr" presetSubtype="0" fill="hold" grpId="0" nodeType="clickEffect">
+                                  <p:stCondLst>
+                                    <p:cond delay="0"/>
+                                  </p:stCondLst>
+                                  <p:childTnLst>
+                                    <p:set>
+                                      <p:cBhvr>
+                                        <p:cTn id="6" dur="1" fill="hold">
+                                          <p:stCondLst>
+                                            <p:cond delay="0"/>
+                                          </p:stCondLst>
+                                        </p:cTn>
+                                        <p:tgtEl>
+                                          <p:spTgt spid="3">
+                                            <p:txEl>
+                                              <p:pRg st="0" end="0"/>
+                                            </p:txEl>
+                                          </p:spTgt>
+                                        </p:tgtEl>
+                                        <p:attrNameLst>
+                                          <p:attrName>style.visibility</p:attrName>
+                                        </p:attrNameLst>
+                                      </p:cBhvr>
+                                      <p:to>
+                                        <p:strVal val="visible"/>
+                                      </p:to>
+                                    </p:set>
+                                  </p:childTnLst>
+                                </p:cTn>
+                              </p:par>
+                            </p:childTnLst>
+                          </p:cTn>
+                        </p:par>
+                      </p:childTnLst>
+                    </p:cTn>
+                  </p:par>
+                  <p:par>
+                    <p:cTn id="7" fill="hold">
+                      <p:stCondLst>
+                        <p:cond delay="indefinite"/>
+                      </p:stCondLst>
+                      <p:childTnLst>
+                        <p:par>
+                          <p:cTn id="8" fill="hold">
+                            <p:stCondLst>
+                              <p:cond delay="0"/>
+                            </p:stCondLst>
+                            <p:childTnLst>
+                              <p:par>
+                                <p:cTn id="9" presetID="1" presetClass="entr" presetSubtype="0" fill="hold" grpId="0" nodeType="clickEffect">
+                                  <p:stCondLst>
+                                    <p:cond delay="0"/>
+                                  </p:stCondLst>
+                                  <p:childTnLst>
+                                    <p:set>
+                                      <p:cBhvr>
+                                        <p:cTn id="10" dur="1" fill="hold">
+                                          <p:stCondLst>
+                                            <p:cond delay="0"/>
+                                          </p:stCondLst>
+                                        </p:cTn>
+                                        <p:tgtEl>
+                                          <p:spTgt spid="3">
+                                            <p:txEl>
+                                              <p:pRg st="1" end="1"/>
+                                            </p:txEl>
+                                          </p:spTgt>
+                                        </p:tgtEl>
+                                        <p:attrNameLst>
+                                          <p:attrName>style.visibility</p:attrName>
+                                        </p:attrNameLst>
+                                      </p:cBhvr>
+                                      <p:to>
+                                        <p:strVal val="visible"/>
+                                      </p:to>
+                                    </p:set>
+                                  </p:childTnLst>
+                                </p:cTn>
+                              </p:par>
+                            </p:childTnLst>
+                          </p:cTn>
+                        </p:par>
+                      </p:childTnLst>
+                    </p:cTn>
+                  </p:par>
+                </p:childTnLst>
+              </p:cTn>
+              <p:prevCondLst>
+                <p:cond evt="onPrev" delay="0">
+                  <p:tgtEl>
+                    <p:sldTgt/>
+                  </p:tgtEl>
+                </p:cond>
+              </p:prevCondLst>
+              <p:nextCondLst>
+                <p:cond evt="onNext" delay="0">
+                  <p:tgtEl>
+                    <p:sldTgt/>
+                  </p:tgtEl>
+                </p:cond>
+              </p:nextCondLst>
+            </p:seq>
+          </p:childTnLst>
+        </p:cTn>
+      </p:par>
+    </p:tnLst>
+    <p:bldLst>
+      <p:bldP spid="3" grpId="0" build="p"/>
+    </p:bldLst>
+  </p:timing>
 </p:sld>
 </file>
 
@@ -6215,6 +8314,524 @@
   <p:clrMapOvr>
     <a:masterClrMapping/>
   </p:clrMapOvr>
+  <p:timing>
+    <p:tnLst>
+      <p:par>
+        <p:cTn id="1" dur="indefinite" restart="never" nodeType="tmRoot">
+          <p:childTnLst>
+            <p:seq concurrent="1" nextAc="seek">
+              <p:cTn id="2" dur="indefinite" nodeType="mainSeq">
+                <p:childTnLst>
+                  <p:par>
+                    <p:cTn id="3" fill="hold">
+                      <p:stCondLst>
+                        <p:cond delay="indefinite"/>
+                      </p:stCondLst>
+                      <p:childTnLst>
+                        <p:par>
+                          <p:cTn id="4" fill="hold">
+                            <p:stCondLst>
+                              <p:cond delay="0"/>
+                            </p:stCondLst>
+                            <p:childTnLst>
+                              <p:par>
+                                <p:cTn id="5" presetID="31" presetClass="entr" presetSubtype="0" fill="hold" nodeType="clickEffect">
+                                  <p:stCondLst>
+                                    <p:cond delay="0"/>
+                                  </p:stCondLst>
+                                  <p:childTnLst>
+                                    <p:set>
+                                      <p:cBhvr>
+                                        <p:cTn id="6" dur="1" fill="hold">
+                                          <p:stCondLst>
+                                            <p:cond delay="0"/>
+                                          </p:stCondLst>
+                                        </p:cTn>
+                                        <p:tgtEl>
+                                          <p:spTgt spid="6"/>
+                                        </p:tgtEl>
+                                        <p:attrNameLst>
+                                          <p:attrName>style.visibility</p:attrName>
+                                        </p:attrNameLst>
+                                      </p:cBhvr>
+                                      <p:to>
+                                        <p:strVal val="visible"/>
+                                      </p:to>
+                                    </p:set>
+                                    <p:anim calcmode="lin" valueType="num">
+                                      <p:cBhvr>
+                                        <p:cTn id="7" dur="1000" fill="hold"/>
+                                        <p:tgtEl>
+                                          <p:spTgt spid="6"/>
+                                        </p:tgtEl>
+                                        <p:attrNameLst>
+                                          <p:attrName>ppt_w</p:attrName>
+                                        </p:attrNameLst>
+                                      </p:cBhvr>
+                                      <p:tavLst>
+                                        <p:tav tm="0">
+                                          <p:val>
+                                            <p:fltVal val="0"/>
+                                          </p:val>
+                                        </p:tav>
+                                        <p:tav tm="100000">
+                                          <p:val>
+                                            <p:strVal val="#ppt_w"/>
+                                          </p:val>
+                                        </p:tav>
+                                      </p:tavLst>
+                                    </p:anim>
+                                    <p:anim calcmode="lin" valueType="num">
+                                      <p:cBhvr>
+                                        <p:cTn id="8" dur="1000" fill="hold"/>
+                                        <p:tgtEl>
+                                          <p:spTgt spid="6"/>
+                                        </p:tgtEl>
+                                        <p:attrNameLst>
+                                          <p:attrName>ppt_h</p:attrName>
+                                        </p:attrNameLst>
+                                      </p:cBhvr>
+                                      <p:tavLst>
+                                        <p:tav tm="0">
+                                          <p:val>
+                                            <p:fltVal val="0"/>
+                                          </p:val>
+                                        </p:tav>
+                                        <p:tav tm="100000">
+                                          <p:val>
+                                            <p:strVal val="#ppt_h"/>
+                                          </p:val>
+                                        </p:tav>
+                                      </p:tavLst>
+                                    </p:anim>
+                                    <p:anim calcmode="lin" valueType="num">
+                                      <p:cBhvr>
+                                        <p:cTn id="9" dur="1000" fill="hold"/>
+                                        <p:tgtEl>
+                                          <p:spTgt spid="6"/>
+                                        </p:tgtEl>
+                                        <p:attrNameLst>
+                                          <p:attrName>style.rotation</p:attrName>
+                                        </p:attrNameLst>
+                                      </p:cBhvr>
+                                      <p:tavLst>
+                                        <p:tav tm="0">
+                                          <p:val>
+                                            <p:fltVal val="90"/>
+                                          </p:val>
+                                        </p:tav>
+                                        <p:tav tm="100000">
+                                          <p:val>
+                                            <p:fltVal val="0"/>
+                                          </p:val>
+                                        </p:tav>
+                                      </p:tavLst>
+                                    </p:anim>
+                                    <p:animEffect transition="in" filter="fade">
+                                      <p:cBhvr>
+                                        <p:cTn id="10" dur="1000"/>
+                                        <p:tgtEl>
+                                          <p:spTgt spid="6"/>
+                                        </p:tgtEl>
+                                      </p:cBhvr>
+                                    </p:animEffect>
+                                  </p:childTnLst>
+                                </p:cTn>
+                              </p:par>
+                            </p:childTnLst>
+                          </p:cTn>
+                        </p:par>
+                      </p:childTnLst>
+                    </p:cTn>
+                  </p:par>
+                  <p:par>
+                    <p:cTn id="11" fill="hold">
+                      <p:stCondLst>
+                        <p:cond delay="indefinite"/>
+                      </p:stCondLst>
+                      <p:childTnLst>
+                        <p:par>
+                          <p:cTn id="12" fill="hold">
+                            <p:stCondLst>
+                              <p:cond delay="0"/>
+                            </p:stCondLst>
+                            <p:childTnLst>
+                              <p:par>
+                                <p:cTn id="13" presetID="31" presetClass="entr" presetSubtype="0" fill="hold" nodeType="clickEffect">
+                                  <p:stCondLst>
+                                    <p:cond delay="0"/>
+                                  </p:stCondLst>
+                                  <p:childTnLst>
+                                    <p:set>
+                                      <p:cBhvr>
+                                        <p:cTn id="14" dur="1" fill="hold">
+                                          <p:stCondLst>
+                                            <p:cond delay="0"/>
+                                          </p:stCondLst>
+                                        </p:cTn>
+                                        <p:tgtEl>
+                                          <p:spTgt spid="8"/>
+                                        </p:tgtEl>
+                                        <p:attrNameLst>
+                                          <p:attrName>style.visibility</p:attrName>
+                                        </p:attrNameLst>
+                                      </p:cBhvr>
+                                      <p:to>
+                                        <p:strVal val="visible"/>
+                                      </p:to>
+                                    </p:set>
+                                    <p:anim calcmode="lin" valueType="num">
+                                      <p:cBhvr>
+                                        <p:cTn id="15" dur="1000" fill="hold"/>
+                                        <p:tgtEl>
+                                          <p:spTgt spid="8"/>
+                                        </p:tgtEl>
+                                        <p:attrNameLst>
+                                          <p:attrName>ppt_w</p:attrName>
+                                        </p:attrNameLst>
+                                      </p:cBhvr>
+                                      <p:tavLst>
+                                        <p:tav tm="0">
+                                          <p:val>
+                                            <p:fltVal val="0"/>
+                                          </p:val>
+                                        </p:tav>
+                                        <p:tav tm="100000">
+                                          <p:val>
+                                            <p:strVal val="#ppt_w"/>
+                                          </p:val>
+                                        </p:tav>
+                                      </p:tavLst>
+                                    </p:anim>
+                                    <p:anim calcmode="lin" valueType="num">
+                                      <p:cBhvr>
+                                        <p:cTn id="16" dur="1000" fill="hold"/>
+                                        <p:tgtEl>
+                                          <p:spTgt spid="8"/>
+                                        </p:tgtEl>
+                                        <p:attrNameLst>
+                                          <p:attrName>ppt_h</p:attrName>
+                                        </p:attrNameLst>
+                                      </p:cBhvr>
+                                      <p:tavLst>
+                                        <p:tav tm="0">
+                                          <p:val>
+                                            <p:fltVal val="0"/>
+                                          </p:val>
+                                        </p:tav>
+                                        <p:tav tm="100000">
+                                          <p:val>
+                                            <p:strVal val="#ppt_h"/>
+                                          </p:val>
+                                        </p:tav>
+                                      </p:tavLst>
+                                    </p:anim>
+                                    <p:anim calcmode="lin" valueType="num">
+                                      <p:cBhvr>
+                                        <p:cTn id="17" dur="1000" fill="hold"/>
+                                        <p:tgtEl>
+                                          <p:spTgt spid="8"/>
+                                        </p:tgtEl>
+                                        <p:attrNameLst>
+                                          <p:attrName>style.rotation</p:attrName>
+                                        </p:attrNameLst>
+                                      </p:cBhvr>
+                                      <p:tavLst>
+                                        <p:tav tm="0">
+                                          <p:val>
+                                            <p:fltVal val="90"/>
+                                          </p:val>
+                                        </p:tav>
+                                        <p:tav tm="100000">
+                                          <p:val>
+                                            <p:fltVal val="0"/>
+                                          </p:val>
+                                        </p:tav>
+                                      </p:tavLst>
+                                    </p:anim>
+                                    <p:animEffect transition="in" filter="fade">
+                                      <p:cBhvr>
+                                        <p:cTn id="18" dur="1000"/>
+                                        <p:tgtEl>
+                                          <p:spTgt spid="8"/>
+                                        </p:tgtEl>
+                                      </p:cBhvr>
+                                    </p:animEffect>
+                                  </p:childTnLst>
+                                </p:cTn>
+                              </p:par>
+                            </p:childTnLst>
+                          </p:cTn>
+                        </p:par>
+                      </p:childTnLst>
+                    </p:cTn>
+                  </p:par>
+                  <p:par>
+                    <p:cTn id="19" fill="hold">
+                      <p:stCondLst>
+                        <p:cond delay="indefinite"/>
+                      </p:stCondLst>
+                      <p:childTnLst>
+                        <p:par>
+                          <p:cTn id="20" fill="hold">
+                            <p:stCondLst>
+                              <p:cond delay="0"/>
+                            </p:stCondLst>
+                            <p:childTnLst>
+                              <p:par>
+                                <p:cTn id="21" presetID="31" presetClass="entr" presetSubtype="0" fill="hold" nodeType="clickEffect">
+                                  <p:stCondLst>
+                                    <p:cond delay="0"/>
+                                  </p:stCondLst>
+                                  <p:childTnLst>
+                                    <p:set>
+                                      <p:cBhvr>
+                                        <p:cTn id="22" dur="1" fill="hold">
+                                          <p:stCondLst>
+                                            <p:cond delay="0"/>
+                                          </p:stCondLst>
+                                        </p:cTn>
+                                        <p:tgtEl>
+                                          <p:spTgt spid="7"/>
+                                        </p:tgtEl>
+                                        <p:attrNameLst>
+                                          <p:attrName>style.visibility</p:attrName>
+                                        </p:attrNameLst>
+                                      </p:cBhvr>
+                                      <p:to>
+                                        <p:strVal val="visible"/>
+                                      </p:to>
+                                    </p:set>
+                                    <p:anim calcmode="lin" valueType="num">
+                                      <p:cBhvr>
+                                        <p:cTn id="23" dur="1000" fill="hold"/>
+                                        <p:tgtEl>
+                                          <p:spTgt spid="7"/>
+                                        </p:tgtEl>
+                                        <p:attrNameLst>
+                                          <p:attrName>ppt_w</p:attrName>
+                                        </p:attrNameLst>
+                                      </p:cBhvr>
+                                      <p:tavLst>
+                                        <p:tav tm="0">
+                                          <p:val>
+                                            <p:fltVal val="0"/>
+                                          </p:val>
+                                        </p:tav>
+                                        <p:tav tm="100000">
+                                          <p:val>
+                                            <p:strVal val="#ppt_w"/>
+                                          </p:val>
+                                        </p:tav>
+                                      </p:tavLst>
+                                    </p:anim>
+                                    <p:anim calcmode="lin" valueType="num">
+                                      <p:cBhvr>
+                                        <p:cTn id="24" dur="1000" fill="hold"/>
+                                        <p:tgtEl>
+                                          <p:spTgt spid="7"/>
+                                        </p:tgtEl>
+                                        <p:attrNameLst>
+                                          <p:attrName>ppt_h</p:attrName>
+                                        </p:attrNameLst>
+                                      </p:cBhvr>
+                                      <p:tavLst>
+                                        <p:tav tm="0">
+                                          <p:val>
+                                            <p:fltVal val="0"/>
+                                          </p:val>
+                                        </p:tav>
+                                        <p:tav tm="100000">
+                                          <p:val>
+                                            <p:strVal val="#ppt_h"/>
+                                          </p:val>
+                                        </p:tav>
+                                      </p:tavLst>
+                                    </p:anim>
+                                    <p:anim calcmode="lin" valueType="num">
+                                      <p:cBhvr>
+                                        <p:cTn id="25" dur="1000" fill="hold"/>
+                                        <p:tgtEl>
+                                          <p:spTgt spid="7"/>
+                                        </p:tgtEl>
+                                        <p:attrNameLst>
+                                          <p:attrName>style.rotation</p:attrName>
+                                        </p:attrNameLst>
+                                      </p:cBhvr>
+                                      <p:tavLst>
+                                        <p:tav tm="0">
+                                          <p:val>
+                                            <p:fltVal val="90"/>
+                                          </p:val>
+                                        </p:tav>
+                                        <p:tav tm="100000">
+                                          <p:val>
+                                            <p:fltVal val="0"/>
+                                          </p:val>
+                                        </p:tav>
+                                      </p:tavLst>
+                                    </p:anim>
+                                    <p:animEffect transition="in" filter="fade">
+                                      <p:cBhvr>
+                                        <p:cTn id="26" dur="1000"/>
+                                        <p:tgtEl>
+                                          <p:spTgt spid="7"/>
+                                        </p:tgtEl>
+                                      </p:cBhvr>
+                                    </p:animEffect>
+                                  </p:childTnLst>
+                                </p:cTn>
+                              </p:par>
+                            </p:childTnLst>
+                          </p:cTn>
+                        </p:par>
+                      </p:childTnLst>
+                    </p:cTn>
+                  </p:par>
+                  <p:par>
+                    <p:cTn id="27" fill="hold">
+                      <p:stCondLst>
+                        <p:cond delay="indefinite"/>
+                      </p:stCondLst>
+                      <p:childTnLst>
+                        <p:par>
+                          <p:cTn id="28" fill="hold">
+                            <p:stCondLst>
+                              <p:cond delay="0"/>
+                            </p:stCondLst>
+                            <p:childTnLst>
+                              <p:par>
+                                <p:cTn id="29" presetID="31" presetClass="entr" presetSubtype="0" fill="hold" nodeType="clickEffect">
+                                  <p:stCondLst>
+                                    <p:cond delay="0"/>
+                                  </p:stCondLst>
+                                  <p:childTnLst>
+                                    <p:set>
+                                      <p:cBhvr>
+                                        <p:cTn id="30" dur="1" fill="hold">
+                                          <p:stCondLst>
+                                            <p:cond delay="0"/>
+                                          </p:stCondLst>
+                                        </p:cTn>
+                                        <p:tgtEl>
+                                          <p:spTgt spid="10"/>
+                                        </p:tgtEl>
+                                        <p:attrNameLst>
+                                          <p:attrName>style.visibility</p:attrName>
+                                        </p:attrNameLst>
+                                      </p:cBhvr>
+                                      <p:to>
+                                        <p:strVal val="visible"/>
+                                      </p:to>
+                                    </p:set>
+                                    <p:anim calcmode="lin" valueType="num">
+                                      <p:cBhvr>
+                                        <p:cTn id="31" dur="1000" fill="hold"/>
+                                        <p:tgtEl>
+                                          <p:spTgt spid="10"/>
+                                        </p:tgtEl>
+                                        <p:attrNameLst>
+                                          <p:attrName>ppt_w</p:attrName>
+                                        </p:attrNameLst>
+                                      </p:cBhvr>
+                                      <p:tavLst>
+                                        <p:tav tm="0">
+                                          <p:val>
+                                            <p:fltVal val="0"/>
+                                          </p:val>
+                                        </p:tav>
+                                        <p:tav tm="100000">
+                                          <p:val>
+                                            <p:strVal val="#ppt_w"/>
+                                          </p:val>
+                                        </p:tav>
+                                      </p:tavLst>
+                                    </p:anim>
+                                    <p:anim calcmode="lin" valueType="num">
+                                      <p:cBhvr>
+                                        <p:cTn id="32" dur="1000" fill="hold"/>
+                                        <p:tgtEl>
+                                          <p:spTgt spid="10"/>
+                                        </p:tgtEl>
+                                        <p:attrNameLst>
+                                          <p:attrName>ppt_h</p:attrName>
+                                        </p:attrNameLst>
+                                      </p:cBhvr>
+                                      <p:tavLst>
+                                        <p:tav tm="0">
+                                          <p:val>
+                                            <p:fltVal val="0"/>
+                                          </p:val>
+                                        </p:tav>
+                                        <p:tav tm="100000">
+                                          <p:val>
+                                            <p:strVal val="#ppt_h"/>
+                                          </p:val>
+                                        </p:tav>
+                                      </p:tavLst>
+                                    </p:anim>
+                                    <p:anim calcmode="lin" valueType="num">
+                                      <p:cBhvr>
+                                        <p:cTn id="33" dur="1000" fill="hold"/>
+                                        <p:tgtEl>
+                                          <p:spTgt spid="10"/>
+                                        </p:tgtEl>
+                                        <p:attrNameLst>
+                                          <p:attrName>style.rotation</p:attrName>
+                                        </p:attrNameLst>
+                                      </p:cBhvr>
+                                      <p:tavLst>
+                                        <p:tav tm="0">
+                                          <p:val>
+                                            <p:fltVal val="90"/>
+                                          </p:val>
+                                        </p:tav>
+                                        <p:tav tm="100000">
+                                          <p:val>
+                                            <p:fltVal val="0"/>
+                                          </p:val>
+                                        </p:tav>
+                                      </p:tavLst>
+                                    </p:anim>
+                                    <p:animEffect transition="in" filter="fade">
+                                      <p:cBhvr>
+                                        <p:cTn id="34" dur="1000"/>
+                                        <p:tgtEl>
+                                          <p:spTgt spid="10"/>
+                                        </p:tgtEl>
+                                      </p:cBhvr>
+                                    </p:animEffect>
+                                  </p:childTnLst>
+                                </p:cTn>
+                              </p:par>
+                            </p:childTnLst>
+                          </p:cTn>
+                        </p:par>
+                      </p:childTnLst>
+                    </p:cTn>
+                  </p:par>
+                </p:childTnLst>
+              </p:cTn>
+              <p:prevCondLst>
+                <p:cond evt="onPrev" delay="0">
+                  <p:tgtEl>
+                    <p:sldTgt/>
+                  </p:tgtEl>
+                </p:cond>
+              </p:prevCondLst>
+              <p:nextCondLst>
+                <p:cond evt="onNext" delay="0">
+                  <p:tgtEl>
+                    <p:sldTgt/>
+                  </p:tgtEl>
+                </p:cond>
+              </p:nextCondLst>
+            </p:seq>
+          </p:childTnLst>
+        </p:cTn>
+      </p:par>
+    </p:tnLst>
+  </p:timing>
 </p:sld>
 </file>
 
@@ -6323,6 +8940,137 @@
   <p:clrMapOvr>
     <a:masterClrMapping/>
   </p:clrMapOvr>
+  <p:timing>
+    <p:tnLst>
+      <p:par>
+        <p:cTn id="1" dur="indefinite" restart="never" nodeType="tmRoot">
+          <p:childTnLst>
+            <p:seq concurrent="1" nextAc="seek">
+              <p:cTn id="2" dur="indefinite" nodeType="mainSeq">
+                <p:childTnLst>
+                  <p:par>
+                    <p:cTn id="3" fill="hold">
+                      <p:stCondLst>
+                        <p:cond delay="indefinite"/>
+                      </p:stCondLst>
+                      <p:childTnLst>
+                        <p:par>
+                          <p:cTn id="4" fill="hold">
+                            <p:stCondLst>
+                              <p:cond delay="0"/>
+                            </p:stCondLst>
+                            <p:childTnLst>
+                              <p:par>
+                                <p:cTn id="5" presetID="1" presetClass="entr" presetSubtype="0" fill="hold" grpId="0" nodeType="clickEffect">
+                                  <p:stCondLst>
+                                    <p:cond delay="0"/>
+                                  </p:stCondLst>
+                                  <p:childTnLst>
+                                    <p:set>
+                                      <p:cBhvr>
+                                        <p:cTn id="6" dur="1" fill="hold">
+                                          <p:stCondLst>
+                                            <p:cond delay="0"/>
+                                          </p:stCondLst>
+                                        </p:cTn>
+                                        <p:tgtEl>
+                                          <p:spTgt spid="3">
+                                            <p:txEl>
+                                              <p:pRg st="0" end="0"/>
+                                            </p:txEl>
+                                          </p:spTgt>
+                                        </p:tgtEl>
+                                        <p:attrNameLst>
+                                          <p:attrName>style.visibility</p:attrName>
+                                        </p:attrNameLst>
+                                      </p:cBhvr>
+                                      <p:to>
+                                        <p:strVal val="visible"/>
+                                      </p:to>
+                                    </p:set>
+                                  </p:childTnLst>
+                                </p:cTn>
+                              </p:par>
+                            </p:childTnLst>
+                          </p:cTn>
+                        </p:par>
+                      </p:childTnLst>
+                    </p:cTn>
+                  </p:par>
+                  <p:par>
+                    <p:cTn id="7" fill="hold">
+                      <p:stCondLst>
+                        <p:cond delay="indefinite"/>
+                      </p:stCondLst>
+                      <p:childTnLst>
+                        <p:par>
+                          <p:cTn id="8" fill="hold">
+                            <p:stCondLst>
+                              <p:cond delay="0"/>
+                            </p:stCondLst>
+                            <p:childTnLst>
+                              <p:par>
+                                <p:cTn id="9" presetID="1" presetClass="entr" presetSubtype="0" fill="hold" grpId="0" nodeType="clickEffect">
+                                  <p:stCondLst>
+                                    <p:cond delay="0"/>
+                                  </p:stCondLst>
+                                  <p:childTnLst>
+                                    <p:set>
+                                      <p:cBhvr>
+                                        <p:cTn id="10" dur="1" fill="hold">
+                                          <p:stCondLst>
+                                            <p:cond delay="0"/>
+                                          </p:stCondLst>
+                                        </p:cTn>
+                                        <p:tgtEl>
+                                          <p:spTgt spid="3">
+                                            <p:txEl>
+                                              <p:pRg st="1" end="1"/>
+                                            </p:txEl>
+                                          </p:spTgt>
+                                        </p:tgtEl>
+                                        <p:attrNameLst>
+                                          <p:attrName>style.visibility</p:attrName>
+                                        </p:attrNameLst>
+                                      </p:cBhvr>
+                                      <p:to>
+                                        <p:strVal val="visible"/>
+                                      </p:to>
+                                    </p:set>
+                                  </p:childTnLst>
+                                </p:cTn>
+                              </p:par>
+                            </p:childTnLst>
+                          </p:cTn>
+                        </p:par>
+                      </p:childTnLst>
+                    </p:cTn>
+                  </p:par>
+                </p:childTnLst>
+              </p:cTn>
+              <p:prevCondLst>
+                <p:cond evt="onPrev" delay="0">
+                  <p:tgtEl>
+                    <p:sldTgt/>
+                  </p:tgtEl>
+                </p:cond>
+              </p:prevCondLst>
+              <p:nextCondLst>
+                <p:cond evt="onNext" delay="0">
+                  <p:tgtEl>
+                    <p:sldTgt/>
+                  </p:tgtEl>
+                </p:cond>
+              </p:nextCondLst>
+            </p:seq>
+          </p:childTnLst>
+        </p:cTn>
+      </p:par>
+    </p:tnLst>
+    <p:bldLst>
+      <p:bldP spid="3" grpId="0" build="p"/>
+    </p:bldLst>
+  </p:timing>
 </p:sld>
 </file>
 
@@ -6538,13 +9286,8 @@
             </a:r>
             <a:r>
               <a:rPr lang="en-US" dirty="0"/>
-              <a:t> is generally fairly quick as long as you’re doing </a:t>
-            </a:r>
-            <a:r>
-              <a:rPr lang="en-US"/>
-              <a:t>simple comparisons</a:t>
-            </a:r>
-            <a:endParaRPr lang="en-US" dirty="0"/>
+              <a:t> is generally fairly quick as long as you’re doing simple comparisons</a:t>
+            </a:r>
           </a:p>
         </p:txBody>
       </p:sp>
@@ -6652,6 +9395,236 @@
   <p:clrMapOvr>
     <a:masterClrMapping/>
   </p:clrMapOvr>
+  <p:timing>
+    <p:tnLst>
+      <p:par>
+        <p:cTn id="1" dur="indefinite" restart="never" nodeType="tmRoot">
+          <p:childTnLst>
+            <p:seq concurrent="1" nextAc="seek">
+              <p:cTn id="2" dur="indefinite" nodeType="mainSeq">
+                <p:childTnLst>
+                  <p:par>
+                    <p:cTn id="3" fill="hold">
+                      <p:stCondLst>
+                        <p:cond delay="indefinite"/>
+                      </p:stCondLst>
+                      <p:childTnLst>
+                        <p:par>
+                          <p:cTn id="4" fill="hold">
+                            <p:stCondLst>
+                              <p:cond delay="0"/>
+                            </p:stCondLst>
+                            <p:childTnLst>
+                              <p:par>
+                                <p:cTn id="5" presetID="1" presetClass="entr" presetSubtype="0" fill="hold" grpId="0" nodeType="clickEffect">
+                                  <p:stCondLst>
+                                    <p:cond delay="0"/>
+                                  </p:stCondLst>
+                                  <p:childTnLst>
+                                    <p:set>
+                                      <p:cBhvr>
+                                        <p:cTn id="6" dur="1" fill="hold">
+                                          <p:stCondLst>
+                                            <p:cond delay="0"/>
+                                          </p:stCondLst>
+                                        </p:cTn>
+                                        <p:tgtEl>
+                                          <p:spTgt spid="5">
+                                            <p:txEl>
+                                              <p:pRg st="0" end="0"/>
+                                            </p:txEl>
+                                          </p:spTgt>
+                                        </p:tgtEl>
+                                        <p:attrNameLst>
+                                          <p:attrName>style.visibility</p:attrName>
+                                        </p:attrNameLst>
+                                      </p:cBhvr>
+                                      <p:to>
+                                        <p:strVal val="visible"/>
+                                      </p:to>
+                                    </p:set>
+                                  </p:childTnLst>
+                                </p:cTn>
+                              </p:par>
+                            </p:childTnLst>
+                          </p:cTn>
+                        </p:par>
+                      </p:childTnLst>
+                    </p:cTn>
+                  </p:par>
+                  <p:par>
+                    <p:cTn id="7" fill="hold">
+                      <p:stCondLst>
+                        <p:cond delay="indefinite"/>
+                      </p:stCondLst>
+                      <p:childTnLst>
+                        <p:par>
+                          <p:cTn id="8" fill="hold">
+                            <p:stCondLst>
+                              <p:cond delay="0"/>
+                            </p:stCondLst>
+                            <p:childTnLst>
+                              <p:par>
+                                <p:cTn id="9" presetID="1" presetClass="entr" presetSubtype="0" fill="hold" grpId="0" nodeType="clickEffect">
+                                  <p:stCondLst>
+                                    <p:cond delay="0"/>
+                                  </p:stCondLst>
+                                  <p:childTnLst>
+                                    <p:set>
+                                      <p:cBhvr>
+                                        <p:cTn id="10" dur="1" fill="hold">
+                                          <p:stCondLst>
+                                            <p:cond delay="0"/>
+                                          </p:stCondLst>
+                                        </p:cTn>
+                                        <p:tgtEl>
+                                          <p:spTgt spid="7">
+                                            <p:txEl>
+                                              <p:pRg st="0" end="0"/>
+                                            </p:txEl>
+                                          </p:spTgt>
+                                        </p:tgtEl>
+                                        <p:attrNameLst>
+                                          <p:attrName>style.visibility</p:attrName>
+                                        </p:attrNameLst>
+                                      </p:cBhvr>
+                                      <p:to>
+                                        <p:strVal val="visible"/>
+                                      </p:to>
+                                    </p:set>
+                                  </p:childTnLst>
+                                </p:cTn>
+                              </p:par>
+                            </p:childTnLst>
+                          </p:cTn>
+                        </p:par>
+                      </p:childTnLst>
+                    </p:cTn>
+                  </p:par>
+                  <p:par>
+                    <p:cTn id="11" fill="hold">
+                      <p:stCondLst>
+                        <p:cond delay="indefinite"/>
+                      </p:stCondLst>
+                      <p:childTnLst>
+                        <p:par>
+                          <p:cTn id="12" fill="hold">
+                            <p:stCondLst>
+                              <p:cond delay="0"/>
+                            </p:stCondLst>
+                            <p:childTnLst>
+                              <p:par>
+                                <p:cTn id="13" presetID="1" presetClass="entr" presetSubtype="0" fill="hold" grpId="0" nodeType="clickEffect">
+                                  <p:stCondLst>
+                                    <p:cond delay="0"/>
+                                  </p:stCondLst>
+                                  <p:childTnLst>
+                                    <p:set>
+                                      <p:cBhvr>
+                                        <p:cTn id="14" dur="1" fill="hold">
+                                          <p:stCondLst>
+                                            <p:cond delay="0"/>
+                                          </p:stCondLst>
+                                        </p:cTn>
+                                        <p:tgtEl>
+                                          <p:spTgt spid="5">
+                                            <p:txEl>
+                                              <p:pRg st="1" end="1"/>
+                                            </p:txEl>
+                                          </p:spTgt>
+                                        </p:tgtEl>
+                                        <p:attrNameLst>
+                                          <p:attrName>style.visibility</p:attrName>
+                                        </p:attrNameLst>
+                                      </p:cBhvr>
+                                      <p:to>
+                                        <p:strVal val="visible"/>
+                                      </p:to>
+                                    </p:set>
+                                  </p:childTnLst>
+                                </p:cTn>
+                              </p:par>
+                            </p:childTnLst>
+                          </p:cTn>
+                        </p:par>
+                      </p:childTnLst>
+                    </p:cTn>
+                  </p:par>
+                  <p:par>
+                    <p:cTn id="15" fill="hold">
+                      <p:stCondLst>
+                        <p:cond delay="indefinite"/>
+                      </p:stCondLst>
+                      <p:childTnLst>
+                        <p:par>
+                          <p:cTn id="16" fill="hold">
+                            <p:stCondLst>
+                              <p:cond delay="0"/>
+                            </p:stCondLst>
+                            <p:childTnLst>
+                              <p:par>
+                                <p:cTn id="17" presetID="1" presetClass="entr" presetSubtype="0" fill="hold" grpId="0" nodeType="clickEffect">
+                                  <p:stCondLst>
+                                    <p:cond delay="0"/>
+                                  </p:stCondLst>
+                                  <p:childTnLst>
+                                    <p:set>
+                                      <p:cBhvr>
+                                        <p:cTn id="18" dur="1" fill="hold">
+                                          <p:stCondLst>
+                                            <p:cond delay="0"/>
+                                          </p:stCondLst>
+                                        </p:cTn>
+                                        <p:tgtEl>
+                                          <p:spTgt spid="7">
+                                            <p:txEl>
+                                              <p:pRg st="1" end="1"/>
+                                            </p:txEl>
+                                          </p:spTgt>
+                                        </p:tgtEl>
+                                        <p:attrNameLst>
+                                          <p:attrName>style.visibility</p:attrName>
+                                        </p:attrNameLst>
+                                      </p:cBhvr>
+                                      <p:to>
+                                        <p:strVal val="visible"/>
+                                      </p:to>
+                                    </p:set>
+                                  </p:childTnLst>
+                                </p:cTn>
+                              </p:par>
+                            </p:childTnLst>
+                          </p:cTn>
+                        </p:par>
+                      </p:childTnLst>
+                    </p:cTn>
+                  </p:par>
+                </p:childTnLst>
+              </p:cTn>
+              <p:prevCondLst>
+                <p:cond evt="onPrev" delay="0">
+                  <p:tgtEl>
+                    <p:sldTgt/>
+                  </p:tgtEl>
+                </p:cond>
+              </p:prevCondLst>
+              <p:nextCondLst>
+                <p:cond evt="onNext" delay="0">
+                  <p:tgtEl>
+                    <p:sldTgt/>
+                  </p:tgtEl>
+                </p:cond>
+              </p:nextCondLst>
+            </p:seq>
+          </p:childTnLst>
+        </p:cTn>
+      </p:par>
+    </p:tnLst>
+    <p:bldLst>
+      <p:bldP spid="5" grpId="0" uiExpand="1" build="p"/>
+      <p:bldP spid="7" grpId="0" uiExpand="1" build="p"/>
+    </p:bldLst>
+  </p:timing>
 </p:sld>
 </file>
 

--- a/bridge.net/bridge-net.pptx
+++ b/bridge.net/bridge-net.pptx
@@ -355,7 +355,7 @@
           <a:p>
             <a:fld id="{96DFF08F-DC6B-4601-B491-B0F83F6DD2DA}" type="datetimeFigureOut">
               <a:rPr lang="en-US" dirty="0"/>
-              <a:t>5/10/2019</a:t>
+              <a:t>5/11/2019</a:t>
             </a:fld>
             <a:endParaRPr lang="en-US" dirty="0"/>
           </a:p>
@@ -558,7 +558,7 @@
           <a:p>
             <a:fld id="{96DFF08F-DC6B-4601-B491-B0F83F6DD2DA}" type="datetimeFigureOut">
               <a:rPr lang="en-US" dirty="0"/>
-              <a:t>5/10/2019</a:t>
+              <a:t>5/11/2019</a:t>
             </a:fld>
             <a:endParaRPr lang="en-US" dirty="0"/>
           </a:p>
@@ -809,7 +809,7 @@
           <a:p>
             <a:fld id="{96DFF08F-DC6B-4601-B491-B0F83F6DD2DA}" type="datetimeFigureOut">
               <a:rPr lang="en-US" dirty="0"/>
-              <a:t>5/10/2019</a:t>
+              <a:t>5/11/2019</a:t>
             </a:fld>
             <a:endParaRPr lang="en-US" dirty="0"/>
           </a:p>
@@ -974,7 +974,7 @@
           <a:p>
             <a:fld id="{D62CEF3B-A037-46D0-B02C-1428F07E9383}" type="datetimeFigureOut">
               <a:rPr lang="en-US" dirty="0"/>
-              <a:t>5/10/2019</a:t>
+              <a:t>5/11/2019</a:t>
             </a:fld>
             <a:endParaRPr lang="en-US" dirty="0"/>
           </a:p>
@@ -1312,7 +1312,7 @@
           <a:p>
             <a:fld id="{96DFF08F-DC6B-4601-B491-B0F83F6DD2DA}" type="datetimeFigureOut">
               <a:rPr lang="en-US" dirty="0"/>
-              <a:t>5/10/2019</a:t>
+              <a:t>5/11/2019</a:t>
             </a:fld>
             <a:endParaRPr lang="en-US" dirty="0"/>
           </a:p>
@@ -1582,7 +1582,7 @@
           <a:p>
             <a:fld id="{96DFF08F-DC6B-4601-B491-B0F83F6DD2DA}" type="datetimeFigureOut">
               <a:rPr lang="en-US" dirty="0"/>
-              <a:t>5/10/2019</a:t>
+              <a:t>5/11/2019</a:t>
             </a:fld>
             <a:endParaRPr lang="en-US" dirty="0"/>
           </a:p>
@@ -1956,7 +1956,7 @@
           <a:p>
             <a:fld id="{96DFF08F-DC6B-4601-B491-B0F83F6DD2DA}" type="datetimeFigureOut">
               <a:rPr lang="en-US" dirty="0"/>
-              <a:t>5/10/2019</a:t>
+              <a:t>5/11/2019</a:t>
             </a:fld>
             <a:endParaRPr lang="en-US" dirty="0"/>
           </a:p>
@@ -2069,7 +2069,7 @@
           <a:p>
             <a:fld id="{96DFF08F-DC6B-4601-B491-B0F83F6DD2DA}" type="datetimeFigureOut">
               <a:rPr lang="en-US" dirty="0"/>
-              <a:t>5/10/2019</a:t>
+              <a:t>5/11/2019</a:t>
             </a:fld>
             <a:endParaRPr lang="en-US" dirty="0"/>
           </a:p>
@@ -2236,7 +2236,7 @@
             <a:fld id="{96DFF08F-DC6B-4601-B491-B0F83F6DD2DA}" type="datetimeFigureOut">
               <a:rPr lang="en-US" dirty="0"/>
               <a:pPr/>
-              <a:t>5/10/2019</a:t>
+              <a:t>5/11/2019</a:t>
             </a:fld>
             <a:endParaRPr lang="en-US" dirty="0"/>
           </a:p>
@@ -2587,7 +2587,7 @@
             <a:fld id="{96DFF08F-DC6B-4601-B491-B0F83F6DD2DA}" type="datetimeFigureOut">
               <a:rPr lang="en-US" dirty="0"/>
               <a:pPr/>
-              <a:t>5/10/2019</a:t>
+              <a:t>5/11/2019</a:t>
             </a:fld>
             <a:endParaRPr lang="en-US" dirty="0"/>
           </a:p>
@@ -2960,7 +2960,7 @@
           <a:p>
             <a:fld id="{96DFF08F-DC6B-4601-B491-B0F83F6DD2DA}" type="datetimeFigureOut">
               <a:rPr lang="en-US" dirty="0"/>
-              <a:t>5/10/2019</a:t>
+              <a:t>5/11/2019</a:t>
             </a:fld>
             <a:endParaRPr lang="en-US" dirty="0"/>
           </a:p>
@@ -3243,7 +3243,7 @@
             <a:fld id="{96DFF08F-DC6B-4601-B491-B0F83F6DD2DA}" type="datetimeFigureOut">
               <a:rPr lang="en-US" dirty="0"/>
               <a:pPr/>
-              <a:t>5/10/2019</a:t>
+              <a:t>5/11/2019</a:t>
             </a:fld>
             <a:endParaRPr lang="en-US" dirty="0"/>
           </a:p>
@@ -9380,8 +9380,17 @@
             </a:r>
             <a:r>
               <a:rPr lang="en-US" dirty="0"/>
-              <a:t> Types</a:t>
-            </a:r>
+              <a:t> Types (</a:t>
+            </a:r>
+            <a:r>
+              <a:rPr lang="en-US" dirty="0" err="1"/>
+              <a:t>Nullables</a:t>
+            </a:r>
+            <a:r>
+              <a:rPr lang="en-US"/>
+              <a:t> especially)</a:t>
+            </a:r>
+            <a:endParaRPr lang="en-US" dirty="0"/>
           </a:p>
         </p:txBody>
       </p:sp>
